--- a/Figures/Figures.pptx
+++ b/Figures/Figures.pptx
@@ -8,7 +8,14 @@
     <p:sldId id="257" r:id="rId2"/>
     <p:sldId id="259" r:id="rId3"/>
     <p:sldId id="260" r:id="rId4"/>
-    <p:sldId id="258" r:id="rId5"/>
+    <p:sldId id="261" r:id="rId5"/>
+    <p:sldId id="268" r:id="rId6"/>
+    <p:sldId id="269" r:id="rId7"/>
+    <p:sldId id="270" r:id="rId8"/>
+    <p:sldId id="271" r:id="rId9"/>
+    <p:sldId id="272" r:id="rId10"/>
+    <p:sldId id="267" r:id="rId11"/>
+    <p:sldId id="258" r:id="rId12"/>
   </p:sldIdLst>
   <p:sldSz cx="12192000" cy="6858000"/>
   <p:notesSz cx="6985000" cy="9283700"/>
@@ -3433,6 +3440,3422 @@
 </p:sld>
 </file>
 
+<file path=ppt/slides/slide10.xml><?xml version="1.0" encoding="utf-8"?>
+<p:sld xmlns:a="http://schemas.openxmlformats.org/drawingml/2006/main" xmlns:r="http://schemas.openxmlformats.org/officeDocument/2006/relationships" xmlns:p="http://schemas.openxmlformats.org/presentationml/2006/main">
+  <p:cSld>
+    <p:spTree>
+      <p:nvGrpSpPr>
+        <p:cNvPr id="1" name=""/>
+        <p:cNvGrpSpPr/>
+        <p:nvPr/>
+      </p:nvGrpSpPr>
+      <p:grpSpPr>
+        <a:xfrm>
+          <a:off x="0" y="0"/>
+          <a:ext cx="0" cy="0"/>
+          <a:chOff x="0" y="0"/>
+          <a:chExt cx="0" cy="0"/>
+        </a:xfrm>
+      </p:grpSpPr>
+      <p:sp>
+        <p:nvSpPr>
+          <p:cNvPr id="4" name="Slide Number Placeholder 3">
+            <a:extLst>
+              <a:ext uri="{FF2B5EF4-FFF2-40B4-BE49-F238E27FC236}">
+                <a16:creationId xmlns:a16="http://schemas.microsoft.com/office/drawing/2014/main" id="{790E0CBE-B0EA-E96F-F803-CA462A42B351}"/>
+              </a:ext>
+            </a:extLst>
+          </p:cNvPr>
+          <p:cNvSpPr>
+            <a:spLocks noGrp="1"/>
+          </p:cNvSpPr>
+          <p:nvPr>
+            <p:ph type="sldNum" sz="quarter" idx="12"/>
+          </p:nvPr>
+        </p:nvSpPr>
+        <p:spPr/>
+        <p:txBody>
+          <a:bodyPr/>
+          <a:lstStyle/>
+          <a:p>
+            <a:fld id="{56E30113-D701-4764-922C-6BFAC85290FE}" type="slidenum">
+              <a:rPr lang="en-US" smtClean="0">
+                <a:latin typeface="Times New Roman" panose="02020603050405020304" pitchFamily="18" charset="0"/>
+                <a:cs typeface="Times New Roman" panose="02020603050405020304" pitchFamily="18" charset="0"/>
+              </a:rPr>
+              <a:t>10</a:t>
+            </a:fld>
+            <a:endParaRPr lang="en-US">
+              <a:latin typeface="Times New Roman" panose="02020603050405020304" pitchFamily="18" charset="0"/>
+              <a:cs typeface="Times New Roman" panose="02020603050405020304" pitchFamily="18" charset="0"/>
+            </a:endParaRPr>
+          </a:p>
+        </p:txBody>
+      </p:sp>
+      <p:sp>
+        <p:nvSpPr>
+          <p:cNvPr id="5" name="Title 1">
+            <a:extLst>
+              <a:ext uri="{FF2B5EF4-FFF2-40B4-BE49-F238E27FC236}">
+                <a16:creationId xmlns:a16="http://schemas.microsoft.com/office/drawing/2014/main" id="{22D95E01-AA4A-BFD9-B762-43749D5C21DD}"/>
+              </a:ext>
+            </a:extLst>
+          </p:cNvPr>
+          <p:cNvSpPr>
+            <a:spLocks noGrp="1"/>
+          </p:cNvSpPr>
+          <p:nvPr>
+            <p:ph type="title"/>
+          </p:nvPr>
+        </p:nvSpPr>
+        <p:spPr>
+          <a:xfrm>
+            <a:off x="-5916" y="0"/>
+            <a:ext cx="10515600" cy="1325563"/>
+          </a:xfrm>
+        </p:spPr>
+        <p:txBody>
+          <a:bodyPr/>
+          <a:lstStyle/>
+          <a:p>
+            <a:r>
+              <a:rPr lang="en-US" dirty="0">
+                <a:latin typeface="Times New Roman" panose="02020603050405020304" pitchFamily="18" charset="0"/>
+                <a:cs typeface="Times New Roman" panose="02020603050405020304" pitchFamily="18" charset="0"/>
+              </a:rPr>
+              <a:t>Belleville Washer - Nomenclature</a:t>
+            </a:r>
+          </a:p>
+        </p:txBody>
+      </p:sp>
+      <p:graphicFrame>
+        <p:nvGraphicFramePr>
+          <p:cNvPr id="8" name="Table 8">
+            <a:extLst>
+              <a:ext uri="{FF2B5EF4-FFF2-40B4-BE49-F238E27FC236}">
+                <a16:creationId xmlns:a16="http://schemas.microsoft.com/office/drawing/2014/main" id="{858F6303-C5D3-0A4F-5EE2-54008503BA9B}"/>
+              </a:ext>
+            </a:extLst>
+          </p:cNvPr>
+          <p:cNvGraphicFramePr>
+            <a:graphicFrameLocks noGrp="1"/>
+          </p:cNvGraphicFramePr>
+          <p:nvPr/>
+        </p:nvGraphicFramePr>
+        <p:xfrm>
+          <a:off x="1597632" y="1339467"/>
+          <a:ext cx="8844909" cy="5277090"/>
+        </p:xfrm>
+        <a:graphic>
+          <a:graphicData uri="http://schemas.openxmlformats.org/drawingml/2006/table">
+            <a:tbl>
+              <a:tblPr firstRow="1" bandRow="1">
+                <a:tableStyleId>{5940675A-B579-460E-94D1-54222C63F5DA}</a:tableStyleId>
+              </a:tblPr>
+              <a:tblGrid>
+                <a:gridCol w="981181">
+                  <a:extLst>
+                    <a:ext uri="{9D8B030D-6E8A-4147-A177-3AD203B41FA5}">
+                      <a16:colId xmlns:a16="http://schemas.microsoft.com/office/drawing/2014/main" val="3757382867"/>
+                    </a:ext>
+                  </a:extLst>
+                </a:gridCol>
+                <a:gridCol w="4915425">
+                  <a:extLst>
+                    <a:ext uri="{9D8B030D-6E8A-4147-A177-3AD203B41FA5}">
+                      <a16:colId xmlns:a16="http://schemas.microsoft.com/office/drawing/2014/main" val="3506292901"/>
+                    </a:ext>
+                  </a:extLst>
+                </a:gridCol>
+                <a:gridCol w="2948303">
+                  <a:extLst>
+                    <a:ext uri="{9D8B030D-6E8A-4147-A177-3AD203B41FA5}">
+                      <a16:colId xmlns:a16="http://schemas.microsoft.com/office/drawing/2014/main" val="3005528259"/>
+                    </a:ext>
+                  </a:extLst>
+                </a:gridCol>
+              </a:tblGrid>
+              <a:tr h="370840">
+                <a:tc>
+                  <a:txBody>
+                    <a:bodyPr/>
+                    <a:lstStyle/>
+                    <a:p>
+                      <a:pPr algn="ctr"/>
+                      <a:endParaRPr lang="en-US" dirty="0">
+                        <a:latin typeface="Times New Roman" panose="02020603050405020304" pitchFamily="18" charset="0"/>
+                        <a:cs typeface="Times New Roman" panose="02020603050405020304" pitchFamily="18" charset="0"/>
+                      </a:endParaRPr>
+                    </a:p>
+                  </a:txBody>
+                  <a:tcPr anchor="ctr"/>
+                </a:tc>
+                <a:tc>
+                  <a:txBody>
+                    <a:bodyPr/>
+                    <a:lstStyle/>
+                    <a:p>
+                      <a:pPr algn="ctr"/>
+                      <a:r>
+                        <a:rPr lang="en-US" dirty="0">
+                          <a:latin typeface="Times New Roman" panose="02020603050405020304" pitchFamily="18" charset="0"/>
+                          <a:cs typeface="Times New Roman" panose="02020603050405020304" pitchFamily="18" charset="0"/>
+                        </a:rPr>
+                        <a:t>Configuration</a:t>
+                      </a:r>
+                    </a:p>
+                  </a:txBody>
+                  <a:tcPr anchor="ctr"/>
+                </a:tc>
+                <a:tc>
+                  <a:txBody>
+                    <a:bodyPr/>
+                    <a:lstStyle/>
+                    <a:p>
+                      <a:pPr algn="ctr"/>
+                      <a:r>
+                        <a:rPr lang="en-US" dirty="0">
+                          <a:latin typeface="Times New Roman" panose="02020603050405020304" pitchFamily="18" charset="0"/>
+                          <a:cs typeface="Times New Roman" panose="02020603050405020304" pitchFamily="18" charset="0"/>
+                        </a:rPr>
+                        <a:t>Naming</a:t>
+                      </a:r>
+                    </a:p>
+                  </a:txBody>
+                  <a:tcPr anchor="ctr"/>
+                </a:tc>
+                <a:extLst>
+                  <a:ext uri="{0D108BD9-81ED-4DB2-BD59-A6C34878D82A}">
+                    <a16:rowId xmlns:a16="http://schemas.microsoft.com/office/drawing/2014/main" val="458136495"/>
+                  </a:ext>
+                </a:extLst>
+              </a:tr>
+              <a:tr h="544873">
+                <a:tc>
+                  <a:txBody>
+                    <a:bodyPr/>
+                    <a:lstStyle/>
+                    <a:p>
+                      <a:pPr algn="ctr"/>
+                      <a:r>
+                        <a:rPr lang="en-US" dirty="0">
+                          <a:latin typeface="Times New Roman" panose="02020603050405020304" pitchFamily="18" charset="0"/>
+                          <a:cs typeface="Times New Roman" panose="02020603050405020304" pitchFamily="18" charset="0"/>
+                        </a:rPr>
+                        <a:t>1</a:t>
+                      </a:r>
+                    </a:p>
+                  </a:txBody>
+                  <a:tcPr anchor="ctr"/>
+                </a:tc>
+                <a:tc>
+                  <a:txBody>
+                    <a:bodyPr/>
+                    <a:lstStyle/>
+                    <a:p>
+                      <a:pPr algn="ctr"/>
+                      <a:endParaRPr lang="en-US" dirty="0">
+                        <a:latin typeface="Times New Roman" panose="02020603050405020304" pitchFamily="18" charset="0"/>
+                        <a:cs typeface="Times New Roman" panose="02020603050405020304" pitchFamily="18" charset="0"/>
+                      </a:endParaRPr>
+                    </a:p>
+                  </a:txBody>
+                  <a:tcPr anchor="ctr"/>
+                </a:tc>
+                <a:tc>
+                  <a:txBody>
+                    <a:bodyPr/>
+                    <a:lstStyle/>
+                    <a:p>
+                      <a:pPr algn="ctr"/>
+                      <a:r>
+                        <a:rPr lang="en-US" dirty="0">
+                          <a:latin typeface="Times New Roman" panose="02020603050405020304" pitchFamily="18" charset="0"/>
+                          <a:cs typeface="Times New Roman" panose="02020603050405020304" pitchFamily="18" charset="0"/>
+                        </a:rPr>
+                        <a:t>1U</a:t>
+                      </a:r>
+                    </a:p>
+                  </a:txBody>
+                  <a:tcPr anchor="ctr"/>
+                </a:tc>
+                <a:extLst>
+                  <a:ext uri="{0D108BD9-81ED-4DB2-BD59-A6C34878D82A}">
+                    <a16:rowId xmlns:a16="http://schemas.microsoft.com/office/drawing/2014/main" val="65295974"/>
+                  </a:ext>
+                </a:extLst>
+              </a:tr>
+              <a:tr h="585627">
+                <a:tc>
+                  <a:txBody>
+                    <a:bodyPr/>
+                    <a:lstStyle/>
+                    <a:p>
+                      <a:pPr algn="ctr"/>
+                      <a:r>
+                        <a:rPr lang="en-US" dirty="0">
+                          <a:latin typeface="Times New Roman" panose="02020603050405020304" pitchFamily="18" charset="0"/>
+                          <a:cs typeface="Times New Roman" panose="02020603050405020304" pitchFamily="18" charset="0"/>
+                        </a:rPr>
+                        <a:t>2</a:t>
+                      </a:r>
+                    </a:p>
+                  </a:txBody>
+                  <a:tcPr anchor="ctr"/>
+                </a:tc>
+                <a:tc>
+                  <a:txBody>
+                    <a:bodyPr/>
+                    <a:lstStyle/>
+                    <a:p>
+                      <a:pPr algn="ctr"/>
+                      <a:endParaRPr lang="en-US">
+                        <a:latin typeface="Times New Roman" panose="02020603050405020304" pitchFamily="18" charset="0"/>
+                        <a:cs typeface="Times New Roman" panose="02020603050405020304" pitchFamily="18" charset="0"/>
+                      </a:endParaRPr>
+                    </a:p>
+                  </a:txBody>
+                  <a:tcPr anchor="ctr"/>
+                </a:tc>
+                <a:tc>
+                  <a:txBody>
+                    <a:bodyPr/>
+                    <a:lstStyle/>
+                    <a:p>
+                      <a:pPr algn="ctr"/>
+                      <a:r>
+                        <a:rPr lang="en-US" dirty="0">
+                          <a:latin typeface="Times New Roman" panose="02020603050405020304" pitchFamily="18" charset="0"/>
+                          <a:cs typeface="Times New Roman" panose="02020603050405020304" pitchFamily="18" charset="0"/>
+                        </a:rPr>
+                        <a:t>1D</a:t>
+                      </a:r>
+                    </a:p>
+                  </a:txBody>
+                  <a:tcPr anchor="ctr"/>
+                </a:tc>
+                <a:extLst>
+                  <a:ext uri="{0D108BD9-81ED-4DB2-BD59-A6C34878D82A}">
+                    <a16:rowId xmlns:a16="http://schemas.microsoft.com/office/drawing/2014/main" val="3685853714"/>
+                  </a:ext>
+                </a:extLst>
+              </a:tr>
+              <a:tr h="924674">
+                <a:tc>
+                  <a:txBody>
+                    <a:bodyPr/>
+                    <a:lstStyle/>
+                    <a:p>
+                      <a:pPr algn="ctr"/>
+                      <a:r>
+                        <a:rPr lang="en-US" dirty="0">
+                          <a:latin typeface="Times New Roman" panose="02020603050405020304" pitchFamily="18" charset="0"/>
+                          <a:cs typeface="Times New Roman" panose="02020603050405020304" pitchFamily="18" charset="0"/>
+                        </a:rPr>
+                        <a:t>3</a:t>
+                      </a:r>
+                    </a:p>
+                  </a:txBody>
+                  <a:tcPr anchor="ctr"/>
+                </a:tc>
+                <a:tc>
+                  <a:txBody>
+                    <a:bodyPr/>
+                    <a:lstStyle/>
+                    <a:p>
+                      <a:pPr algn="ctr"/>
+                      <a:endParaRPr lang="en-US" dirty="0">
+                        <a:latin typeface="Times New Roman" panose="02020603050405020304" pitchFamily="18" charset="0"/>
+                        <a:cs typeface="Times New Roman" panose="02020603050405020304" pitchFamily="18" charset="0"/>
+                      </a:endParaRPr>
+                    </a:p>
+                  </a:txBody>
+                  <a:tcPr anchor="ctr"/>
+                </a:tc>
+                <a:tc>
+                  <a:txBody>
+                    <a:bodyPr/>
+                    <a:lstStyle/>
+                    <a:p>
+                      <a:pPr algn="ctr"/>
+                      <a:r>
+                        <a:rPr lang="en-US" dirty="0">
+                          <a:latin typeface="Times New Roman" panose="02020603050405020304" pitchFamily="18" charset="0"/>
+                          <a:cs typeface="Times New Roman" panose="02020603050405020304" pitchFamily="18" charset="0"/>
+                        </a:rPr>
+                        <a:t>1U1D</a:t>
+                      </a:r>
+                    </a:p>
+                  </a:txBody>
+                  <a:tcPr anchor="ctr"/>
+                </a:tc>
+                <a:extLst>
+                  <a:ext uri="{0D108BD9-81ED-4DB2-BD59-A6C34878D82A}">
+                    <a16:rowId xmlns:a16="http://schemas.microsoft.com/office/drawing/2014/main" val="4287492563"/>
+                  </a:ext>
+                </a:extLst>
+              </a:tr>
+              <a:tr h="1381874">
+                <a:tc>
+                  <a:txBody>
+                    <a:bodyPr/>
+                    <a:lstStyle/>
+                    <a:p>
+                      <a:pPr algn="ctr"/>
+                      <a:r>
+                        <a:rPr lang="en-US" dirty="0">
+                          <a:latin typeface="Times New Roman" panose="02020603050405020304" pitchFamily="18" charset="0"/>
+                          <a:cs typeface="Times New Roman" panose="02020603050405020304" pitchFamily="18" charset="0"/>
+                        </a:rPr>
+                        <a:t>4</a:t>
+                      </a:r>
+                    </a:p>
+                  </a:txBody>
+                  <a:tcPr anchor="ctr"/>
+                </a:tc>
+                <a:tc>
+                  <a:txBody>
+                    <a:bodyPr/>
+                    <a:lstStyle/>
+                    <a:p>
+                      <a:pPr algn="ctr"/>
+                      <a:endParaRPr lang="en-US" dirty="0">
+                        <a:latin typeface="Times New Roman" panose="02020603050405020304" pitchFamily="18" charset="0"/>
+                        <a:cs typeface="Times New Roman" panose="02020603050405020304" pitchFamily="18" charset="0"/>
+                      </a:endParaRPr>
+                    </a:p>
+                  </a:txBody>
+                  <a:tcPr anchor="ctr"/>
+                </a:tc>
+                <a:tc>
+                  <a:txBody>
+                    <a:bodyPr/>
+                    <a:lstStyle/>
+                    <a:p>
+                      <a:pPr algn="ctr"/>
+                      <a:r>
+                        <a:rPr lang="en-US" dirty="0">
+                          <a:latin typeface="Times New Roman" panose="02020603050405020304" pitchFamily="18" charset="0"/>
+                          <a:cs typeface="Times New Roman" panose="02020603050405020304" pitchFamily="18" charset="0"/>
+                        </a:rPr>
+                        <a:t>2U2D</a:t>
+                      </a:r>
+                    </a:p>
+                  </a:txBody>
+                  <a:tcPr anchor="ctr"/>
+                </a:tc>
+                <a:extLst>
+                  <a:ext uri="{0D108BD9-81ED-4DB2-BD59-A6C34878D82A}">
+                    <a16:rowId xmlns:a16="http://schemas.microsoft.com/office/drawing/2014/main" val="1224946807"/>
+                  </a:ext>
+                </a:extLst>
+              </a:tr>
+              <a:tr h="1469202">
+                <a:tc>
+                  <a:txBody>
+                    <a:bodyPr/>
+                    <a:lstStyle/>
+                    <a:p>
+                      <a:pPr algn="ctr"/>
+                      <a:r>
+                        <a:rPr lang="en-US" dirty="0">
+                          <a:latin typeface="Times New Roman" panose="02020603050405020304" pitchFamily="18" charset="0"/>
+                          <a:cs typeface="Times New Roman" panose="02020603050405020304" pitchFamily="18" charset="0"/>
+                        </a:rPr>
+                        <a:t>5</a:t>
+                      </a:r>
+                    </a:p>
+                  </a:txBody>
+                  <a:tcPr anchor="ctr"/>
+                </a:tc>
+                <a:tc>
+                  <a:txBody>
+                    <a:bodyPr/>
+                    <a:lstStyle/>
+                    <a:p>
+                      <a:pPr algn="ctr"/>
+                      <a:endParaRPr lang="en-US" dirty="0">
+                        <a:latin typeface="Times New Roman" panose="02020603050405020304" pitchFamily="18" charset="0"/>
+                        <a:cs typeface="Times New Roman" panose="02020603050405020304" pitchFamily="18" charset="0"/>
+                      </a:endParaRPr>
+                    </a:p>
+                  </a:txBody>
+                  <a:tcPr anchor="ctr"/>
+                </a:tc>
+                <a:tc>
+                  <a:txBody>
+                    <a:bodyPr/>
+                    <a:lstStyle/>
+                    <a:p>
+                      <a:pPr algn="ctr"/>
+                      <a:r>
+                        <a:rPr lang="en-US" dirty="0">
+                          <a:latin typeface="Times New Roman" panose="02020603050405020304" pitchFamily="18" charset="0"/>
+                          <a:cs typeface="Times New Roman" panose="02020603050405020304" pitchFamily="18" charset="0"/>
+                        </a:rPr>
+                        <a:t>3U3D</a:t>
+                      </a:r>
+                    </a:p>
+                  </a:txBody>
+                  <a:tcPr anchor="ctr"/>
+                </a:tc>
+                <a:extLst>
+                  <a:ext uri="{0D108BD9-81ED-4DB2-BD59-A6C34878D82A}">
+                    <a16:rowId xmlns:a16="http://schemas.microsoft.com/office/drawing/2014/main" val="2257959292"/>
+                  </a:ext>
+                </a:extLst>
+              </a:tr>
+            </a:tbl>
+          </a:graphicData>
+        </a:graphic>
+      </p:graphicFrame>
+      <p:grpSp>
+        <p:nvGrpSpPr>
+          <p:cNvPr id="9" name="Group 8">
+            <a:extLst>
+              <a:ext uri="{FF2B5EF4-FFF2-40B4-BE49-F238E27FC236}">
+                <a16:creationId xmlns:a16="http://schemas.microsoft.com/office/drawing/2014/main" id="{C72BC6E9-A8E4-8A72-A239-3CD427EAFC0B}"/>
+              </a:ext>
+            </a:extLst>
+          </p:cNvPr>
+          <p:cNvGrpSpPr/>
+          <p:nvPr/>
+        </p:nvGrpSpPr>
+        <p:grpSpPr>
+          <a:xfrm>
+            <a:off x="3444304" y="1767097"/>
+            <a:ext cx="3119715" cy="242126"/>
+            <a:chOff x="8234363" y="1048512"/>
+            <a:chExt cx="3119715" cy="242126"/>
+          </a:xfrm>
+        </p:grpSpPr>
+        <p:sp>
+          <p:nvSpPr>
+            <p:cNvPr id="10" name="Rectangle 9">
+              <a:extLst>
+                <a:ext uri="{FF2B5EF4-FFF2-40B4-BE49-F238E27FC236}">
+                  <a16:creationId xmlns:a16="http://schemas.microsoft.com/office/drawing/2014/main" id="{4AC0D9C7-C58C-AFD5-0A9D-6849739EBD04}"/>
+                </a:ext>
+              </a:extLst>
+            </p:cNvPr>
+            <p:cNvSpPr/>
+            <p:nvPr/>
+          </p:nvSpPr>
+          <p:spPr>
+            <a:xfrm>
+              <a:off x="9336024" y="1048512"/>
+              <a:ext cx="908304" cy="91440"/>
+            </a:xfrm>
+            <a:prstGeom prst="rect">
+              <a:avLst/>
+            </a:prstGeom>
+            <a:solidFill>
+              <a:schemeClr val="bg2">
+                <a:lumMod val="50000"/>
+              </a:schemeClr>
+            </a:solidFill>
+            <a:ln>
+              <a:solidFill>
+                <a:schemeClr val="tx1"/>
+              </a:solidFill>
+            </a:ln>
+          </p:spPr>
+          <p:style>
+            <a:lnRef idx="2">
+              <a:schemeClr val="accent1">
+                <a:shade val="50000"/>
+              </a:schemeClr>
+            </a:lnRef>
+            <a:fillRef idx="1">
+              <a:schemeClr val="accent1"/>
+            </a:fillRef>
+            <a:effectRef idx="0">
+              <a:schemeClr val="accent1"/>
+            </a:effectRef>
+            <a:fontRef idx="minor">
+              <a:schemeClr val="lt1"/>
+            </a:fontRef>
+          </p:style>
+          <p:txBody>
+            <a:bodyPr rtlCol="0" anchor="ctr"/>
+            <a:lstStyle/>
+            <a:p>
+              <a:pPr algn="ctr"/>
+              <a:endParaRPr lang="en-US">
+                <a:latin typeface="Times New Roman" panose="02020603050405020304" pitchFamily="18" charset="0"/>
+                <a:cs typeface="Times New Roman" panose="02020603050405020304" pitchFamily="18" charset="0"/>
+              </a:endParaRPr>
+            </a:p>
+          </p:txBody>
+        </p:sp>
+        <p:sp>
+          <p:nvSpPr>
+            <p:cNvPr id="11" name="Rectangle 10">
+              <a:extLst>
+                <a:ext uri="{FF2B5EF4-FFF2-40B4-BE49-F238E27FC236}">
+                  <a16:creationId xmlns:a16="http://schemas.microsoft.com/office/drawing/2014/main" id="{EF6DD773-0E32-591E-35E8-04A0811E82F9}"/>
+                </a:ext>
+              </a:extLst>
+            </p:cNvPr>
+            <p:cNvSpPr/>
+            <p:nvPr/>
+          </p:nvSpPr>
+          <p:spPr>
+            <a:xfrm rot="4472091">
+              <a:off x="8758238" y="676275"/>
+              <a:ext cx="90487" cy="1138238"/>
+            </a:xfrm>
+            <a:prstGeom prst="rect">
+              <a:avLst/>
+            </a:prstGeom>
+            <a:solidFill>
+              <a:schemeClr val="bg2">
+                <a:lumMod val="50000"/>
+              </a:schemeClr>
+            </a:solidFill>
+            <a:ln>
+              <a:solidFill>
+                <a:schemeClr val="tx1"/>
+              </a:solidFill>
+            </a:ln>
+          </p:spPr>
+          <p:style>
+            <a:lnRef idx="2">
+              <a:schemeClr val="accent1">
+                <a:shade val="50000"/>
+              </a:schemeClr>
+            </a:lnRef>
+            <a:fillRef idx="1">
+              <a:schemeClr val="accent1"/>
+            </a:fillRef>
+            <a:effectRef idx="0">
+              <a:schemeClr val="accent1"/>
+            </a:effectRef>
+            <a:fontRef idx="minor">
+              <a:schemeClr val="lt1"/>
+            </a:fontRef>
+          </p:style>
+          <p:txBody>
+            <a:bodyPr rtlCol="0" anchor="ctr"/>
+            <a:lstStyle/>
+            <a:p>
+              <a:pPr algn="ctr"/>
+              <a:endParaRPr lang="en-US">
+                <a:latin typeface="Times New Roman" panose="02020603050405020304" pitchFamily="18" charset="0"/>
+                <a:cs typeface="Times New Roman" panose="02020603050405020304" pitchFamily="18" charset="0"/>
+              </a:endParaRPr>
+            </a:p>
+          </p:txBody>
+        </p:sp>
+        <p:sp>
+          <p:nvSpPr>
+            <p:cNvPr id="13" name="Rectangle 12">
+              <a:extLst>
+                <a:ext uri="{FF2B5EF4-FFF2-40B4-BE49-F238E27FC236}">
+                  <a16:creationId xmlns:a16="http://schemas.microsoft.com/office/drawing/2014/main" id="{06E8DA48-8FFE-7207-60D0-925E928CB5D7}"/>
+                </a:ext>
+              </a:extLst>
+            </p:cNvPr>
+            <p:cNvSpPr/>
+            <p:nvPr/>
+          </p:nvSpPr>
+          <p:spPr>
+            <a:xfrm rot="17127909" flipH="1">
+              <a:off x="10739715" y="676276"/>
+              <a:ext cx="90487" cy="1138238"/>
+            </a:xfrm>
+            <a:prstGeom prst="rect">
+              <a:avLst/>
+            </a:prstGeom>
+            <a:solidFill>
+              <a:schemeClr val="bg2">
+                <a:lumMod val="50000"/>
+              </a:schemeClr>
+            </a:solidFill>
+            <a:ln>
+              <a:solidFill>
+                <a:schemeClr val="tx1"/>
+              </a:solidFill>
+            </a:ln>
+          </p:spPr>
+          <p:style>
+            <a:lnRef idx="2">
+              <a:schemeClr val="accent1">
+                <a:shade val="50000"/>
+              </a:schemeClr>
+            </a:lnRef>
+            <a:fillRef idx="1">
+              <a:schemeClr val="accent1"/>
+            </a:fillRef>
+            <a:effectRef idx="0">
+              <a:schemeClr val="accent1"/>
+            </a:effectRef>
+            <a:fontRef idx="minor">
+              <a:schemeClr val="lt1"/>
+            </a:fontRef>
+          </p:style>
+          <p:txBody>
+            <a:bodyPr rtlCol="0" anchor="ctr"/>
+            <a:lstStyle/>
+            <a:p>
+              <a:pPr algn="ctr"/>
+              <a:endParaRPr lang="en-US">
+                <a:latin typeface="Times New Roman" panose="02020603050405020304" pitchFamily="18" charset="0"/>
+                <a:cs typeface="Times New Roman" panose="02020603050405020304" pitchFamily="18" charset="0"/>
+              </a:endParaRPr>
+            </a:p>
+          </p:txBody>
+        </p:sp>
+      </p:grpSp>
+      <p:grpSp>
+        <p:nvGrpSpPr>
+          <p:cNvPr id="18" name="Group 17">
+            <a:extLst>
+              <a:ext uri="{FF2B5EF4-FFF2-40B4-BE49-F238E27FC236}">
+                <a16:creationId xmlns:a16="http://schemas.microsoft.com/office/drawing/2014/main" id="{EDD24968-06B4-FA07-BED1-410448D95556}"/>
+              </a:ext>
+            </a:extLst>
+          </p:cNvPr>
+          <p:cNvGrpSpPr/>
+          <p:nvPr/>
+        </p:nvGrpSpPr>
+        <p:grpSpPr>
+          <a:xfrm rot="10800000">
+            <a:off x="3452845" y="2545278"/>
+            <a:ext cx="3119715" cy="242126"/>
+            <a:chOff x="8234363" y="1048512"/>
+            <a:chExt cx="3119715" cy="242126"/>
+          </a:xfrm>
+        </p:grpSpPr>
+        <p:sp>
+          <p:nvSpPr>
+            <p:cNvPr id="19" name="Rectangle 18">
+              <a:extLst>
+                <a:ext uri="{FF2B5EF4-FFF2-40B4-BE49-F238E27FC236}">
+                  <a16:creationId xmlns:a16="http://schemas.microsoft.com/office/drawing/2014/main" id="{1F8E0D04-2422-9EA7-4D5A-F835984D7EE5}"/>
+                </a:ext>
+              </a:extLst>
+            </p:cNvPr>
+            <p:cNvSpPr/>
+            <p:nvPr/>
+          </p:nvSpPr>
+          <p:spPr>
+            <a:xfrm>
+              <a:off x="9336024" y="1048512"/>
+              <a:ext cx="908304" cy="91440"/>
+            </a:xfrm>
+            <a:prstGeom prst="rect">
+              <a:avLst/>
+            </a:prstGeom>
+            <a:solidFill>
+              <a:schemeClr val="bg2">
+                <a:lumMod val="50000"/>
+              </a:schemeClr>
+            </a:solidFill>
+            <a:ln>
+              <a:solidFill>
+                <a:schemeClr val="tx1"/>
+              </a:solidFill>
+            </a:ln>
+          </p:spPr>
+          <p:style>
+            <a:lnRef idx="2">
+              <a:schemeClr val="accent1">
+                <a:shade val="50000"/>
+              </a:schemeClr>
+            </a:lnRef>
+            <a:fillRef idx="1">
+              <a:schemeClr val="accent1"/>
+            </a:fillRef>
+            <a:effectRef idx="0">
+              <a:schemeClr val="accent1"/>
+            </a:effectRef>
+            <a:fontRef idx="minor">
+              <a:schemeClr val="lt1"/>
+            </a:fontRef>
+          </p:style>
+          <p:txBody>
+            <a:bodyPr rtlCol="0" anchor="ctr"/>
+            <a:lstStyle/>
+            <a:p>
+              <a:pPr algn="ctr"/>
+              <a:endParaRPr lang="en-US">
+                <a:latin typeface="Times New Roman" panose="02020603050405020304" pitchFamily="18" charset="0"/>
+                <a:cs typeface="Times New Roman" panose="02020603050405020304" pitchFamily="18" charset="0"/>
+              </a:endParaRPr>
+            </a:p>
+          </p:txBody>
+        </p:sp>
+        <p:sp>
+          <p:nvSpPr>
+            <p:cNvPr id="20" name="Rectangle 19">
+              <a:extLst>
+                <a:ext uri="{FF2B5EF4-FFF2-40B4-BE49-F238E27FC236}">
+                  <a16:creationId xmlns:a16="http://schemas.microsoft.com/office/drawing/2014/main" id="{02B3B27A-7D78-CA1E-546E-B80CFFEFA5C0}"/>
+                </a:ext>
+              </a:extLst>
+            </p:cNvPr>
+            <p:cNvSpPr/>
+            <p:nvPr/>
+          </p:nvSpPr>
+          <p:spPr>
+            <a:xfrm rot="4472091">
+              <a:off x="8758238" y="676275"/>
+              <a:ext cx="90487" cy="1138238"/>
+            </a:xfrm>
+            <a:prstGeom prst="rect">
+              <a:avLst/>
+            </a:prstGeom>
+            <a:solidFill>
+              <a:schemeClr val="bg2">
+                <a:lumMod val="50000"/>
+              </a:schemeClr>
+            </a:solidFill>
+            <a:ln>
+              <a:solidFill>
+                <a:schemeClr val="tx1"/>
+              </a:solidFill>
+            </a:ln>
+          </p:spPr>
+          <p:style>
+            <a:lnRef idx="2">
+              <a:schemeClr val="accent1">
+                <a:shade val="50000"/>
+              </a:schemeClr>
+            </a:lnRef>
+            <a:fillRef idx="1">
+              <a:schemeClr val="accent1"/>
+            </a:fillRef>
+            <a:effectRef idx="0">
+              <a:schemeClr val="accent1"/>
+            </a:effectRef>
+            <a:fontRef idx="minor">
+              <a:schemeClr val="lt1"/>
+            </a:fontRef>
+          </p:style>
+          <p:txBody>
+            <a:bodyPr rtlCol="0" anchor="ctr"/>
+            <a:lstStyle/>
+            <a:p>
+              <a:pPr algn="ctr"/>
+              <a:endParaRPr lang="en-US">
+                <a:latin typeface="Times New Roman" panose="02020603050405020304" pitchFamily="18" charset="0"/>
+                <a:cs typeface="Times New Roman" panose="02020603050405020304" pitchFamily="18" charset="0"/>
+              </a:endParaRPr>
+            </a:p>
+          </p:txBody>
+        </p:sp>
+        <p:sp>
+          <p:nvSpPr>
+            <p:cNvPr id="21" name="Rectangle 20">
+              <a:extLst>
+                <a:ext uri="{FF2B5EF4-FFF2-40B4-BE49-F238E27FC236}">
+                  <a16:creationId xmlns:a16="http://schemas.microsoft.com/office/drawing/2014/main" id="{D07281C6-A18A-60C8-464D-446C84178F59}"/>
+                </a:ext>
+              </a:extLst>
+            </p:cNvPr>
+            <p:cNvSpPr/>
+            <p:nvPr/>
+          </p:nvSpPr>
+          <p:spPr>
+            <a:xfrm rot="17127909" flipH="1">
+              <a:off x="10739715" y="676276"/>
+              <a:ext cx="90487" cy="1138238"/>
+            </a:xfrm>
+            <a:prstGeom prst="rect">
+              <a:avLst/>
+            </a:prstGeom>
+            <a:solidFill>
+              <a:schemeClr val="bg2">
+                <a:lumMod val="50000"/>
+              </a:schemeClr>
+            </a:solidFill>
+            <a:ln>
+              <a:solidFill>
+                <a:schemeClr val="tx1"/>
+              </a:solidFill>
+            </a:ln>
+          </p:spPr>
+          <p:style>
+            <a:lnRef idx="2">
+              <a:schemeClr val="accent1">
+                <a:shade val="50000"/>
+              </a:schemeClr>
+            </a:lnRef>
+            <a:fillRef idx="1">
+              <a:schemeClr val="accent1"/>
+            </a:fillRef>
+            <a:effectRef idx="0">
+              <a:schemeClr val="accent1"/>
+            </a:effectRef>
+            <a:fontRef idx="minor">
+              <a:schemeClr val="lt1"/>
+            </a:fontRef>
+          </p:style>
+          <p:txBody>
+            <a:bodyPr rtlCol="0" anchor="ctr"/>
+            <a:lstStyle/>
+            <a:p>
+              <a:pPr algn="ctr"/>
+              <a:endParaRPr lang="en-US">
+                <a:latin typeface="Times New Roman" panose="02020603050405020304" pitchFamily="18" charset="0"/>
+                <a:cs typeface="Times New Roman" panose="02020603050405020304" pitchFamily="18" charset="0"/>
+              </a:endParaRPr>
+            </a:p>
+          </p:txBody>
+        </p:sp>
+      </p:grpSp>
+      <p:grpSp>
+        <p:nvGrpSpPr>
+          <p:cNvPr id="27" name="Group 26">
+            <a:extLst>
+              <a:ext uri="{FF2B5EF4-FFF2-40B4-BE49-F238E27FC236}">
+                <a16:creationId xmlns:a16="http://schemas.microsoft.com/office/drawing/2014/main" id="{5BC98F68-BFC2-3541-AE9D-BEF9CE7658A4}"/>
+              </a:ext>
+            </a:extLst>
+          </p:cNvPr>
+          <p:cNvGrpSpPr/>
+          <p:nvPr/>
+        </p:nvGrpSpPr>
+        <p:grpSpPr>
+          <a:xfrm>
+            <a:off x="3435762" y="2914229"/>
+            <a:ext cx="3119715" cy="242126"/>
+            <a:chOff x="8234363" y="1048512"/>
+            <a:chExt cx="3119715" cy="242126"/>
+          </a:xfrm>
+        </p:grpSpPr>
+        <p:sp>
+          <p:nvSpPr>
+            <p:cNvPr id="29" name="Rectangle 28">
+              <a:extLst>
+                <a:ext uri="{FF2B5EF4-FFF2-40B4-BE49-F238E27FC236}">
+                  <a16:creationId xmlns:a16="http://schemas.microsoft.com/office/drawing/2014/main" id="{14FBEA8C-A518-7C15-D3D1-786B50219BF8}"/>
+                </a:ext>
+              </a:extLst>
+            </p:cNvPr>
+            <p:cNvSpPr/>
+            <p:nvPr/>
+          </p:nvSpPr>
+          <p:spPr>
+            <a:xfrm>
+              <a:off x="9336024" y="1048512"/>
+              <a:ext cx="908304" cy="91440"/>
+            </a:xfrm>
+            <a:prstGeom prst="rect">
+              <a:avLst/>
+            </a:prstGeom>
+            <a:solidFill>
+              <a:schemeClr val="bg2">
+                <a:lumMod val="50000"/>
+              </a:schemeClr>
+            </a:solidFill>
+            <a:ln>
+              <a:solidFill>
+                <a:schemeClr val="tx1"/>
+              </a:solidFill>
+            </a:ln>
+          </p:spPr>
+          <p:style>
+            <a:lnRef idx="2">
+              <a:schemeClr val="accent1">
+                <a:shade val="50000"/>
+              </a:schemeClr>
+            </a:lnRef>
+            <a:fillRef idx="1">
+              <a:schemeClr val="accent1"/>
+            </a:fillRef>
+            <a:effectRef idx="0">
+              <a:schemeClr val="accent1"/>
+            </a:effectRef>
+            <a:fontRef idx="minor">
+              <a:schemeClr val="lt1"/>
+            </a:fontRef>
+          </p:style>
+          <p:txBody>
+            <a:bodyPr rtlCol="0" anchor="ctr"/>
+            <a:lstStyle/>
+            <a:p>
+              <a:pPr algn="ctr"/>
+              <a:endParaRPr lang="en-US">
+                <a:latin typeface="Times New Roman" panose="02020603050405020304" pitchFamily="18" charset="0"/>
+                <a:cs typeface="Times New Roman" panose="02020603050405020304" pitchFamily="18" charset="0"/>
+              </a:endParaRPr>
+            </a:p>
+          </p:txBody>
+        </p:sp>
+        <p:sp>
+          <p:nvSpPr>
+            <p:cNvPr id="33" name="Rectangle 32">
+              <a:extLst>
+                <a:ext uri="{FF2B5EF4-FFF2-40B4-BE49-F238E27FC236}">
+                  <a16:creationId xmlns:a16="http://schemas.microsoft.com/office/drawing/2014/main" id="{C5DE336C-58D4-D15E-B961-E501D75FDA0F}"/>
+                </a:ext>
+              </a:extLst>
+            </p:cNvPr>
+            <p:cNvSpPr/>
+            <p:nvPr/>
+          </p:nvSpPr>
+          <p:spPr>
+            <a:xfrm rot="4472091">
+              <a:off x="8758238" y="676275"/>
+              <a:ext cx="90487" cy="1138238"/>
+            </a:xfrm>
+            <a:prstGeom prst="rect">
+              <a:avLst/>
+            </a:prstGeom>
+            <a:solidFill>
+              <a:schemeClr val="bg2">
+                <a:lumMod val="50000"/>
+              </a:schemeClr>
+            </a:solidFill>
+            <a:ln>
+              <a:solidFill>
+                <a:schemeClr val="tx1"/>
+              </a:solidFill>
+            </a:ln>
+          </p:spPr>
+          <p:style>
+            <a:lnRef idx="2">
+              <a:schemeClr val="accent1">
+                <a:shade val="50000"/>
+              </a:schemeClr>
+            </a:lnRef>
+            <a:fillRef idx="1">
+              <a:schemeClr val="accent1"/>
+            </a:fillRef>
+            <a:effectRef idx="0">
+              <a:schemeClr val="accent1"/>
+            </a:effectRef>
+            <a:fontRef idx="minor">
+              <a:schemeClr val="lt1"/>
+            </a:fontRef>
+          </p:style>
+          <p:txBody>
+            <a:bodyPr rtlCol="0" anchor="ctr"/>
+            <a:lstStyle/>
+            <a:p>
+              <a:pPr algn="ctr"/>
+              <a:endParaRPr lang="en-US">
+                <a:latin typeface="Times New Roman" panose="02020603050405020304" pitchFamily="18" charset="0"/>
+                <a:cs typeface="Times New Roman" panose="02020603050405020304" pitchFamily="18" charset="0"/>
+              </a:endParaRPr>
+            </a:p>
+          </p:txBody>
+        </p:sp>
+        <p:sp>
+          <p:nvSpPr>
+            <p:cNvPr id="34" name="Rectangle 33">
+              <a:extLst>
+                <a:ext uri="{FF2B5EF4-FFF2-40B4-BE49-F238E27FC236}">
+                  <a16:creationId xmlns:a16="http://schemas.microsoft.com/office/drawing/2014/main" id="{15C9E0AA-8A9C-E7D7-8962-54D11EFE5E7B}"/>
+                </a:ext>
+              </a:extLst>
+            </p:cNvPr>
+            <p:cNvSpPr/>
+            <p:nvPr/>
+          </p:nvSpPr>
+          <p:spPr>
+            <a:xfrm rot="17127909" flipH="1">
+              <a:off x="10739715" y="676276"/>
+              <a:ext cx="90487" cy="1138238"/>
+            </a:xfrm>
+            <a:prstGeom prst="rect">
+              <a:avLst/>
+            </a:prstGeom>
+            <a:solidFill>
+              <a:schemeClr val="bg2">
+                <a:lumMod val="50000"/>
+              </a:schemeClr>
+            </a:solidFill>
+            <a:ln>
+              <a:solidFill>
+                <a:schemeClr val="tx1"/>
+              </a:solidFill>
+            </a:ln>
+          </p:spPr>
+          <p:style>
+            <a:lnRef idx="2">
+              <a:schemeClr val="accent1">
+                <a:shade val="50000"/>
+              </a:schemeClr>
+            </a:lnRef>
+            <a:fillRef idx="1">
+              <a:schemeClr val="accent1"/>
+            </a:fillRef>
+            <a:effectRef idx="0">
+              <a:schemeClr val="accent1"/>
+            </a:effectRef>
+            <a:fontRef idx="minor">
+              <a:schemeClr val="lt1"/>
+            </a:fontRef>
+          </p:style>
+          <p:txBody>
+            <a:bodyPr rtlCol="0" anchor="ctr"/>
+            <a:lstStyle/>
+            <a:p>
+              <a:pPr algn="ctr"/>
+              <a:endParaRPr lang="en-US">
+                <a:latin typeface="Times New Roman" panose="02020603050405020304" pitchFamily="18" charset="0"/>
+                <a:cs typeface="Times New Roman" panose="02020603050405020304" pitchFamily="18" charset="0"/>
+              </a:endParaRPr>
+            </a:p>
+          </p:txBody>
+        </p:sp>
+      </p:grpSp>
+      <p:grpSp>
+        <p:nvGrpSpPr>
+          <p:cNvPr id="38" name="Group 37">
+            <a:extLst>
+              <a:ext uri="{FF2B5EF4-FFF2-40B4-BE49-F238E27FC236}">
+                <a16:creationId xmlns:a16="http://schemas.microsoft.com/office/drawing/2014/main" id="{CA8D430F-C664-C304-7878-C44692DADB6C}"/>
+              </a:ext>
+            </a:extLst>
+          </p:cNvPr>
+          <p:cNvGrpSpPr/>
+          <p:nvPr/>
+        </p:nvGrpSpPr>
+        <p:grpSpPr>
+          <a:xfrm rot="10800000">
+            <a:off x="3427220" y="3437628"/>
+            <a:ext cx="3119715" cy="242126"/>
+            <a:chOff x="8234363" y="1048512"/>
+            <a:chExt cx="3119715" cy="242126"/>
+          </a:xfrm>
+        </p:grpSpPr>
+        <p:sp>
+          <p:nvSpPr>
+            <p:cNvPr id="42" name="Rectangle 41">
+              <a:extLst>
+                <a:ext uri="{FF2B5EF4-FFF2-40B4-BE49-F238E27FC236}">
+                  <a16:creationId xmlns:a16="http://schemas.microsoft.com/office/drawing/2014/main" id="{526BE801-1C0B-0434-C14B-0A972708C13A}"/>
+                </a:ext>
+              </a:extLst>
+            </p:cNvPr>
+            <p:cNvSpPr/>
+            <p:nvPr/>
+          </p:nvSpPr>
+          <p:spPr>
+            <a:xfrm>
+              <a:off x="9336024" y="1048512"/>
+              <a:ext cx="908304" cy="91440"/>
+            </a:xfrm>
+            <a:prstGeom prst="rect">
+              <a:avLst/>
+            </a:prstGeom>
+            <a:solidFill>
+              <a:schemeClr val="bg2">
+                <a:lumMod val="50000"/>
+              </a:schemeClr>
+            </a:solidFill>
+            <a:ln>
+              <a:solidFill>
+                <a:schemeClr val="tx1"/>
+              </a:solidFill>
+            </a:ln>
+          </p:spPr>
+          <p:style>
+            <a:lnRef idx="2">
+              <a:schemeClr val="accent1">
+                <a:shade val="50000"/>
+              </a:schemeClr>
+            </a:lnRef>
+            <a:fillRef idx="1">
+              <a:schemeClr val="accent1"/>
+            </a:fillRef>
+            <a:effectRef idx="0">
+              <a:schemeClr val="accent1"/>
+            </a:effectRef>
+            <a:fontRef idx="minor">
+              <a:schemeClr val="lt1"/>
+            </a:fontRef>
+          </p:style>
+          <p:txBody>
+            <a:bodyPr rtlCol="0" anchor="ctr"/>
+            <a:lstStyle/>
+            <a:p>
+              <a:pPr algn="ctr"/>
+              <a:endParaRPr lang="en-US">
+                <a:latin typeface="Times New Roman" panose="02020603050405020304" pitchFamily="18" charset="0"/>
+                <a:cs typeface="Times New Roman" panose="02020603050405020304" pitchFamily="18" charset="0"/>
+              </a:endParaRPr>
+            </a:p>
+          </p:txBody>
+        </p:sp>
+        <p:sp>
+          <p:nvSpPr>
+            <p:cNvPr id="43" name="Rectangle 42">
+              <a:extLst>
+                <a:ext uri="{FF2B5EF4-FFF2-40B4-BE49-F238E27FC236}">
+                  <a16:creationId xmlns:a16="http://schemas.microsoft.com/office/drawing/2014/main" id="{A1138661-E6F9-214A-F677-24D7019BA128}"/>
+                </a:ext>
+              </a:extLst>
+            </p:cNvPr>
+            <p:cNvSpPr/>
+            <p:nvPr/>
+          </p:nvSpPr>
+          <p:spPr>
+            <a:xfrm rot="4472091">
+              <a:off x="8758238" y="676275"/>
+              <a:ext cx="90487" cy="1138238"/>
+            </a:xfrm>
+            <a:prstGeom prst="rect">
+              <a:avLst/>
+            </a:prstGeom>
+            <a:solidFill>
+              <a:schemeClr val="bg2">
+                <a:lumMod val="50000"/>
+              </a:schemeClr>
+            </a:solidFill>
+            <a:ln>
+              <a:solidFill>
+                <a:schemeClr val="tx1"/>
+              </a:solidFill>
+            </a:ln>
+          </p:spPr>
+          <p:style>
+            <a:lnRef idx="2">
+              <a:schemeClr val="accent1">
+                <a:shade val="50000"/>
+              </a:schemeClr>
+            </a:lnRef>
+            <a:fillRef idx="1">
+              <a:schemeClr val="accent1"/>
+            </a:fillRef>
+            <a:effectRef idx="0">
+              <a:schemeClr val="accent1"/>
+            </a:effectRef>
+            <a:fontRef idx="minor">
+              <a:schemeClr val="lt1"/>
+            </a:fontRef>
+          </p:style>
+          <p:txBody>
+            <a:bodyPr rtlCol="0" anchor="ctr"/>
+            <a:lstStyle/>
+            <a:p>
+              <a:pPr algn="ctr"/>
+              <a:endParaRPr lang="en-US">
+                <a:latin typeface="Times New Roman" panose="02020603050405020304" pitchFamily="18" charset="0"/>
+                <a:cs typeface="Times New Roman" panose="02020603050405020304" pitchFamily="18" charset="0"/>
+              </a:endParaRPr>
+            </a:p>
+          </p:txBody>
+        </p:sp>
+        <p:sp>
+          <p:nvSpPr>
+            <p:cNvPr id="44" name="Rectangle 43">
+              <a:extLst>
+                <a:ext uri="{FF2B5EF4-FFF2-40B4-BE49-F238E27FC236}">
+                  <a16:creationId xmlns:a16="http://schemas.microsoft.com/office/drawing/2014/main" id="{8C78E433-98CA-9003-E43C-2D10257C52E8}"/>
+                </a:ext>
+              </a:extLst>
+            </p:cNvPr>
+            <p:cNvSpPr/>
+            <p:nvPr/>
+          </p:nvSpPr>
+          <p:spPr>
+            <a:xfrm rot="17127909" flipH="1">
+              <a:off x="10739715" y="676276"/>
+              <a:ext cx="90487" cy="1138238"/>
+            </a:xfrm>
+            <a:prstGeom prst="rect">
+              <a:avLst/>
+            </a:prstGeom>
+            <a:solidFill>
+              <a:schemeClr val="bg2">
+                <a:lumMod val="50000"/>
+              </a:schemeClr>
+            </a:solidFill>
+            <a:ln>
+              <a:solidFill>
+                <a:schemeClr val="tx1"/>
+              </a:solidFill>
+            </a:ln>
+          </p:spPr>
+          <p:style>
+            <a:lnRef idx="2">
+              <a:schemeClr val="accent1">
+                <a:shade val="50000"/>
+              </a:schemeClr>
+            </a:lnRef>
+            <a:fillRef idx="1">
+              <a:schemeClr val="accent1"/>
+            </a:fillRef>
+            <a:effectRef idx="0">
+              <a:schemeClr val="accent1"/>
+            </a:effectRef>
+            <a:fontRef idx="minor">
+              <a:schemeClr val="lt1"/>
+            </a:fontRef>
+          </p:style>
+          <p:txBody>
+            <a:bodyPr rtlCol="0" anchor="ctr"/>
+            <a:lstStyle/>
+            <a:p>
+              <a:pPr algn="ctr"/>
+              <a:endParaRPr lang="en-US">
+                <a:latin typeface="Times New Roman" panose="02020603050405020304" pitchFamily="18" charset="0"/>
+                <a:cs typeface="Times New Roman" panose="02020603050405020304" pitchFamily="18" charset="0"/>
+              </a:endParaRPr>
+            </a:p>
+          </p:txBody>
+        </p:sp>
+      </p:grpSp>
+      <p:grpSp>
+        <p:nvGrpSpPr>
+          <p:cNvPr id="105" name="Group 104">
+            <a:extLst>
+              <a:ext uri="{FF2B5EF4-FFF2-40B4-BE49-F238E27FC236}">
+                <a16:creationId xmlns:a16="http://schemas.microsoft.com/office/drawing/2014/main" id="{D5E2E44E-B769-A19E-EF9D-628F5EFB10EC}"/>
+              </a:ext>
+            </a:extLst>
+          </p:cNvPr>
+          <p:cNvGrpSpPr/>
+          <p:nvPr/>
+        </p:nvGrpSpPr>
+        <p:grpSpPr>
+          <a:xfrm>
+            <a:off x="3427220" y="4062880"/>
+            <a:ext cx="3119715" cy="242126"/>
+            <a:chOff x="8234363" y="1048512"/>
+            <a:chExt cx="3119715" cy="242126"/>
+          </a:xfrm>
+        </p:grpSpPr>
+        <p:sp>
+          <p:nvSpPr>
+            <p:cNvPr id="106" name="Rectangle 105">
+              <a:extLst>
+                <a:ext uri="{FF2B5EF4-FFF2-40B4-BE49-F238E27FC236}">
+                  <a16:creationId xmlns:a16="http://schemas.microsoft.com/office/drawing/2014/main" id="{B0E32980-E6F3-65E0-E673-CD72AA429FD4}"/>
+                </a:ext>
+              </a:extLst>
+            </p:cNvPr>
+            <p:cNvSpPr/>
+            <p:nvPr/>
+          </p:nvSpPr>
+          <p:spPr>
+            <a:xfrm>
+              <a:off x="9336024" y="1048512"/>
+              <a:ext cx="908304" cy="91440"/>
+            </a:xfrm>
+            <a:prstGeom prst="rect">
+              <a:avLst/>
+            </a:prstGeom>
+            <a:solidFill>
+              <a:schemeClr val="bg2">
+                <a:lumMod val="50000"/>
+              </a:schemeClr>
+            </a:solidFill>
+            <a:ln>
+              <a:solidFill>
+                <a:schemeClr val="tx1"/>
+              </a:solidFill>
+            </a:ln>
+          </p:spPr>
+          <p:style>
+            <a:lnRef idx="2">
+              <a:schemeClr val="accent1">
+                <a:shade val="50000"/>
+              </a:schemeClr>
+            </a:lnRef>
+            <a:fillRef idx="1">
+              <a:schemeClr val="accent1"/>
+            </a:fillRef>
+            <a:effectRef idx="0">
+              <a:schemeClr val="accent1"/>
+            </a:effectRef>
+            <a:fontRef idx="minor">
+              <a:schemeClr val="lt1"/>
+            </a:fontRef>
+          </p:style>
+          <p:txBody>
+            <a:bodyPr rtlCol="0" anchor="ctr"/>
+            <a:lstStyle/>
+            <a:p>
+              <a:pPr algn="ctr"/>
+              <a:endParaRPr lang="en-US">
+                <a:latin typeface="Times New Roman" panose="02020603050405020304" pitchFamily="18" charset="0"/>
+                <a:cs typeface="Times New Roman" panose="02020603050405020304" pitchFamily="18" charset="0"/>
+              </a:endParaRPr>
+            </a:p>
+          </p:txBody>
+        </p:sp>
+        <p:sp>
+          <p:nvSpPr>
+            <p:cNvPr id="107" name="Rectangle 106">
+              <a:extLst>
+                <a:ext uri="{FF2B5EF4-FFF2-40B4-BE49-F238E27FC236}">
+                  <a16:creationId xmlns:a16="http://schemas.microsoft.com/office/drawing/2014/main" id="{6F16A116-AD62-EC5E-BE12-4C282862D21E}"/>
+                </a:ext>
+              </a:extLst>
+            </p:cNvPr>
+            <p:cNvSpPr/>
+            <p:nvPr/>
+          </p:nvSpPr>
+          <p:spPr>
+            <a:xfrm rot="4472091">
+              <a:off x="8758238" y="676275"/>
+              <a:ext cx="90487" cy="1138238"/>
+            </a:xfrm>
+            <a:prstGeom prst="rect">
+              <a:avLst/>
+            </a:prstGeom>
+            <a:solidFill>
+              <a:schemeClr val="bg2">
+                <a:lumMod val="50000"/>
+              </a:schemeClr>
+            </a:solidFill>
+            <a:ln>
+              <a:solidFill>
+                <a:schemeClr val="tx1"/>
+              </a:solidFill>
+            </a:ln>
+          </p:spPr>
+          <p:style>
+            <a:lnRef idx="2">
+              <a:schemeClr val="accent1">
+                <a:shade val="50000"/>
+              </a:schemeClr>
+            </a:lnRef>
+            <a:fillRef idx="1">
+              <a:schemeClr val="accent1"/>
+            </a:fillRef>
+            <a:effectRef idx="0">
+              <a:schemeClr val="accent1"/>
+            </a:effectRef>
+            <a:fontRef idx="minor">
+              <a:schemeClr val="lt1"/>
+            </a:fontRef>
+          </p:style>
+          <p:txBody>
+            <a:bodyPr rtlCol="0" anchor="ctr"/>
+            <a:lstStyle/>
+            <a:p>
+              <a:pPr algn="ctr"/>
+              <a:endParaRPr lang="en-US">
+                <a:latin typeface="Times New Roman" panose="02020603050405020304" pitchFamily="18" charset="0"/>
+                <a:cs typeface="Times New Roman" panose="02020603050405020304" pitchFamily="18" charset="0"/>
+              </a:endParaRPr>
+            </a:p>
+          </p:txBody>
+        </p:sp>
+        <p:sp>
+          <p:nvSpPr>
+            <p:cNvPr id="108" name="Rectangle 107">
+              <a:extLst>
+                <a:ext uri="{FF2B5EF4-FFF2-40B4-BE49-F238E27FC236}">
+                  <a16:creationId xmlns:a16="http://schemas.microsoft.com/office/drawing/2014/main" id="{33044C14-AF0E-381C-31D9-7CAEABAAE084}"/>
+                </a:ext>
+              </a:extLst>
+            </p:cNvPr>
+            <p:cNvSpPr/>
+            <p:nvPr/>
+          </p:nvSpPr>
+          <p:spPr>
+            <a:xfrm rot="17127909" flipH="1">
+              <a:off x="10739715" y="676276"/>
+              <a:ext cx="90487" cy="1138238"/>
+            </a:xfrm>
+            <a:prstGeom prst="rect">
+              <a:avLst/>
+            </a:prstGeom>
+            <a:solidFill>
+              <a:schemeClr val="bg2">
+                <a:lumMod val="50000"/>
+              </a:schemeClr>
+            </a:solidFill>
+            <a:ln>
+              <a:solidFill>
+                <a:schemeClr val="tx1"/>
+              </a:solidFill>
+            </a:ln>
+          </p:spPr>
+          <p:style>
+            <a:lnRef idx="2">
+              <a:schemeClr val="accent1">
+                <a:shade val="50000"/>
+              </a:schemeClr>
+            </a:lnRef>
+            <a:fillRef idx="1">
+              <a:schemeClr val="accent1"/>
+            </a:fillRef>
+            <a:effectRef idx="0">
+              <a:schemeClr val="accent1"/>
+            </a:effectRef>
+            <a:fontRef idx="minor">
+              <a:schemeClr val="lt1"/>
+            </a:fontRef>
+          </p:style>
+          <p:txBody>
+            <a:bodyPr rtlCol="0" anchor="ctr"/>
+            <a:lstStyle/>
+            <a:p>
+              <a:pPr algn="ctr"/>
+              <a:endParaRPr lang="en-US">
+                <a:latin typeface="Times New Roman" panose="02020603050405020304" pitchFamily="18" charset="0"/>
+                <a:cs typeface="Times New Roman" panose="02020603050405020304" pitchFamily="18" charset="0"/>
+              </a:endParaRPr>
+            </a:p>
+          </p:txBody>
+        </p:sp>
+      </p:grpSp>
+      <p:grpSp>
+        <p:nvGrpSpPr>
+          <p:cNvPr id="109" name="Group 108">
+            <a:extLst>
+              <a:ext uri="{FF2B5EF4-FFF2-40B4-BE49-F238E27FC236}">
+                <a16:creationId xmlns:a16="http://schemas.microsoft.com/office/drawing/2014/main" id="{9521868A-E07C-B639-E004-64E0880DE400}"/>
+              </a:ext>
+            </a:extLst>
+          </p:cNvPr>
+          <p:cNvGrpSpPr/>
+          <p:nvPr/>
+        </p:nvGrpSpPr>
+        <p:grpSpPr>
+          <a:xfrm rot="10800000">
+            <a:off x="3418678" y="4586279"/>
+            <a:ext cx="3119715" cy="242126"/>
+            <a:chOff x="8234363" y="1048512"/>
+            <a:chExt cx="3119715" cy="242126"/>
+          </a:xfrm>
+        </p:grpSpPr>
+        <p:sp>
+          <p:nvSpPr>
+            <p:cNvPr id="110" name="Rectangle 109">
+              <a:extLst>
+                <a:ext uri="{FF2B5EF4-FFF2-40B4-BE49-F238E27FC236}">
+                  <a16:creationId xmlns:a16="http://schemas.microsoft.com/office/drawing/2014/main" id="{ECDBACC5-B3B0-C214-5FF5-D661E7E42E31}"/>
+                </a:ext>
+              </a:extLst>
+            </p:cNvPr>
+            <p:cNvSpPr/>
+            <p:nvPr/>
+          </p:nvSpPr>
+          <p:spPr>
+            <a:xfrm>
+              <a:off x="9336024" y="1048512"/>
+              <a:ext cx="908304" cy="91440"/>
+            </a:xfrm>
+            <a:prstGeom prst="rect">
+              <a:avLst/>
+            </a:prstGeom>
+            <a:solidFill>
+              <a:schemeClr val="bg2">
+                <a:lumMod val="50000"/>
+              </a:schemeClr>
+            </a:solidFill>
+            <a:ln>
+              <a:solidFill>
+                <a:schemeClr val="tx1"/>
+              </a:solidFill>
+            </a:ln>
+          </p:spPr>
+          <p:style>
+            <a:lnRef idx="2">
+              <a:schemeClr val="accent1">
+                <a:shade val="50000"/>
+              </a:schemeClr>
+            </a:lnRef>
+            <a:fillRef idx="1">
+              <a:schemeClr val="accent1"/>
+            </a:fillRef>
+            <a:effectRef idx="0">
+              <a:schemeClr val="accent1"/>
+            </a:effectRef>
+            <a:fontRef idx="minor">
+              <a:schemeClr val="lt1"/>
+            </a:fontRef>
+          </p:style>
+          <p:txBody>
+            <a:bodyPr rtlCol="0" anchor="ctr"/>
+            <a:lstStyle/>
+            <a:p>
+              <a:pPr algn="ctr"/>
+              <a:endParaRPr lang="en-US">
+                <a:latin typeface="Times New Roman" panose="02020603050405020304" pitchFamily="18" charset="0"/>
+                <a:cs typeface="Times New Roman" panose="02020603050405020304" pitchFamily="18" charset="0"/>
+              </a:endParaRPr>
+            </a:p>
+          </p:txBody>
+        </p:sp>
+        <p:sp>
+          <p:nvSpPr>
+            <p:cNvPr id="111" name="Rectangle 110">
+              <a:extLst>
+                <a:ext uri="{FF2B5EF4-FFF2-40B4-BE49-F238E27FC236}">
+                  <a16:creationId xmlns:a16="http://schemas.microsoft.com/office/drawing/2014/main" id="{861FEEC8-3BE9-B325-5A67-73049F131169}"/>
+                </a:ext>
+              </a:extLst>
+            </p:cNvPr>
+            <p:cNvSpPr/>
+            <p:nvPr/>
+          </p:nvSpPr>
+          <p:spPr>
+            <a:xfrm rot="4472091">
+              <a:off x="8758238" y="676275"/>
+              <a:ext cx="90487" cy="1138238"/>
+            </a:xfrm>
+            <a:prstGeom prst="rect">
+              <a:avLst/>
+            </a:prstGeom>
+            <a:solidFill>
+              <a:schemeClr val="bg2">
+                <a:lumMod val="50000"/>
+              </a:schemeClr>
+            </a:solidFill>
+            <a:ln>
+              <a:solidFill>
+                <a:schemeClr val="tx1"/>
+              </a:solidFill>
+            </a:ln>
+          </p:spPr>
+          <p:style>
+            <a:lnRef idx="2">
+              <a:schemeClr val="accent1">
+                <a:shade val="50000"/>
+              </a:schemeClr>
+            </a:lnRef>
+            <a:fillRef idx="1">
+              <a:schemeClr val="accent1"/>
+            </a:fillRef>
+            <a:effectRef idx="0">
+              <a:schemeClr val="accent1"/>
+            </a:effectRef>
+            <a:fontRef idx="minor">
+              <a:schemeClr val="lt1"/>
+            </a:fontRef>
+          </p:style>
+          <p:txBody>
+            <a:bodyPr rtlCol="0" anchor="ctr"/>
+            <a:lstStyle/>
+            <a:p>
+              <a:pPr algn="ctr"/>
+              <a:endParaRPr lang="en-US">
+                <a:latin typeface="Times New Roman" panose="02020603050405020304" pitchFamily="18" charset="0"/>
+                <a:cs typeface="Times New Roman" panose="02020603050405020304" pitchFamily="18" charset="0"/>
+              </a:endParaRPr>
+            </a:p>
+          </p:txBody>
+        </p:sp>
+        <p:sp>
+          <p:nvSpPr>
+            <p:cNvPr id="112" name="Rectangle 111">
+              <a:extLst>
+                <a:ext uri="{FF2B5EF4-FFF2-40B4-BE49-F238E27FC236}">
+                  <a16:creationId xmlns:a16="http://schemas.microsoft.com/office/drawing/2014/main" id="{AB77293B-EE10-145B-9279-52A3B6A70F2E}"/>
+                </a:ext>
+              </a:extLst>
+            </p:cNvPr>
+            <p:cNvSpPr/>
+            <p:nvPr/>
+          </p:nvSpPr>
+          <p:spPr>
+            <a:xfrm rot="17127909" flipH="1">
+              <a:off x="10739715" y="676276"/>
+              <a:ext cx="90487" cy="1138238"/>
+            </a:xfrm>
+            <a:prstGeom prst="rect">
+              <a:avLst/>
+            </a:prstGeom>
+            <a:solidFill>
+              <a:schemeClr val="bg2">
+                <a:lumMod val="50000"/>
+              </a:schemeClr>
+            </a:solidFill>
+            <a:ln>
+              <a:solidFill>
+                <a:schemeClr val="tx1"/>
+              </a:solidFill>
+            </a:ln>
+          </p:spPr>
+          <p:style>
+            <a:lnRef idx="2">
+              <a:schemeClr val="accent1">
+                <a:shade val="50000"/>
+              </a:schemeClr>
+            </a:lnRef>
+            <a:fillRef idx="1">
+              <a:schemeClr val="accent1"/>
+            </a:fillRef>
+            <a:effectRef idx="0">
+              <a:schemeClr val="accent1"/>
+            </a:effectRef>
+            <a:fontRef idx="minor">
+              <a:schemeClr val="lt1"/>
+            </a:fontRef>
+          </p:style>
+          <p:txBody>
+            <a:bodyPr rtlCol="0" anchor="ctr"/>
+            <a:lstStyle/>
+            <a:p>
+              <a:pPr algn="ctr"/>
+              <a:endParaRPr lang="en-US">
+                <a:latin typeface="Times New Roman" panose="02020603050405020304" pitchFamily="18" charset="0"/>
+                <a:cs typeface="Times New Roman" panose="02020603050405020304" pitchFamily="18" charset="0"/>
+              </a:endParaRPr>
+            </a:p>
+          </p:txBody>
+        </p:sp>
+      </p:grpSp>
+      <p:grpSp>
+        <p:nvGrpSpPr>
+          <p:cNvPr id="113" name="Group 112">
+            <a:extLst>
+              <a:ext uri="{FF2B5EF4-FFF2-40B4-BE49-F238E27FC236}">
+                <a16:creationId xmlns:a16="http://schemas.microsoft.com/office/drawing/2014/main" id="{098108C8-CDF5-DF64-B528-1A98B0EF591C}"/>
+              </a:ext>
+            </a:extLst>
+          </p:cNvPr>
+          <p:cNvGrpSpPr/>
+          <p:nvPr/>
+        </p:nvGrpSpPr>
+        <p:grpSpPr>
+          <a:xfrm rot="10800000">
+            <a:off x="3431263" y="4670119"/>
+            <a:ext cx="3119715" cy="242126"/>
+            <a:chOff x="8234363" y="1048512"/>
+            <a:chExt cx="3119715" cy="242126"/>
+          </a:xfrm>
+        </p:grpSpPr>
+        <p:sp>
+          <p:nvSpPr>
+            <p:cNvPr id="114" name="Rectangle 113">
+              <a:extLst>
+                <a:ext uri="{FF2B5EF4-FFF2-40B4-BE49-F238E27FC236}">
+                  <a16:creationId xmlns:a16="http://schemas.microsoft.com/office/drawing/2014/main" id="{95FC7D34-8E44-2DA6-9676-DB5AD6E70BD3}"/>
+                </a:ext>
+              </a:extLst>
+            </p:cNvPr>
+            <p:cNvSpPr/>
+            <p:nvPr/>
+          </p:nvSpPr>
+          <p:spPr>
+            <a:xfrm>
+              <a:off x="9336024" y="1048512"/>
+              <a:ext cx="908304" cy="91440"/>
+            </a:xfrm>
+            <a:prstGeom prst="rect">
+              <a:avLst/>
+            </a:prstGeom>
+            <a:solidFill>
+              <a:schemeClr val="bg2">
+                <a:lumMod val="50000"/>
+              </a:schemeClr>
+            </a:solidFill>
+            <a:ln>
+              <a:solidFill>
+                <a:schemeClr val="tx1"/>
+              </a:solidFill>
+            </a:ln>
+          </p:spPr>
+          <p:style>
+            <a:lnRef idx="2">
+              <a:schemeClr val="accent1">
+                <a:shade val="50000"/>
+              </a:schemeClr>
+            </a:lnRef>
+            <a:fillRef idx="1">
+              <a:schemeClr val="accent1"/>
+            </a:fillRef>
+            <a:effectRef idx="0">
+              <a:schemeClr val="accent1"/>
+            </a:effectRef>
+            <a:fontRef idx="minor">
+              <a:schemeClr val="lt1"/>
+            </a:fontRef>
+          </p:style>
+          <p:txBody>
+            <a:bodyPr rtlCol="0" anchor="ctr"/>
+            <a:lstStyle/>
+            <a:p>
+              <a:pPr algn="ctr"/>
+              <a:endParaRPr lang="en-US">
+                <a:latin typeface="Times New Roman" panose="02020603050405020304" pitchFamily="18" charset="0"/>
+                <a:cs typeface="Times New Roman" panose="02020603050405020304" pitchFamily="18" charset="0"/>
+              </a:endParaRPr>
+            </a:p>
+          </p:txBody>
+        </p:sp>
+        <p:sp>
+          <p:nvSpPr>
+            <p:cNvPr id="115" name="Rectangle 114">
+              <a:extLst>
+                <a:ext uri="{FF2B5EF4-FFF2-40B4-BE49-F238E27FC236}">
+                  <a16:creationId xmlns:a16="http://schemas.microsoft.com/office/drawing/2014/main" id="{21036E9F-57DD-50A6-E482-DA38523B3B96}"/>
+                </a:ext>
+              </a:extLst>
+            </p:cNvPr>
+            <p:cNvSpPr/>
+            <p:nvPr/>
+          </p:nvSpPr>
+          <p:spPr>
+            <a:xfrm rot="4472091">
+              <a:off x="8758238" y="676275"/>
+              <a:ext cx="90487" cy="1138238"/>
+            </a:xfrm>
+            <a:prstGeom prst="rect">
+              <a:avLst/>
+            </a:prstGeom>
+            <a:solidFill>
+              <a:schemeClr val="bg2">
+                <a:lumMod val="50000"/>
+              </a:schemeClr>
+            </a:solidFill>
+            <a:ln>
+              <a:solidFill>
+                <a:schemeClr val="tx1"/>
+              </a:solidFill>
+            </a:ln>
+          </p:spPr>
+          <p:style>
+            <a:lnRef idx="2">
+              <a:schemeClr val="accent1">
+                <a:shade val="50000"/>
+              </a:schemeClr>
+            </a:lnRef>
+            <a:fillRef idx="1">
+              <a:schemeClr val="accent1"/>
+            </a:fillRef>
+            <a:effectRef idx="0">
+              <a:schemeClr val="accent1"/>
+            </a:effectRef>
+            <a:fontRef idx="minor">
+              <a:schemeClr val="lt1"/>
+            </a:fontRef>
+          </p:style>
+          <p:txBody>
+            <a:bodyPr rtlCol="0" anchor="ctr"/>
+            <a:lstStyle/>
+            <a:p>
+              <a:pPr algn="ctr"/>
+              <a:endParaRPr lang="en-US">
+                <a:latin typeface="Times New Roman" panose="02020603050405020304" pitchFamily="18" charset="0"/>
+                <a:cs typeface="Times New Roman" panose="02020603050405020304" pitchFamily="18" charset="0"/>
+              </a:endParaRPr>
+            </a:p>
+          </p:txBody>
+        </p:sp>
+        <p:sp>
+          <p:nvSpPr>
+            <p:cNvPr id="116" name="Rectangle 115">
+              <a:extLst>
+                <a:ext uri="{FF2B5EF4-FFF2-40B4-BE49-F238E27FC236}">
+                  <a16:creationId xmlns:a16="http://schemas.microsoft.com/office/drawing/2014/main" id="{F98AD8D4-3290-38C6-7B38-47CA73BDE545}"/>
+                </a:ext>
+              </a:extLst>
+            </p:cNvPr>
+            <p:cNvSpPr/>
+            <p:nvPr/>
+          </p:nvSpPr>
+          <p:spPr>
+            <a:xfrm rot="17127909" flipH="1">
+              <a:off x="10739715" y="676276"/>
+              <a:ext cx="90487" cy="1138238"/>
+            </a:xfrm>
+            <a:prstGeom prst="rect">
+              <a:avLst/>
+            </a:prstGeom>
+            <a:solidFill>
+              <a:schemeClr val="bg2">
+                <a:lumMod val="50000"/>
+              </a:schemeClr>
+            </a:solidFill>
+            <a:ln>
+              <a:solidFill>
+                <a:schemeClr val="tx1"/>
+              </a:solidFill>
+            </a:ln>
+          </p:spPr>
+          <p:style>
+            <a:lnRef idx="2">
+              <a:schemeClr val="accent1">
+                <a:shade val="50000"/>
+              </a:schemeClr>
+            </a:lnRef>
+            <a:fillRef idx="1">
+              <a:schemeClr val="accent1"/>
+            </a:fillRef>
+            <a:effectRef idx="0">
+              <a:schemeClr val="accent1"/>
+            </a:effectRef>
+            <a:fontRef idx="minor">
+              <a:schemeClr val="lt1"/>
+            </a:fontRef>
+          </p:style>
+          <p:txBody>
+            <a:bodyPr rtlCol="0" anchor="ctr"/>
+            <a:lstStyle/>
+            <a:p>
+              <a:pPr algn="ctr"/>
+              <a:endParaRPr lang="en-US">
+                <a:latin typeface="Times New Roman" panose="02020603050405020304" pitchFamily="18" charset="0"/>
+                <a:cs typeface="Times New Roman" panose="02020603050405020304" pitchFamily="18" charset="0"/>
+              </a:endParaRPr>
+            </a:p>
+          </p:txBody>
+        </p:sp>
+      </p:grpSp>
+      <p:grpSp>
+        <p:nvGrpSpPr>
+          <p:cNvPr id="117" name="Group 116">
+            <a:extLst>
+              <a:ext uri="{FF2B5EF4-FFF2-40B4-BE49-F238E27FC236}">
+                <a16:creationId xmlns:a16="http://schemas.microsoft.com/office/drawing/2014/main" id="{01015BC1-0360-8209-6D9F-812333FB2F3E}"/>
+              </a:ext>
+            </a:extLst>
+          </p:cNvPr>
+          <p:cNvGrpSpPr/>
+          <p:nvPr/>
+        </p:nvGrpSpPr>
+        <p:grpSpPr>
+          <a:xfrm>
+            <a:off x="3431263" y="3967835"/>
+            <a:ext cx="3119715" cy="242126"/>
+            <a:chOff x="8234363" y="1048512"/>
+            <a:chExt cx="3119715" cy="242126"/>
+          </a:xfrm>
+        </p:grpSpPr>
+        <p:sp>
+          <p:nvSpPr>
+            <p:cNvPr id="118" name="Rectangle 117">
+              <a:extLst>
+                <a:ext uri="{FF2B5EF4-FFF2-40B4-BE49-F238E27FC236}">
+                  <a16:creationId xmlns:a16="http://schemas.microsoft.com/office/drawing/2014/main" id="{D63A7242-8520-EE0D-0A5C-AAAED844E404}"/>
+                </a:ext>
+              </a:extLst>
+            </p:cNvPr>
+            <p:cNvSpPr/>
+            <p:nvPr/>
+          </p:nvSpPr>
+          <p:spPr>
+            <a:xfrm>
+              <a:off x="9336024" y="1048512"/>
+              <a:ext cx="908304" cy="91440"/>
+            </a:xfrm>
+            <a:prstGeom prst="rect">
+              <a:avLst/>
+            </a:prstGeom>
+            <a:solidFill>
+              <a:schemeClr val="bg2">
+                <a:lumMod val="50000"/>
+              </a:schemeClr>
+            </a:solidFill>
+            <a:ln>
+              <a:solidFill>
+                <a:schemeClr val="tx1"/>
+              </a:solidFill>
+            </a:ln>
+          </p:spPr>
+          <p:style>
+            <a:lnRef idx="2">
+              <a:schemeClr val="accent1">
+                <a:shade val="50000"/>
+              </a:schemeClr>
+            </a:lnRef>
+            <a:fillRef idx="1">
+              <a:schemeClr val="accent1"/>
+            </a:fillRef>
+            <a:effectRef idx="0">
+              <a:schemeClr val="accent1"/>
+            </a:effectRef>
+            <a:fontRef idx="minor">
+              <a:schemeClr val="lt1"/>
+            </a:fontRef>
+          </p:style>
+          <p:txBody>
+            <a:bodyPr rtlCol="0" anchor="ctr"/>
+            <a:lstStyle/>
+            <a:p>
+              <a:pPr algn="ctr"/>
+              <a:endParaRPr lang="en-US">
+                <a:latin typeface="Times New Roman" panose="02020603050405020304" pitchFamily="18" charset="0"/>
+                <a:cs typeface="Times New Roman" panose="02020603050405020304" pitchFamily="18" charset="0"/>
+              </a:endParaRPr>
+            </a:p>
+          </p:txBody>
+        </p:sp>
+        <p:sp>
+          <p:nvSpPr>
+            <p:cNvPr id="119" name="Rectangle 118">
+              <a:extLst>
+                <a:ext uri="{FF2B5EF4-FFF2-40B4-BE49-F238E27FC236}">
+                  <a16:creationId xmlns:a16="http://schemas.microsoft.com/office/drawing/2014/main" id="{6EB4C603-FEE1-EFD9-1566-2926080A525C}"/>
+                </a:ext>
+              </a:extLst>
+            </p:cNvPr>
+            <p:cNvSpPr/>
+            <p:nvPr/>
+          </p:nvSpPr>
+          <p:spPr>
+            <a:xfrm rot="4472091">
+              <a:off x="8758238" y="676275"/>
+              <a:ext cx="90487" cy="1138238"/>
+            </a:xfrm>
+            <a:prstGeom prst="rect">
+              <a:avLst/>
+            </a:prstGeom>
+            <a:solidFill>
+              <a:schemeClr val="bg2">
+                <a:lumMod val="50000"/>
+              </a:schemeClr>
+            </a:solidFill>
+            <a:ln>
+              <a:solidFill>
+                <a:schemeClr val="tx1"/>
+              </a:solidFill>
+            </a:ln>
+          </p:spPr>
+          <p:style>
+            <a:lnRef idx="2">
+              <a:schemeClr val="accent1">
+                <a:shade val="50000"/>
+              </a:schemeClr>
+            </a:lnRef>
+            <a:fillRef idx="1">
+              <a:schemeClr val="accent1"/>
+            </a:fillRef>
+            <a:effectRef idx="0">
+              <a:schemeClr val="accent1"/>
+            </a:effectRef>
+            <a:fontRef idx="minor">
+              <a:schemeClr val="lt1"/>
+            </a:fontRef>
+          </p:style>
+          <p:txBody>
+            <a:bodyPr rtlCol="0" anchor="ctr"/>
+            <a:lstStyle/>
+            <a:p>
+              <a:pPr algn="ctr"/>
+              <a:endParaRPr lang="en-US">
+                <a:latin typeface="Times New Roman" panose="02020603050405020304" pitchFamily="18" charset="0"/>
+                <a:cs typeface="Times New Roman" panose="02020603050405020304" pitchFamily="18" charset="0"/>
+              </a:endParaRPr>
+            </a:p>
+          </p:txBody>
+        </p:sp>
+        <p:sp>
+          <p:nvSpPr>
+            <p:cNvPr id="120" name="Rectangle 119">
+              <a:extLst>
+                <a:ext uri="{FF2B5EF4-FFF2-40B4-BE49-F238E27FC236}">
+                  <a16:creationId xmlns:a16="http://schemas.microsoft.com/office/drawing/2014/main" id="{BBBCBF5F-B09B-0B33-E297-0935E03DEBFB}"/>
+                </a:ext>
+              </a:extLst>
+            </p:cNvPr>
+            <p:cNvSpPr/>
+            <p:nvPr/>
+          </p:nvSpPr>
+          <p:spPr>
+            <a:xfrm rot="17127909" flipH="1">
+              <a:off x="10739715" y="676276"/>
+              <a:ext cx="90487" cy="1138238"/>
+            </a:xfrm>
+            <a:prstGeom prst="rect">
+              <a:avLst/>
+            </a:prstGeom>
+            <a:solidFill>
+              <a:schemeClr val="bg2">
+                <a:lumMod val="50000"/>
+              </a:schemeClr>
+            </a:solidFill>
+            <a:ln>
+              <a:solidFill>
+                <a:schemeClr val="tx1"/>
+              </a:solidFill>
+            </a:ln>
+          </p:spPr>
+          <p:style>
+            <a:lnRef idx="2">
+              <a:schemeClr val="accent1">
+                <a:shade val="50000"/>
+              </a:schemeClr>
+            </a:lnRef>
+            <a:fillRef idx="1">
+              <a:schemeClr val="accent1"/>
+            </a:fillRef>
+            <a:effectRef idx="0">
+              <a:schemeClr val="accent1"/>
+            </a:effectRef>
+            <a:fontRef idx="minor">
+              <a:schemeClr val="lt1"/>
+            </a:fontRef>
+          </p:style>
+          <p:txBody>
+            <a:bodyPr rtlCol="0" anchor="ctr"/>
+            <a:lstStyle/>
+            <a:p>
+              <a:pPr algn="ctr"/>
+              <a:endParaRPr lang="en-US">
+                <a:latin typeface="Times New Roman" panose="02020603050405020304" pitchFamily="18" charset="0"/>
+                <a:cs typeface="Times New Roman" panose="02020603050405020304" pitchFamily="18" charset="0"/>
+              </a:endParaRPr>
+            </a:p>
+          </p:txBody>
+        </p:sp>
+      </p:grpSp>
+      <p:grpSp>
+        <p:nvGrpSpPr>
+          <p:cNvPr id="121" name="Group 120">
+            <a:extLst>
+              <a:ext uri="{FF2B5EF4-FFF2-40B4-BE49-F238E27FC236}">
+                <a16:creationId xmlns:a16="http://schemas.microsoft.com/office/drawing/2014/main" id="{B8F0C641-B868-D4FE-537B-8AC6B93C6936}"/>
+              </a:ext>
+            </a:extLst>
+          </p:cNvPr>
+          <p:cNvGrpSpPr/>
+          <p:nvPr/>
+        </p:nvGrpSpPr>
+        <p:grpSpPr>
+          <a:xfrm>
+            <a:off x="3471743" y="5463589"/>
+            <a:ext cx="3119715" cy="242126"/>
+            <a:chOff x="8234363" y="1048512"/>
+            <a:chExt cx="3119715" cy="242126"/>
+          </a:xfrm>
+        </p:grpSpPr>
+        <p:sp>
+          <p:nvSpPr>
+            <p:cNvPr id="122" name="Rectangle 121">
+              <a:extLst>
+                <a:ext uri="{FF2B5EF4-FFF2-40B4-BE49-F238E27FC236}">
+                  <a16:creationId xmlns:a16="http://schemas.microsoft.com/office/drawing/2014/main" id="{C9DD64E9-09B4-4EAD-D073-5E0F6E6090AC}"/>
+                </a:ext>
+              </a:extLst>
+            </p:cNvPr>
+            <p:cNvSpPr/>
+            <p:nvPr/>
+          </p:nvSpPr>
+          <p:spPr>
+            <a:xfrm>
+              <a:off x="9336024" y="1048512"/>
+              <a:ext cx="908304" cy="91440"/>
+            </a:xfrm>
+            <a:prstGeom prst="rect">
+              <a:avLst/>
+            </a:prstGeom>
+            <a:solidFill>
+              <a:schemeClr val="bg2">
+                <a:lumMod val="50000"/>
+              </a:schemeClr>
+            </a:solidFill>
+            <a:ln>
+              <a:solidFill>
+                <a:schemeClr val="tx1"/>
+              </a:solidFill>
+            </a:ln>
+          </p:spPr>
+          <p:style>
+            <a:lnRef idx="2">
+              <a:schemeClr val="accent1">
+                <a:shade val="50000"/>
+              </a:schemeClr>
+            </a:lnRef>
+            <a:fillRef idx="1">
+              <a:schemeClr val="accent1"/>
+            </a:fillRef>
+            <a:effectRef idx="0">
+              <a:schemeClr val="accent1"/>
+            </a:effectRef>
+            <a:fontRef idx="minor">
+              <a:schemeClr val="lt1"/>
+            </a:fontRef>
+          </p:style>
+          <p:txBody>
+            <a:bodyPr rtlCol="0" anchor="ctr"/>
+            <a:lstStyle/>
+            <a:p>
+              <a:pPr algn="ctr"/>
+              <a:endParaRPr lang="en-US">
+                <a:latin typeface="Times New Roman" panose="02020603050405020304" pitchFamily="18" charset="0"/>
+                <a:cs typeface="Times New Roman" panose="02020603050405020304" pitchFamily="18" charset="0"/>
+              </a:endParaRPr>
+            </a:p>
+          </p:txBody>
+        </p:sp>
+        <p:sp>
+          <p:nvSpPr>
+            <p:cNvPr id="123" name="Rectangle 122">
+              <a:extLst>
+                <a:ext uri="{FF2B5EF4-FFF2-40B4-BE49-F238E27FC236}">
+                  <a16:creationId xmlns:a16="http://schemas.microsoft.com/office/drawing/2014/main" id="{6989A869-EA34-C418-45CB-06342900CCB4}"/>
+                </a:ext>
+              </a:extLst>
+            </p:cNvPr>
+            <p:cNvSpPr/>
+            <p:nvPr/>
+          </p:nvSpPr>
+          <p:spPr>
+            <a:xfrm rot="4472091">
+              <a:off x="8758238" y="676275"/>
+              <a:ext cx="90487" cy="1138238"/>
+            </a:xfrm>
+            <a:prstGeom prst="rect">
+              <a:avLst/>
+            </a:prstGeom>
+            <a:solidFill>
+              <a:schemeClr val="bg2">
+                <a:lumMod val="50000"/>
+              </a:schemeClr>
+            </a:solidFill>
+            <a:ln>
+              <a:solidFill>
+                <a:schemeClr val="tx1"/>
+              </a:solidFill>
+            </a:ln>
+          </p:spPr>
+          <p:style>
+            <a:lnRef idx="2">
+              <a:schemeClr val="accent1">
+                <a:shade val="50000"/>
+              </a:schemeClr>
+            </a:lnRef>
+            <a:fillRef idx="1">
+              <a:schemeClr val="accent1"/>
+            </a:fillRef>
+            <a:effectRef idx="0">
+              <a:schemeClr val="accent1"/>
+            </a:effectRef>
+            <a:fontRef idx="minor">
+              <a:schemeClr val="lt1"/>
+            </a:fontRef>
+          </p:style>
+          <p:txBody>
+            <a:bodyPr rtlCol="0" anchor="ctr"/>
+            <a:lstStyle/>
+            <a:p>
+              <a:pPr algn="ctr"/>
+              <a:endParaRPr lang="en-US">
+                <a:latin typeface="Times New Roman" panose="02020603050405020304" pitchFamily="18" charset="0"/>
+                <a:cs typeface="Times New Roman" panose="02020603050405020304" pitchFamily="18" charset="0"/>
+              </a:endParaRPr>
+            </a:p>
+          </p:txBody>
+        </p:sp>
+        <p:sp>
+          <p:nvSpPr>
+            <p:cNvPr id="124" name="Rectangle 123">
+              <a:extLst>
+                <a:ext uri="{FF2B5EF4-FFF2-40B4-BE49-F238E27FC236}">
+                  <a16:creationId xmlns:a16="http://schemas.microsoft.com/office/drawing/2014/main" id="{418AD53C-7E21-7E5F-631C-B2E81FCC3ED7}"/>
+                </a:ext>
+              </a:extLst>
+            </p:cNvPr>
+            <p:cNvSpPr/>
+            <p:nvPr/>
+          </p:nvSpPr>
+          <p:spPr>
+            <a:xfrm rot="17127909" flipH="1">
+              <a:off x="10739715" y="676276"/>
+              <a:ext cx="90487" cy="1138238"/>
+            </a:xfrm>
+            <a:prstGeom prst="rect">
+              <a:avLst/>
+            </a:prstGeom>
+            <a:solidFill>
+              <a:schemeClr val="bg2">
+                <a:lumMod val="50000"/>
+              </a:schemeClr>
+            </a:solidFill>
+            <a:ln>
+              <a:solidFill>
+                <a:schemeClr val="tx1"/>
+              </a:solidFill>
+            </a:ln>
+          </p:spPr>
+          <p:style>
+            <a:lnRef idx="2">
+              <a:schemeClr val="accent1">
+                <a:shade val="50000"/>
+              </a:schemeClr>
+            </a:lnRef>
+            <a:fillRef idx="1">
+              <a:schemeClr val="accent1"/>
+            </a:fillRef>
+            <a:effectRef idx="0">
+              <a:schemeClr val="accent1"/>
+            </a:effectRef>
+            <a:fontRef idx="minor">
+              <a:schemeClr val="lt1"/>
+            </a:fontRef>
+          </p:style>
+          <p:txBody>
+            <a:bodyPr rtlCol="0" anchor="ctr"/>
+            <a:lstStyle/>
+            <a:p>
+              <a:pPr algn="ctr"/>
+              <a:endParaRPr lang="en-US">
+                <a:latin typeface="Times New Roman" panose="02020603050405020304" pitchFamily="18" charset="0"/>
+                <a:cs typeface="Times New Roman" panose="02020603050405020304" pitchFamily="18" charset="0"/>
+              </a:endParaRPr>
+            </a:p>
+          </p:txBody>
+        </p:sp>
+      </p:grpSp>
+      <p:grpSp>
+        <p:nvGrpSpPr>
+          <p:cNvPr id="125" name="Group 124">
+            <a:extLst>
+              <a:ext uri="{FF2B5EF4-FFF2-40B4-BE49-F238E27FC236}">
+                <a16:creationId xmlns:a16="http://schemas.microsoft.com/office/drawing/2014/main" id="{1CD7F080-901E-6850-80F6-E3E50BD94165}"/>
+              </a:ext>
+            </a:extLst>
+          </p:cNvPr>
+          <p:cNvGrpSpPr/>
+          <p:nvPr/>
+        </p:nvGrpSpPr>
+        <p:grpSpPr>
+          <a:xfrm rot="10800000">
+            <a:off x="3463201" y="5986988"/>
+            <a:ext cx="3119715" cy="242126"/>
+            <a:chOff x="8234363" y="1048512"/>
+            <a:chExt cx="3119715" cy="242126"/>
+          </a:xfrm>
+        </p:grpSpPr>
+        <p:sp>
+          <p:nvSpPr>
+            <p:cNvPr id="126" name="Rectangle 125">
+              <a:extLst>
+                <a:ext uri="{FF2B5EF4-FFF2-40B4-BE49-F238E27FC236}">
+                  <a16:creationId xmlns:a16="http://schemas.microsoft.com/office/drawing/2014/main" id="{2DC357C1-D42A-B6EE-2538-33606C29B115}"/>
+                </a:ext>
+              </a:extLst>
+            </p:cNvPr>
+            <p:cNvSpPr/>
+            <p:nvPr/>
+          </p:nvSpPr>
+          <p:spPr>
+            <a:xfrm>
+              <a:off x="9336024" y="1048512"/>
+              <a:ext cx="908304" cy="91440"/>
+            </a:xfrm>
+            <a:prstGeom prst="rect">
+              <a:avLst/>
+            </a:prstGeom>
+            <a:solidFill>
+              <a:schemeClr val="bg2">
+                <a:lumMod val="50000"/>
+              </a:schemeClr>
+            </a:solidFill>
+            <a:ln>
+              <a:solidFill>
+                <a:schemeClr val="tx1"/>
+              </a:solidFill>
+            </a:ln>
+          </p:spPr>
+          <p:style>
+            <a:lnRef idx="2">
+              <a:schemeClr val="accent1">
+                <a:shade val="50000"/>
+              </a:schemeClr>
+            </a:lnRef>
+            <a:fillRef idx="1">
+              <a:schemeClr val="accent1"/>
+            </a:fillRef>
+            <a:effectRef idx="0">
+              <a:schemeClr val="accent1"/>
+            </a:effectRef>
+            <a:fontRef idx="minor">
+              <a:schemeClr val="lt1"/>
+            </a:fontRef>
+          </p:style>
+          <p:txBody>
+            <a:bodyPr rtlCol="0" anchor="ctr"/>
+            <a:lstStyle/>
+            <a:p>
+              <a:pPr algn="ctr"/>
+              <a:endParaRPr lang="en-US">
+                <a:latin typeface="Times New Roman" panose="02020603050405020304" pitchFamily="18" charset="0"/>
+                <a:cs typeface="Times New Roman" panose="02020603050405020304" pitchFamily="18" charset="0"/>
+              </a:endParaRPr>
+            </a:p>
+          </p:txBody>
+        </p:sp>
+        <p:sp>
+          <p:nvSpPr>
+            <p:cNvPr id="127" name="Rectangle 126">
+              <a:extLst>
+                <a:ext uri="{FF2B5EF4-FFF2-40B4-BE49-F238E27FC236}">
+                  <a16:creationId xmlns:a16="http://schemas.microsoft.com/office/drawing/2014/main" id="{90E7495A-4A0B-5E1C-3316-C9CC8ECF96C9}"/>
+                </a:ext>
+              </a:extLst>
+            </p:cNvPr>
+            <p:cNvSpPr/>
+            <p:nvPr/>
+          </p:nvSpPr>
+          <p:spPr>
+            <a:xfrm rot="4472091">
+              <a:off x="8758238" y="676275"/>
+              <a:ext cx="90487" cy="1138238"/>
+            </a:xfrm>
+            <a:prstGeom prst="rect">
+              <a:avLst/>
+            </a:prstGeom>
+            <a:solidFill>
+              <a:schemeClr val="bg2">
+                <a:lumMod val="50000"/>
+              </a:schemeClr>
+            </a:solidFill>
+            <a:ln>
+              <a:solidFill>
+                <a:schemeClr val="tx1"/>
+              </a:solidFill>
+            </a:ln>
+          </p:spPr>
+          <p:style>
+            <a:lnRef idx="2">
+              <a:schemeClr val="accent1">
+                <a:shade val="50000"/>
+              </a:schemeClr>
+            </a:lnRef>
+            <a:fillRef idx="1">
+              <a:schemeClr val="accent1"/>
+            </a:fillRef>
+            <a:effectRef idx="0">
+              <a:schemeClr val="accent1"/>
+            </a:effectRef>
+            <a:fontRef idx="minor">
+              <a:schemeClr val="lt1"/>
+            </a:fontRef>
+          </p:style>
+          <p:txBody>
+            <a:bodyPr rtlCol="0" anchor="ctr"/>
+            <a:lstStyle/>
+            <a:p>
+              <a:pPr algn="ctr"/>
+              <a:endParaRPr lang="en-US">
+                <a:latin typeface="Times New Roman" panose="02020603050405020304" pitchFamily="18" charset="0"/>
+                <a:cs typeface="Times New Roman" panose="02020603050405020304" pitchFamily="18" charset="0"/>
+              </a:endParaRPr>
+            </a:p>
+          </p:txBody>
+        </p:sp>
+        <p:sp>
+          <p:nvSpPr>
+            <p:cNvPr id="128" name="Rectangle 127">
+              <a:extLst>
+                <a:ext uri="{FF2B5EF4-FFF2-40B4-BE49-F238E27FC236}">
+                  <a16:creationId xmlns:a16="http://schemas.microsoft.com/office/drawing/2014/main" id="{E45AB576-6F68-9DC4-4CC7-5DAA5E34798C}"/>
+                </a:ext>
+              </a:extLst>
+            </p:cNvPr>
+            <p:cNvSpPr/>
+            <p:nvPr/>
+          </p:nvSpPr>
+          <p:spPr>
+            <a:xfrm rot="17127909" flipH="1">
+              <a:off x="10739715" y="676276"/>
+              <a:ext cx="90487" cy="1138238"/>
+            </a:xfrm>
+            <a:prstGeom prst="rect">
+              <a:avLst/>
+            </a:prstGeom>
+            <a:solidFill>
+              <a:schemeClr val="bg2">
+                <a:lumMod val="50000"/>
+              </a:schemeClr>
+            </a:solidFill>
+            <a:ln>
+              <a:solidFill>
+                <a:schemeClr val="tx1"/>
+              </a:solidFill>
+            </a:ln>
+          </p:spPr>
+          <p:style>
+            <a:lnRef idx="2">
+              <a:schemeClr val="accent1">
+                <a:shade val="50000"/>
+              </a:schemeClr>
+            </a:lnRef>
+            <a:fillRef idx="1">
+              <a:schemeClr val="accent1"/>
+            </a:fillRef>
+            <a:effectRef idx="0">
+              <a:schemeClr val="accent1"/>
+            </a:effectRef>
+            <a:fontRef idx="minor">
+              <a:schemeClr val="lt1"/>
+            </a:fontRef>
+          </p:style>
+          <p:txBody>
+            <a:bodyPr rtlCol="0" anchor="ctr"/>
+            <a:lstStyle/>
+            <a:p>
+              <a:pPr algn="ctr"/>
+              <a:endParaRPr lang="en-US">
+                <a:latin typeface="Times New Roman" panose="02020603050405020304" pitchFamily="18" charset="0"/>
+                <a:cs typeface="Times New Roman" panose="02020603050405020304" pitchFamily="18" charset="0"/>
+              </a:endParaRPr>
+            </a:p>
+          </p:txBody>
+        </p:sp>
+      </p:grpSp>
+      <p:grpSp>
+        <p:nvGrpSpPr>
+          <p:cNvPr id="129" name="Group 128">
+            <a:extLst>
+              <a:ext uri="{FF2B5EF4-FFF2-40B4-BE49-F238E27FC236}">
+                <a16:creationId xmlns:a16="http://schemas.microsoft.com/office/drawing/2014/main" id="{3F29CD70-0761-701D-3403-B3AB89DEB86D}"/>
+              </a:ext>
+            </a:extLst>
+          </p:cNvPr>
+          <p:cNvGrpSpPr/>
+          <p:nvPr/>
+        </p:nvGrpSpPr>
+        <p:grpSpPr>
+          <a:xfrm rot="10800000">
+            <a:off x="3475786" y="6070828"/>
+            <a:ext cx="3119715" cy="242126"/>
+            <a:chOff x="8234363" y="1048512"/>
+            <a:chExt cx="3119715" cy="242126"/>
+          </a:xfrm>
+        </p:grpSpPr>
+        <p:sp>
+          <p:nvSpPr>
+            <p:cNvPr id="130" name="Rectangle 129">
+              <a:extLst>
+                <a:ext uri="{FF2B5EF4-FFF2-40B4-BE49-F238E27FC236}">
+                  <a16:creationId xmlns:a16="http://schemas.microsoft.com/office/drawing/2014/main" id="{008B8CEC-EA0A-2CFA-29CF-3B2647146D0D}"/>
+                </a:ext>
+              </a:extLst>
+            </p:cNvPr>
+            <p:cNvSpPr/>
+            <p:nvPr/>
+          </p:nvSpPr>
+          <p:spPr>
+            <a:xfrm>
+              <a:off x="9336024" y="1048512"/>
+              <a:ext cx="908304" cy="91440"/>
+            </a:xfrm>
+            <a:prstGeom prst="rect">
+              <a:avLst/>
+            </a:prstGeom>
+            <a:solidFill>
+              <a:schemeClr val="bg2">
+                <a:lumMod val="50000"/>
+              </a:schemeClr>
+            </a:solidFill>
+            <a:ln>
+              <a:solidFill>
+                <a:schemeClr val="tx1"/>
+              </a:solidFill>
+            </a:ln>
+          </p:spPr>
+          <p:style>
+            <a:lnRef idx="2">
+              <a:schemeClr val="accent1">
+                <a:shade val="50000"/>
+              </a:schemeClr>
+            </a:lnRef>
+            <a:fillRef idx="1">
+              <a:schemeClr val="accent1"/>
+            </a:fillRef>
+            <a:effectRef idx="0">
+              <a:schemeClr val="accent1"/>
+            </a:effectRef>
+            <a:fontRef idx="minor">
+              <a:schemeClr val="lt1"/>
+            </a:fontRef>
+          </p:style>
+          <p:txBody>
+            <a:bodyPr rtlCol="0" anchor="ctr"/>
+            <a:lstStyle/>
+            <a:p>
+              <a:pPr algn="ctr"/>
+              <a:endParaRPr lang="en-US">
+                <a:latin typeface="Times New Roman" panose="02020603050405020304" pitchFamily="18" charset="0"/>
+                <a:cs typeface="Times New Roman" panose="02020603050405020304" pitchFamily="18" charset="0"/>
+              </a:endParaRPr>
+            </a:p>
+          </p:txBody>
+        </p:sp>
+        <p:sp>
+          <p:nvSpPr>
+            <p:cNvPr id="131" name="Rectangle 130">
+              <a:extLst>
+                <a:ext uri="{FF2B5EF4-FFF2-40B4-BE49-F238E27FC236}">
+                  <a16:creationId xmlns:a16="http://schemas.microsoft.com/office/drawing/2014/main" id="{72AD8ECA-667D-C3D0-C882-6C31931B4F25}"/>
+                </a:ext>
+              </a:extLst>
+            </p:cNvPr>
+            <p:cNvSpPr/>
+            <p:nvPr/>
+          </p:nvSpPr>
+          <p:spPr>
+            <a:xfrm rot="4472091">
+              <a:off x="8758238" y="676275"/>
+              <a:ext cx="90487" cy="1138238"/>
+            </a:xfrm>
+            <a:prstGeom prst="rect">
+              <a:avLst/>
+            </a:prstGeom>
+            <a:solidFill>
+              <a:schemeClr val="bg2">
+                <a:lumMod val="50000"/>
+              </a:schemeClr>
+            </a:solidFill>
+            <a:ln>
+              <a:solidFill>
+                <a:schemeClr val="tx1"/>
+              </a:solidFill>
+            </a:ln>
+          </p:spPr>
+          <p:style>
+            <a:lnRef idx="2">
+              <a:schemeClr val="accent1">
+                <a:shade val="50000"/>
+              </a:schemeClr>
+            </a:lnRef>
+            <a:fillRef idx="1">
+              <a:schemeClr val="accent1"/>
+            </a:fillRef>
+            <a:effectRef idx="0">
+              <a:schemeClr val="accent1"/>
+            </a:effectRef>
+            <a:fontRef idx="minor">
+              <a:schemeClr val="lt1"/>
+            </a:fontRef>
+          </p:style>
+          <p:txBody>
+            <a:bodyPr rtlCol="0" anchor="ctr"/>
+            <a:lstStyle/>
+            <a:p>
+              <a:pPr algn="ctr"/>
+              <a:endParaRPr lang="en-US">
+                <a:latin typeface="Times New Roman" panose="02020603050405020304" pitchFamily="18" charset="0"/>
+                <a:cs typeface="Times New Roman" panose="02020603050405020304" pitchFamily="18" charset="0"/>
+              </a:endParaRPr>
+            </a:p>
+          </p:txBody>
+        </p:sp>
+        <p:sp>
+          <p:nvSpPr>
+            <p:cNvPr id="132" name="Rectangle 131">
+              <a:extLst>
+                <a:ext uri="{FF2B5EF4-FFF2-40B4-BE49-F238E27FC236}">
+                  <a16:creationId xmlns:a16="http://schemas.microsoft.com/office/drawing/2014/main" id="{77EECEE8-7985-F234-5ACF-97800850D930}"/>
+                </a:ext>
+              </a:extLst>
+            </p:cNvPr>
+            <p:cNvSpPr/>
+            <p:nvPr/>
+          </p:nvSpPr>
+          <p:spPr>
+            <a:xfrm rot="17127909" flipH="1">
+              <a:off x="10739715" y="676276"/>
+              <a:ext cx="90487" cy="1138238"/>
+            </a:xfrm>
+            <a:prstGeom prst="rect">
+              <a:avLst/>
+            </a:prstGeom>
+            <a:solidFill>
+              <a:schemeClr val="bg2">
+                <a:lumMod val="50000"/>
+              </a:schemeClr>
+            </a:solidFill>
+            <a:ln>
+              <a:solidFill>
+                <a:schemeClr val="tx1"/>
+              </a:solidFill>
+            </a:ln>
+          </p:spPr>
+          <p:style>
+            <a:lnRef idx="2">
+              <a:schemeClr val="accent1">
+                <a:shade val="50000"/>
+              </a:schemeClr>
+            </a:lnRef>
+            <a:fillRef idx="1">
+              <a:schemeClr val="accent1"/>
+            </a:fillRef>
+            <a:effectRef idx="0">
+              <a:schemeClr val="accent1"/>
+            </a:effectRef>
+            <a:fontRef idx="minor">
+              <a:schemeClr val="lt1"/>
+            </a:fontRef>
+          </p:style>
+          <p:txBody>
+            <a:bodyPr rtlCol="0" anchor="ctr"/>
+            <a:lstStyle/>
+            <a:p>
+              <a:pPr algn="ctr"/>
+              <a:endParaRPr lang="en-US">
+                <a:latin typeface="Times New Roman" panose="02020603050405020304" pitchFamily="18" charset="0"/>
+                <a:cs typeface="Times New Roman" panose="02020603050405020304" pitchFamily="18" charset="0"/>
+              </a:endParaRPr>
+            </a:p>
+          </p:txBody>
+        </p:sp>
+      </p:grpSp>
+      <p:grpSp>
+        <p:nvGrpSpPr>
+          <p:cNvPr id="133" name="Group 132">
+            <a:extLst>
+              <a:ext uri="{FF2B5EF4-FFF2-40B4-BE49-F238E27FC236}">
+                <a16:creationId xmlns:a16="http://schemas.microsoft.com/office/drawing/2014/main" id="{4B7EAC60-A865-EDD8-33E1-8A41662020C1}"/>
+              </a:ext>
+            </a:extLst>
+          </p:cNvPr>
+          <p:cNvGrpSpPr/>
+          <p:nvPr/>
+        </p:nvGrpSpPr>
+        <p:grpSpPr>
+          <a:xfrm>
+            <a:off x="3475786" y="5368544"/>
+            <a:ext cx="3119715" cy="242126"/>
+            <a:chOff x="8234363" y="1048512"/>
+            <a:chExt cx="3119715" cy="242126"/>
+          </a:xfrm>
+        </p:grpSpPr>
+        <p:sp>
+          <p:nvSpPr>
+            <p:cNvPr id="134" name="Rectangle 133">
+              <a:extLst>
+                <a:ext uri="{FF2B5EF4-FFF2-40B4-BE49-F238E27FC236}">
+                  <a16:creationId xmlns:a16="http://schemas.microsoft.com/office/drawing/2014/main" id="{159F5473-1D1E-B0F7-0A43-56DACEF89344}"/>
+                </a:ext>
+              </a:extLst>
+            </p:cNvPr>
+            <p:cNvSpPr/>
+            <p:nvPr/>
+          </p:nvSpPr>
+          <p:spPr>
+            <a:xfrm>
+              <a:off x="9336024" y="1048512"/>
+              <a:ext cx="908304" cy="91440"/>
+            </a:xfrm>
+            <a:prstGeom prst="rect">
+              <a:avLst/>
+            </a:prstGeom>
+            <a:solidFill>
+              <a:schemeClr val="bg2">
+                <a:lumMod val="50000"/>
+              </a:schemeClr>
+            </a:solidFill>
+            <a:ln>
+              <a:solidFill>
+                <a:schemeClr val="tx1"/>
+              </a:solidFill>
+            </a:ln>
+          </p:spPr>
+          <p:style>
+            <a:lnRef idx="2">
+              <a:schemeClr val="accent1">
+                <a:shade val="50000"/>
+              </a:schemeClr>
+            </a:lnRef>
+            <a:fillRef idx="1">
+              <a:schemeClr val="accent1"/>
+            </a:fillRef>
+            <a:effectRef idx="0">
+              <a:schemeClr val="accent1"/>
+            </a:effectRef>
+            <a:fontRef idx="minor">
+              <a:schemeClr val="lt1"/>
+            </a:fontRef>
+          </p:style>
+          <p:txBody>
+            <a:bodyPr rtlCol="0" anchor="ctr"/>
+            <a:lstStyle/>
+            <a:p>
+              <a:pPr algn="ctr"/>
+              <a:endParaRPr lang="en-US">
+                <a:latin typeface="Times New Roman" panose="02020603050405020304" pitchFamily="18" charset="0"/>
+                <a:cs typeface="Times New Roman" panose="02020603050405020304" pitchFamily="18" charset="0"/>
+              </a:endParaRPr>
+            </a:p>
+          </p:txBody>
+        </p:sp>
+        <p:sp>
+          <p:nvSpPr>
+            <p:cNvPr id="135" name="Rectangle 134">
+              <a:extLst>
+                <a:ext uri="{FF2B5EF4-FFF2-40B4-BE49-F238E27FC236}">
+                  <a16:creationId xmlns:a16="http://schemas.microsoft.com/office/drawing/2014/main" id="{9BC9AAB5-E2B2-2A76-D719-CBBED3F4E866}"/>
+                </a:ext>
+              </a:extLst>
+            </p:cNvPr>
+            <p:cNvSpPr/>
+            <p:nvPr/>
+          </p:nvSpPr>
+          <p:spPr>
+            <a:xfrm rot="4472091">
+              <a:off x="8758238" y="676275"/>
+              <a:ext cx="90487" cy="1138238"/>
+            </a:xfrm>
+            <a:prstGeom prst="rect">
+              <a:avLst/>
+            </a:prstGeom>
+            <a:solidFill>
+              <a:schemeClr val="bg2">
+                <a:lumMod val="50000"/>
+              </a:schemeClr>
+            </a:solidFill>
+            <a:ln>
+              <a:solidFill>
+                <a:schemeClr val="tx1"/>
+              </a:solidFill>
+            </a:ln>
+          </p:spPr>
+          <p:style>
+            <a:lnRef idx="2">
+              <a:schemeClr val="accent1">
+                <a:shade val="50000"/>
+              </a:schemeClr>
+            </a:lnRef>
+            <a:fillRef idx="1">
+              <a:schemeClr val="accent1"/>
+            </a:fillRef>
+            <a:effectRef idx="0">
+              <a:schemeClr val="accent1"/>
+            </a:effectRef>
+            <a:fontRef idx="minor">
+              <a:schemeClr val="lt1"/>
+            </a:fontRef>
+          </p:style>
+          <p:txBody>
+            <a:bodyPr rtlCol="0" anchor="ctr"/>
+            <a:lstStyle/>
+            <a:p>
+              <a:pPr algn="ctr"/>
+              <a:endParaRPr lang="en-US">
+                <a:latin typeface="Times New Roman" panose="02020603050405020304" pitchFamily="18" charset="0"/>
+                <a:cs typeface="Times New Roman" panose="02020603050405020304" pitchFamily="18" charset="0"/>
+              </a:endParaRPr>
+            </a:p>
+          </p:txBody>
+        </p:sp>
+        <p:sp>
+          <p:nvSpPr>
+            <p:cNvPr id="136" name="Rectangle 135">
+              <a:extLst>
+                <a:ext uri="{FF2B5EF4-FFF2-40B4-BE49-F238E27FC236}">
+                  <a16:creationId xmlns:a16="http://schemas.microsoft.com/office/drawing/2014/main" id="{62D0D51F-A8BA-99C2-06FB-DB8E4A83ECD1}"/>
+                </a:ext>
+              </a:extLst>
+            </p:cNvPr>
+            <p:cNvSpPr/>
+            <p:nvPr/>
+          </p:nvSpPr>
+          <p:spPr>
+            <a:xfrm rot="17127909" flipH="1">
+              <a:off x="10739715" y="676276"/>
+              <a:ext cx="90487" cy="1138238"/>
+            </a:xfrm>
+            <a:prstGeom prst="rect">
+              <a:avLst/>
+            </a:prstGeom>
+            <a:solidFill>
+              <a:schemeClr val="bg2">
+                <a:lumMod val="50000"/>
+              </a:schemeClr>
+            </a:solidFill>
+            <a:ln>
+              <a:solidFill>
+                <a:schemeClr val="tx1"/>
+              </a:solidFill>
+            </a:ln>
+          </p:spPr>
+          <p:style>
+            <a:lnRef idx="2">
+              <a:schemeClr val="accent1">
+                <a:shade val="50000"/>
+              </a:schemeClr>
+            </a:lnRef>
+            <a:fillRef idx="1">
+              <a:schemeClr val="accent1"/>
+            </a:fillRef>
+            <a:effectRef idx="0">
+              <a:schemeClr val="accent1"/>
+            </a:effectRef>
+            <a:fontRef idx="minor">
+              <a:schemeClr val="lt1"/>
+            </a:fontRef>
+          </p:style>
+          <p:txBody>
+            <a:bodyPr rtlCol="0" anchor="ctr"/>
+            <a:lstStyle/>
+            <a:p>
+              <a:pPr algn="ctr"/>
+              <a:endParaRPr lang="en-US">
+                <a:latin typeface="Times New Roman" panose="02020603050405020304" pitchFamily="18" charset="0"/>
+                <a:cs typeface="Times New Roman" panose="02020603050405020304" pitchFamily="18" charset="0"/>
+              </a:endParaRPr>
+            </a:p>
+          </p:txBody>
+        </p:sp>
+      </p:grpSp>
+      <p:grpSp>
+        <p:nvGrpSpPr>
+          <p:cNvPr id="137" name="Group 136">
+            <a:extLst>
+              <a:ext uri="{FF2B5EF4-FFF2-40B4-BE49-F238E27FC236}">
+                <a16:creationId xmlns:a16="http://schemas.microsoft.com/office/drawing/2014/main" id="{1262D650-923D-E0E7-86F8-51D9C0AC4553}"/>
+              </a:ext>
+            </a:extLst>
+          </p:cNvPr>
+          <p:cNvGrpSpPr/>
+          <p:nvPr/>
+        </p:nvGrpSpPr>
+        <p:grpSpPr>
+          <a:xfrm>
+            <a:off x="3454660" y="5261732"/>
+            <a:ext cx="3119715" cy="242126"/>
+            <a:chOff x="8234363" y="1048512"/>
+            <a:chExt cx="3119715" cy="242126"/>
+          </a:xfrm>
+        </p:grpSpPr>
+        <p:sp>
+          <p:nvSpPr>
+            <p:cNvPr id="138" name="Rectangle 137">
+              <a:extLst>
+                <a:ext uri="{FF2B5EF4-FFF2-40B4-BE49-F238E27FC236}">
+                  <a16:creationId xmlns:a16="http://schemas.microsoft.com/office/drawing/2014/main" id="{80BCA549-BEE5-C8F3-0AAF-B0E2B5BB7810}"/>
+                </a:ext>
+              </a:extLst>
+            </p:cNvPr>
+            <p:cNvSpPr/>
+            <p:nvPr/>
+          </p:nvSpPr>
+          <p:spPr>
+            <a:xfrm>
+              <a:off x="9336024" y="1048512"/>
+              <a:ext cx="908304" cy="91440"/>
+            </a:xfrm>
+            <a:prstGeom prst="rect">
+              <a:avLst/>
+            </a:prstGeom>
+            <a:solidFill>
+              <a:schemeClr val="bg2">
+                <a:lumMod val="50000"/>
+              </a:schemeClr>
+            </a:solidFill>
+            <a:ln>
+              <a:solidFill>
+                <a:schemeClr val="tx1"/>
+              </a:solidFill>
+            </a:ln>
+          </p:spPr>
+          <p:style>
+            <a:lnRef idx="2">
+              <a:schemeClr val="accent1">
+                <a:shade val="50000"/>
+              </a:schemeClr>
+            </a:lnRef>
+            <a:fillRef idx="1">
+              <a:schemeClr val="accent1"/>
+            </a:fillRef>
+            <a:effectRef idx="0">
+              <a:schemeClr val="accent1"/>
+            </a:effectRef>
+            <a:fontRef idx="minor">
+              <a:schemeClr val="lt1"/>
+            </a:fontRef>
+          </p:style>
+          <p:txBody>
+            <a:bodyPr rtlCol="0" anchor="ctr"/>
+            <a:lstStyle/>
+            <a:p>
+              <a:pPr algn="ctr"/>
+              <a:endParaRPr lang="en-US">
+                <a:latin typeface="Times New Roman" panose="02020603050405020304" pitchFamily="18" charset="0"/>
+                <a:cs typeface="Times New Roman" panose="02020603050405020304" pitchFamily="18" charset="0"/>
+              </a:endParaRPr>
+            </a:p>
+          </p:txBody>
+        </p:sp>
+        <p:sp>
+          <p:nvSpPr>
+            <p:cNvPr id="139" name="Rectangle 138">
+              <a:extLst>
+                <a:ext uri="{FF2B5EF4-FFF2-40B4-BE49-F238E27FC236}">
+                  <a16:creationId xmlns:a16="http://schemas.microsoft.com/office/drawing/2014/main" id="{75269A25-42EC-A3C5-9B94-B81C550F282F}"/>
+                </a:ext>
+              </a:extLst>
+            </p:cNvPr>
+            <p:cNvSpPr/>
+            <p:nvPr/>
+          </p:nvSpPr>
+          <p:spPr>
+            <a:xfrm rot="4472091">
+              <a:off x="8758238" y="676275"/>
+              <a:ext cx="90487" cy="1138238"/>
+            </a:xfrm>
+            <a:prstGeom prst="rect">
+              <a:avLst/>
+            </a:prstGeom>
+            <a:solidFill>
+              <a:schemeClr val="bg2">
+                <a:lumMod val="50000"/>
+              </a:schemeClr>
+            </a:solidFill>
+            <a:ln>
+              <a:solidFill>
+                <a:schemeClr val="tx1"/>
+              </a:solidFill>
+            </a:ln>
+          </p:spPr>
+          <p:style>
+            <a:lnRef idx="2">
+              <a:schemeClr val="accent1">
+                <a:shade val="50000"/>
+              </a:schemeClr>
+            </a:lnRef>
+            <a:fillRef idx="1">
+              <a:schemeClr val="accent1"/>
+            </a:fillRef>
+            <a:effectRef idx="0">
+              <a:schemeClr val="accent1"/>
+            </a:effectRef>
+            <a:fontRef idx="minor">
+              <a:schemeClr val="lt1"/>
+            </a:fontRef>
+          </p:style>
+          <p:txBody>
+            <a:bodyPr rtlCol="0" anchor="ctr"/>
+            <a:lstStyle/>
+            <a:p>
+              <a:pPr algn="ctr"/>
+              <a:endParaRPr lang="en-US">
+                <a:latin typeface="Times New Roman" panose="02020603050405020304" pitchFamily="18" charset="0"/>
+                <a:cs typeface="Times New Roman" panose="02020603050405020304" pitchFamily="18" charset="0"/>
+              </a:endParaRPr>
+            </a:p>
+          </p:txBody>
+        </p:sp>
+        <p:sp>
+          <p:nvSpPr>
+            <p:cNvPr id="140" name="Rectangle 139">
+              <a:extLst>
+                <a:ext uri="{FF2B5EF4-FFF2-40B4-BE49-F238E27FC236}">
+                  <a16:creationId xmlns:a16="http://schemas.microsoft.com/office/drawing/2014/main" id="{8A74FFF9-E341-45A2-621A-3EFCD36BE055}"/>
+                </a:ext>
+              </a:extLst>
+            </p:cNvPr>
+            <p:cNvSpPr/>
+            <p:nvPr/>
+          </p:nvSpPr>
+          <p:spPr>
+            <a:xfrm rot="17127909" flipH="1">
+              <a:off x="10739715" y="676276"/>
+              <a:ext cx="90487" cy="1138238"/>
+            </a:xfrm>
+            <a:prstGeom prst="rect">
+              <a:avLst/>
+            </a:prstGeom>
+            <a:solidFill>
+              <a:schemeClr val="bg2">
+                <a:lumMod val="50000"/>
+              </a:schemeClr>
+            </a:solidFill>
+            <a:ln>
+              <a:solidFill>
+                <a:schemeClr val="tx1"/>
+              </a:solidFill>
+            </a:ln>
+          </p:spPr>
+          <p:style>
+            <a:lnRef idx="2">
+              <a:schemeClr val="accent1">
+                <a:shade val="50000"/>
+              </a:schemeClr>
+            </a:lnRef>
+            <a:fillRef idx="1">
+              <a:schemeClr val="accent1"/>
+            </a:fillRef>
+            <a:effectRef idx="0">
+              <a:schemeClr val="accent1"/>
+            </a:effectRef>
+            <a:fontRef idx="minor">
+              <a:schemeClr val="lt1"/>
+            </a:fontRef>
+          </p:style>
+          <p:txBody>
+            <a:bodyPr rtlCol="0" anchor="ctr"/>
+            <a:lstStyle/>
+            <a:p>
+              <a:pPr algn="ctr"/>
+              <a:endParaRPr lang="en-US">
+                <a:latin typeface="Times New Roman" panose="02020603050405020304" pitchFamily="18" charset="0"/>
+                <a:cs typeface="Times New Roman" panose="02020603050405020304" pitchFamily="18" charset="0"/>
+              </a:endParaRPr>
+            </a:p>
+          </p:txBody>
+        </p:sp>
+      </p:grpSp>
+      <p:grpSp>
+        <p:nvGrpSpPr>
+          <p:cNvPr id="141" name="Group 140">
+            <a:extLst>
+              <a:ext uri="{FF2B5EF4-FFF2-40B4-BE49-F238E27FC236}">
+                <a16:creationId xmlns:a16="http://schemas.microsoft.com/office/drawing/2014/main" id="{2527868B-2E18-3076-6716-81B5CC32CF22}"/>
+              </a:ext>
+            </a:extLst>
+          </p:cNvPr>
+          <p:cNvGrpSpPr/>
+          <p:nvPr/>
+        </p:nvGrpSpPr>
+        <p:grpSpPr>
+          <a:xfrm rot="10800000">
+            <a:off x="3471743" y="6168359"/>
+            <a:ext cx="3119715" cy="242126"/>
+            <a:chOff x="8234363" y="1048512"/>
+            <a:chExt cx="3119715" cy="242126"/>
+          </a:xfrm>
+        </p:grpSpPr>
+        <p:sp>
+          <p:nvSpPr>
+            <p:cNvPr id="142" name="Rectangle 141">
+              <a:extLst>
+                <a:ext uri="{FF2B5EF4-FFF2-40B4-BE49-F238E27FC236}">
+                  <a16:creationId xmlns:a16="http://schemas.microsoft.com/office/drawing/2014/main" id="{D876C5AE-A2C4-7344-9875-B8FFEDFDBB0B}"/>
+                </a:ext>
+              </a:extLst>
+            </p:cNvPr>
+            <p:cNvSpPr/>
+            <p:nvPr/>
+          </p:nvSpPr>
+          <p:spPr>
+            <a:xfrm>
+              <a:off x="9336024" y="1048512"/>
+              <a:ext cx="908304" cy="91440"/>
+            </a:xfrm>
+            <a:prstGeom prst="rect">
+              <a:avLst/>
+            </a:prstGeom>
+            <a:solidFill>
+              <a:schemeClr val="bg2">
+                <a:lumMod val="50000"/>
+              </a:schemeClr>
+            </a:solidFill>
+            <a:ln>
+              <a:solidFill>
+                <a:schemeClr val="tx1"/>
+              </a:solidFill>
+            </a:ln>
+          </p:spPr>
+          <p:style>
+            <a:lnRef idx="2">
+              <a:schemeClr val="accent1">
+                <a:shade val="50000"/>
+              </a:schemeClr>
+            </a:lnRef>
+            <a:fillRef idx="1">
+              <a:schemeClr val="accent1"/>
+            </a:fillRef>
+            <a:effectRef idx="0">
+              <a:schemeClr val="accent1"/>
+            </a:effectRef>
+            <a:fontRef idx="minor">
+              <a:schemeClr val="lt1"/>
+            </a:fontRef>
+          </p:style>
+          <p:txBody>
+            <a:bodyPr rtlCol="0" anchor="ctr"/>
+            <a:lstStyle/>
+            <a:p>
+              <a:pPr algn="ctr"/>
+              <a:endParaRPr lang="en-US">
+                <a:latin typeface="Times New Roman" panose="02020603050405020304" pitchFamily="18" charset="0"/>
+                <a:cs typeface="Times New Roman" panose="02020603050405020304" pitchFamily="18" charset="0"/>
+              </a:endParaRPr>
+            </a:p>
+          </p:txBody>
+        </p:sp>
+        <p:sp>
+          <p:nvSpPr>
+            <p:cNvPr id="143" name="Rectangle 142">
+              <a:extLst>
+                <a:ext uri="{FF2B5EF4-FFF2-40B4-BE49-F238E27FC236}">
+                  <a16:creationId xmlns:a16="http://schemas.microsoft.com/office/drawing/2014/main" id="{5AA4085A-18C8-8792-41C8-55126A616EB4}"/>
+                </a:ext>
+              </a:extLst>
+            </p:cNvPr>
+            <p:cNvSpPr/>
+            <p:nvPr/>
+          </p:nvSpPr>
+          <p:spPr>
+            <a:xfrm rot="4472091">
+              <a:off x="8758238" y="676275"/>
+              <a:ext cx="90487" cy="1138238"/>
+            </a:xfrm>
+            <a:prstGeom prst="rect">
+              <a:avLst/>
+            </a:prstGeom>
+            <a:solidFill>
+              <a:schemeClr val="bg2">
+                <a:lumMod val="50000"/>
+              </a:schemeClr>
+            </a:solidFill>
+            <a:ln>
+              <a:solidFill>
+                <a:schemeClr val="tx1"/>
+              </a:solidFill>
+            </a:ln>
+          </p:spPr>
+          <p:style>
+            <a:lnRef idx="2">
+              <a:schemeClr val="accent1">
+                <a:shade val="50000"/>
+              </a:schemeClr>
+            </a:lnRef>
+            <a:fillRef idx="1">
+              <a:schemeClr val="accent1"/>
+            </a:fillRef>
+            <a:effectRef idx="0">
+              <a:schemeClr val="accent1"/>
+            </a:effectRef>
+            <a:fontRef idx="minor">
+              <a:schemeClr val="lt1"/>
+            </a:fontRef>
+          </p:style>
+          <p:txBody>
+            <a:bodyPr rtlCol="0" anchor="ctr"/>
+            <a:lstStyle/>
+            <a:p>
+              <a:pPr algn="ctr"/>
+              <a:endParaRPr lang="en-US">
+                <a:latin typeface="Times New Roman" panose="02020603050405020304" pitchFamily="18" charset="0"/>
+                <a:cs typeface="Times New Roman" panose="02020603050405020304" pitchFamily="18" charset="0"/>
+              </a:endParaRPr>
+            </a:p>
+          </p:txBody>
+        </p:sp>
+        <p:sp>
+          <p:nvSpPr>
+            <p:cNvPr id="144" name="Rectangle 143">
+              <a:extLst>
+                <a:ext uri="{FF2B5EF4-FFF2-40B4-BE49-F238E27FC236}">
+                  <a16:creationId xmlns:a16="http://schemas.microsoft.com/office/drawing/2014/main" id="{BBF70DA2-B809-7A65-4D3E-995C4DB884DF}"/>
+                </a:ext>
+              </a:extLst>
+            </p:cNvPr>
+            <p:cNvSpPr/>
+            <p:nvPr/>
+          </p:nvSpPr>
+          <p:spPr>
+            <a:xfrm rot="17127909" flipH="1">
+              <a:off x="10739715" y="676276"/>
+              <a:ext cx="90487" cy="1138238"/>
+            </a:xfrm>
+            <a:prstGeom prst="rect">
+              <a:avLst/>
+            </a:prstGeom>
+            <a:solidFill>
+              <a:schemeClr val="bg2">
+                <a:lumMod val="50000"/>
+              </a:schemeClr>
+            </a:solidFill>
+            <a:ln>
+              <a:solidFill>
+                <a:schemeClr val="tx1"/>
+              </a:solidFill>
+            </a:ln>
+          </p:spPr>
+          <p:style>
+            <a:lnRef idx="2">
+              <a:schemeClr val="accent1">
+                <a:shade val="50000"/>
+              </a:schemeClr>
+            </a:lnRef>
+            <a:fillRef idx="1">
+              <a:schemeClr val="accent1"/>
+            </a:fillRef>
+            <a:effectRef idx="0">
+              <a:schemeClr val="accent1"/>
+            </a:effectRef>
+            <a:fontRef idx="minor">
+              <a:schemeClr val="lt1"/>
+            </a:fontRef>
+          </p:style>
+          <p:txBody>
+            <a:bodyPr rtlCol="0" anchor="ctr"/>
+            <a:lstStyle/>
+            <a:p>
+              <a:pPr algn="ctr"/>
+              <a:endParaRPr lang="en-US">
+                <a:latin typeface="Times New Roman" panose="02020603050405020304" pitchFamily="18" charset="0"/>
+                <a:cs typeface="Times New Roman" panose="02020603050405020304" pitchFamily="18" charset="0"/>
+              </a:endParaRPr>
+            </a:p>
+          </p:txBody>
+        </p:sp>
+      </p:grpSp>
+      <p:sp>
+        <p:nvSpPr>
+          <p:cNvPr id="145" name="TextBox 144">
+            <a:extLst>
+              <a:ext uri="{FF2B5EF4-FFF2-40B4-BE49-F238E27FC236}">
+                <a16:creationId xmlns:a16="http://schemas.microsoft.com/office/drawing/2014/main" id="{5AD9A3DE-E317-1491-F0E3-B1A3A27FEEEA}"/>
+              </a:ext>
+            </a:extLst>
+          </p:cNvPr>
+          <p:cNvSpPr txBox="1"/>
+          <p:nvPr/>
+        </p:nvSpPr>
+        <p:spPr>
+          <a:xfrm>
+            <a:off x="4528427" y="997765"/>
+            <a:ext cx="2722797" cy="369332"/>
+          </a:xfrm>
+          <a:prstGeom prst="rect">
+            <a:avLst/>
+          </a:prstGeom>
+          <a:noFill/>
+        </p:spPr>
+        <p:txBody>
+          <a:bodyPr wrap="none" rtlCol="0">
+            <a:spAutoFit/>
+          </a:bodyPr>
+          <a:lstStyle/>
+          <a:p>
+            <a:r>
+              <a:rPr lang="en-US" dirty="0">
+                <a:latin typeface="Times New Roman" panose="02020603050405020304" pitchFamily="18" charset="0"/>
+                <a:cs typeface="Times New Roman" panose="02020603050405020304" pitchFamily="18" charset="0"/>
+              </a:rPr>
+              <a:t>Table 2: BW Nomenclature</a:t>
+            </a:r>
+          </a:p>
+        </p:txBody>
+      </p:sp>
+    </p:spTree>
+    <p:extLst>
+      <p:ext uri="{BB962C8B-B14F-4D97-AF65-F5344CB8AC3E}">
+        <p14:creationId xmlns:p14="http://schemas.microsoft.com/office/powerpoint/2010/main" val="63868276"/>
+      </p:ext>
+    </p:extLst>
+  </p:cSld>
+  <p:clrMapOvr>
+    <a:masterClrMapping/>
+  </p:clrMapOvr>
+</p:sld>
+</file>
+
+<file path=ppt/slides/slide11.xml><?xml version="1.0" encoding="utf-8"?>
+<p:sld xmlns:a="http://schemas.openxmlformats.org/drawingml/2006/main" xmlns:r="http://schemas.openxmlformats.org/officeDocument/2006/relationships" xmlns:p="http://schemas.openxmlformats.org/presentationml/2006/main">
+  <p:cSld>
+    <p:spTree>
+      <p:nvGrpSpPr>
+        <p:cNvPr id="1" name=""/>
+        <p:cNvGrpSpPr/>
+        <p:nvPr/>
+      </p:nvGrpSpPr>
+      <p:grpSpPr>
+        <a:xfrm>
+          <a:off x="0" y="0"/>
+          <a:ext cx="0" cy="0"/>
+          <a:chOff x="0" y="0"/>
+          <a:chExt cx="0" cy="0"/>
+        </a:xfrm>
+      </p:grpSpPr>
+      <p:sp>
+        <p:nvSpPr>
+          <p:cNvPr id="2" name="Title 1">
+            <a:extLst>
+              <a:ext uri="{FF2B5EF4-FFF2-40B4-BE49-F238E27FC236}">
+                <a16:creationId xmlns:a16="http://schemas.microsoft.com/office/drawing/2014/main" id="{BDD91696-8B45-2D87-0500-56977B78E94E}"/>
+              </a:ext>
+            </a:extLst>
+          </p:cNvPr>
+          <p:cNvSpPr>
+            <a:spLocks noGrp="1"/>
+          </p:cNvSpPr>
+          <p:nvPr>
+            <p:ph type="title"/>
+          </p:nvPr>
+        </p:nvSpPr>
+        <p:spPr/>
+        <p:txBody>
+          <a:bodyPr/>
+          <a:lstStyle/>
+          <a:p>
+            <a:endParaRPr lang="en-US"/>
+          </a:p>
+        </p:txBody>
+      </p:sp>
+      <p:sp>
+        <p:nvSpPr>
+          <p:cNvPr id="3" name="Content Placeholder 2">
+            <a:extLst>
+              <a:ext uri="{FF2B5EF4-FFF2-40B4-BE49-F238E27FC236}">
+                <a16:creationId xmlns:a16="http://schemas.microsoft.com/office/drawing/2014/main" id="{E2786D15-F411-26A6-54E1-D0A3D4DDE958}"/>
+              </a:ext>
+            </a:extLst>
+          </p:cNvPr>
+          <p:cNvSpPr>
+            <a:spLocks noGrp="1"/>
+          </p:cNvSpPr>
+          <p:nvPr>
+            <p:ph idx="1"/>
+          </p:nvPr>
+        </p:nvSpPr>
+        <p:spPr/>
+        <p:txBody>
+          <a:bodyPr/>
+          <a:lstStyle/>
+          <a:p>
+            <a:endParaRPr lang="en-US"/>
+          </a:p>
+        </p:txBody>
+      </p:sp>
+      <p:pic>
+        <p:nvPicPr>
+          <p:cNvPr id="4" name="Picture 3">
+            <a:extLst>
+              <a:ext uri="{FF2B5EF4-FFF2-40B4-BE49-F238E27FC236}">
+                <a16:creationId xmlns:a16="http://schemas.microsoft.com/office/drawing/2014/main" id="{14F48F5E-9CA4-F226-BA80-6D43DEB4AD72}"/>
+              </a:ext>
+            </a:extLst>
+          </p:cNvPr>
+          <p:cNvPicPr>
+            <a:picLocks noChangeAspect="1"/>
+          </p:cNvPicPr>
+          <p:nvPr/>
+        </p:nvPicPr>
+        <p:blipFill rotWithShape="1">
+          <a:blip r:embed="rId2" cstate="print">
+            <a:extLst>
+              <a:ext uri="{28A0092B-C50C-407E-A947-70E740481C1C}">
+                <a14:useLocalDpi xmlns:a14="http://schemas.microsoft.com/office/drawing/2010/main" val="0"/>
+              </a:ext>
+            </a:extLst>
+          </a:blip>
+          <a:srcRect/>
+          <a:stretch/>
+        </p:blipFill>
+        <p:spPr bwMode="auto">
+          <a:xfrm rot="16200000">
+            <a:off x="333384" y="-333384"/>
+            <a:ext cx="3516086" cy="4182853"/>
+          </a:xfrm>
+          <a:prstGeom prst="rect">
+            <a:avLst/>
+          </a:prstGeom>
+          <a:noFill/>
+          <a:ln>
+            <a:noFill/>
+          </a:ln>
+          <a:extLst>
+            <a:ext uri="{53640926-AAD7-44D8-BBD7-CCE9431645EC}">
+              <a14:shadowObscured xmlns:a14="http://schemas.microsoft.com/office/drawing/2010/main"/>
+            </a:ext>
+          </a:extLst>
+        </p:spPr>
+      </p:pic>
+    </p:spTree>
+    <p:extLst>
+      <p:ext uri="{BB962C8B-B14F-4D97-AF65-F5344CB8AC3E}">
+        <p14:creationId xmlns:p14="http://schemas.microsoft.com/office/powerpoint/2010/main" val="3398039688"/>
+      </p:ext>
+    </p:extLst>
+  </p:cSld>
+  <p:clrMapOvr>
+    <a:masterClrMapping/>
+  </p:clrMapOvr>
+</p:sld>
+</file>
+
 <file path=ppt/slides/slide2.xml><?xml version="1.0" encoding="utf-8"?>
 <p:sld xmlns:a="http://schemas.openxmlformats.org/drawingml/2006/main" xmlns:r="http://schemas.openxmlformats.org/officeDocument/2006/relationships" xmlns:p="http://schemas.openxmlformats.org/presentationml/2006/main">
   <p:cSld>
@@ -3667,7 +7090,7 @@
           <p:cNvPr id="2" name="Title 1">
             <a:extLst>
               <a:ext uri="{FF2B5EF4-FFF2-40B4-BE49-F238E27FC236}">
-                <a16:creationId xmlns:a16="http://schemas.microsoft.com/office/drawing/2014/main" id="{BDD91696-8B45-2D87-0500-56977B78E94E}"/>
+                <a16:creationId xmlns:a16="http://schemas.microsoft.com/office/drawing/2014/main" id="{259A793C-F50D-CEFE-FB6D-48BAEBFBB91E}"/>
               </a:ext>
             </a:extLst>
           </p:cNvPr>
@@ -3692,7 +7115,7 @@
           <p:cNvPr id="3" name="Content Placeholder 2">
             <a:extLst>
               <a:ext uri="{FF2B5EF4-FFF2-40B4-BE49-F238E27FC236}">
-                <a16:creationId xmlns:a16="http://schemas.microsoft.com/office/drawing/2014/main" id="{E2786D15-F411-26A6-54E1-D0A3D4DDE958}"/>
+                <a16:creationId xmlns:a16="http://schemas.microsoft.com/office/drawing/2014/main" id="{E469EFBF-05DF-651C-CD60-5AE93CE1AEBF}"/>
               </a:ext>
             </a:extLst>
           </p:cNvPr>
@@ -3712,54 +7135,4716 @@
           </a:p>
         </p:txBody>
       </p:sp>
-      <p:pic>
-        <p:nvPicPr>
-          <p:cNvPr id="4" name="Picture 3">
-            <a:extLst>
-              <a:ext uri="{FF2B5EF4-FFF2-40B4-BE49-F238E27FC236}">
-                <a16:creationId xmlns:a16="http://schemas.microsoft.com/office/drawing/2014/main" id="{14F48F5E-9CA4-F226-BA80-6D43DEB4AD72}"/>
-              </a:ext>
-            </a:extLst>
-          </p:cNvPr>
-          <p:cNvPicPr>
-            <a:picLocks noChangeAspect="1"/>
-          </p:cNvPicPr>
+      <p:grpSp>
+        <p:nvGrpSpPr>
+          <p:cNvPr id="4" name="Group 3">
+            <a:extLst>
+              <a:ext uri="{FF2B5EF4-FFF2-40B4-BE49-F238E27FC236}">
+                <a16:creationId xmlns:a16="http://schemas.microsoft.com/office/drawing/2014/main" id="{D364C427-B42F-9B1D-F385-ABD791E17A21}"/>
+              </a:ext>
+            </a:extLst>
+          </p:cNvPr>
+          <p:cNvGrpSpPr/>
           <p:nvPr/>
-        </p:nvPicPr>
-        <p:blipFill rotWithShape="1">
-          <a:blip r:embed="rId2" cstate="print">
-            <a:extLst>
-              <a:ext uri="{28A0092B-C50C-407E-A947-70E740481C1C}">
-                <a14:useLocalDpi xmlns:a14="http://schemas.microsoft.com/office/drawing/2010/main" val="0"/>
-              </a:ext>
-            </a:extLst>
-          </a:blip>
-          <a:srcRect/>
-          <a:stretch/>
-        </p:blipFill>
-        <p:spPr bwMode="auto">
-          <a:xfrm rot="16200000">
-            <a:off x="333384" y="-333384"/>
-            <a:ext cx="3516086" cy="4182853"/>
+        </p:nvGrpSpPr>
+        <p:grpSpPr>
+          <a:xfrm>
+            <a:off x="97974" y="142619"/>
+            <a:ext cx="3119715" cy="242126"/>
+            <a:chOff x="8234363" y="1048512"/>
+            <a:chExt cx="3119715" cy="242126"/>
           </a:xfrm>
-          <a:prstGeom prst="rect">
-            <a:avLst/>
-          </a:prstGeom>
-          <a:noFill/>
-          <a:ln>
-            <a:noFill/>
-          </a:ln>
-          <a:extLst>
-            <a:ext uri="{53640926-AAD7-44D8-BBD7-CCE9431645EC}">
-              <a14:shadowObscured xmlns:a14="http://schemas.microsoft.com/office/drawing/2010/main"/>
-            </a:ext>
-          </a:extLst>
-        </p:spPr>
-      </p:pic>
+        </p:grpSpPr>
+        <p:sp>
+          <p:nvSpPr>
+            <p:cNvPr id="5" name="Rectangle 4">
+              <a:extLst>
+                <a:ext uri="{FF2B5EF4-FFF2-40B4-BE49-F238E27FC236}">
+                  <a16:creationId xmlns:a16="http://schemas.microsoft.com/office/drawing/2014/main" id="{13CD5910-A7B8-5125-06BB-9DD75A063EB7}"/>
+                </a:ext>
+              </a:extLst>
+            </p:cNvPr>
+            <p:cNvSpPr/>
+            <p:nvPr/>
+          </p:nvSpPr>
+          <p:spPr>
+            <a:xfrm>
+              <a:off x="9336024" y="1048512"/>
+              <a:ext cx="908304" cy="91440"/>
+            </a:xfrm>
+            <a:prstGeom prst="rect">
+              <a:avLst/>
+            </a:prstGeom>
+            <a:solidFill>
+              <a:schemeClr val="bg2">
+                <a:lumMod val="50000"/>
+              </a:schemeClr>
+            </a:solidFill>
+            <a:ln>
+              <a:solidFill>
+                <a:schemeClr val="tx1"/>
+              </a:solidFill>
+            </a:ln>
+          </p:spPr>
+          <p:style>
+            <a:lnRef idx="2">
+              <a:schemeClr val="accent1">
+                <a:shade val="50000"/>
+              </a:schemeClr>
+            </a:lnRef>
+            <a:fillRef idx="1">
+              <a:schemeClr val="accent1"/>
+            </a:fillRef>
+            <a:effectRef idx="0">
+              <a:schemeClr val="accent1"/>
+            </a:effectRef>
+            <a:fontRef idx="minor">
+              <a:schemeClr val="lt1"/>
+            </a:fontRef>
+          </p:style>
+          <p:txBody>
+            <a:bodyPr rtlCol="0" anchor="ctr"/>
+            <a:lstStyle/>
+            <a:p>
+              <a:pPr algn="ctr"/>
+              <a:endParaRPr lang="en-US">
+                <a:latin typeface="Times New Roman" panose="02020603050405020304" pitchFamily="18" charset="0"/>
+                <a:cs typeface="Times New Roman" panose="02020603050405020304" pitchFamily="18" charset="0"/>
+              </a:endParaRPr>
+            </a:p>
+          </p:txBody>
+        </p:sp>
+        <p:sp>
+          <p:nvSpPr>
+            <p:cNvPr id="6" name="Rectangle 5">
+              <a:extLst>
+                <a:ext uri="{FF2B5EF4-FFF2-40B4-BE49-F238E27FC236}">
+                  <a16:creationId xmlns:a16="http://schemas.microsoft.com/office/drawing/2014/main" id="{821AD845-F4C5-6FF8-634A-D3E8489DBCA4}"/>
+                </a:ext>
+              </a:extLst>
+            </p:cNvPr>
+            <p:cNvSpPr/>
+            <p:nvPr/>
+          </p:nvSpPr>
+          <p:spPr>
+            <a:xfrm rot="4472091">
+              <a:off x="8758238" y="676275"/>
+              <a:ext cx="90487" cy="1138238"/>
+            </a:xfrm>
+            <a:prstGeom prst="rect">
+              <a:avLst/>
+            </a:prstGeom>
+            <a:solidFill>
+              <a:schemeClr val="bg2">
+                <a:lumMod val="50000"/>
+              </a:schemeClr>
+            </a:solidFill>
+            <a:ln>
+              <a:solidFill>
+                <a:schemeClr val="tx1"/>
+              </a:solidFill>
+            </a:ln>
+          </p:spPr>
+          <p:style>
+            <a:lnRef idx="2">
+              <a:schemeClr val="accent1">
+                <a:shade val="50000"/>
+              </a:schemeClr>
+            </a:lnRef>
+            <a:fillRef idx="1">
+              <a:schemeClr val="accent1"/>
+            </a:fillRef>
+            <a:effectRef idx="0">
+              <a:schemeClr val="accent1"/>
+            </a:effectRef>
+            <a:fontRef idx="minor">
+              <a:schemeClr val="lt1"/>
+            </a:fontRef>
+          </p:style>
+          <p:txBody>
+            <a:bodyPr rtlCol="0" anchor="ctr"/>
+            <a:lstStyle/>
+            <a:p>
+              <a:pPr algn="ctr"/>
+              <a:endParaRPr lang="en-US">
+                <a:latin typeface="Times New Roman" panose="02020603050405020304" pitchFamily="18" charset="0"/>
+                <a:cs typeface="Times New Roman" panose="02020603050405020304" pitchFamily="18" charset="0"/>
+              </a:endParaRPr>
+            </a:p>
+          </p:txBody>
+        </p:sp>
+        <p:sp>
+          <p:nvSpPr>
+            <p:cNvPr id="7" name="Rectangle 6">
+              <a:extLst>
+                <a:ext uri="{FF2B5EF4-FFF2-40B4-BE49-F238E27FC236}">
+                  <a16:creationId xmlns:a16="http://schemas.microsoft.com/office/drawing/2014/main" id="{B6A449A7-6F43-56ED-7AD6-186D555F1E7E}"/>
+                </a:ext>
+              </a:extLst>
+            </p:cNvPr>
+            <p:cNvSpPr/>
+            <p:nvPr/>
+          </p:nvSpPr>
+          <p:spPr>
+            <a:xfrm rot="17127909" flipH="1">
+              <a:off x="10739715" y="676276"/>
+              <a:ext cx="90487" cy="1138238"/>
+            </a:xfrm>
+            <a:prstGeom prst="rect">
+              <a:avLst/>
+            </a:prstGeom>
+            <a:solidFill>
+              <a:schemeClr val="bg2">
+                <a:lumMod val="50000"/>
+              </a:schemeClr>
+            </a:solidFill>
+            <a:ln>
+              <a:solidFill>
+                <a:schemeClr val="tx1"/>
+              </a:solidFill>
+            </a:ln>
+          </p:spPr>
+          <p:style>
+            <a:lnRef idx="2">
+              <a:schemeClr val="accent1">
+                <a:shade val="50000"/>
+              </a:schemeClr>
+            </a:lnRef>
+            <a:fillRef idx="1">
+              <a:schemeClr val="accent1"/>
+            </a:fillRef>
+            <a:effectRef idx="0">
+              <a:schemeClr val="accent1"/>
+            </a:effectRef>
+            <a:fontRef idx="minor">
+              <a:schemeClr val="lt1"/>
+            </a:fontRef>
+          </p:style>
+          <p:txBody>
+            <a:bodyPr rtlCol="0" anchor="ctr"/>
+            <a:lstStyle/>
+            <a:p>
+              <a:pPr algn="ctr"/>
+              <a:endParaRPr lang="en-US">
+                <a:latin typeface="Times New Roman" panose="02020603050405020304" pitchFamily="18" charset="0"/>
+                <a:cs typeface="Times New Roman" panose="02020603050405020304" pitchFamily="18" charset="0"/>
+              </a:endParaRPr>
+            </a:p>
+          </p:txBody>
+        </p:sp>
+      </p:grpSp>
     </p:spTree>
     <p:extLst>
       <p:ext uri="{BB962C8B-B14F-4D97-AF65-F5344CB8AC3E}">
-        <p14:creationId xmlns:p14="http://schemas.microsoft.com/office/powerpoint/2010/main" val="3398039688"/>
+        <p14:creationId xmlns:p14="http://schemas.microsoft.com/office/powerpoint/2010/main" val="429412829"/>
+      </p:ext>
+    </p:extLst>
+  </p:cSld>
+  <p:clrMapOvr>
+    <a:masterClrMapping/>
+  </p:clrMapOvr>
+</p:sld>
+</file>
+
+<file path=ppt/slides/slide5.xml><?xml version="1.0" encoding="utf-8"?>
+<p:sld xmlns:a="http://schemas.openxmlformats.org/drawingml/2006/main" xmlns:r="http://schemas.openxmlformats.org/officeDocument/2006/relationships" xmlns:p="http://schemas.openxmlformats.org/presentationml/2006/main">
+  <p:cSld>
+    <p:spTree>
+      <p:nvGrpSpPr>
+        <p:cNvPr id="1" name=""/>
+        <p:cNvGrpSpPr/>
+        <p:nvPr/>
+      </p:nvGrpSpPr>
+      <p:grpSpPr>
+        <a:xfrm>
+          <a:off x="0" y="0"/>
+          <a:ext cx="0" cy="0"/>
+          <a:chOff x="0" y="0"/>
+          <a:chExt cx="0" cy="0"/>
+        </a:xfrm>
+      </p:grpSpPr>
+      <p:sp>
+        <p:nvSpPr>
+          <p:cNvPr id="2" name="Title 1">
+            <a:extLst>
+              <a:ext uri="{FF2B5EF4-FFF2-40B4-BE49-F238E27FC236}">
+                <a16:creationId xmlns:a16="http://schemas.microsoft.com/office/drawing/2014/main" id="{1F536AAB-4C8A-8C07-F646-D3B4057B1E38}"/>
+              </a:ext>
+            </a:extLst>
+          </p:cNvPr>
+          <p:cNvSpPr>
+            <a:spLocks noGrp="1"/>
+          </p:cNvSpPr>
+          <p:nvPr>
+            <p:ph type="title"/>
+          </p:nvPr>
+        </p:nvSpPr>
+        <p:spPr/>
+        <p:txBody>
+          <a:bodyPr/>
+          <a:lstStyle/>
+          <a:p>
+            <a:endParaRPr lang="en-US"/>
+          </a:p>
+        </p:txBody>
+      </p:sp>
+      <p:sp>
+        <p:nvSpPr>
+          <p:cNvPr id="3" name="Content Placeholder 2">
+            <a:extLst>
+              <a:ext uri="{FF2B5EF4-FFF2-40B4-BE49-F238E27FC236}">
+                <a16:creationId xmlns:a16="http://schemas.microsoft.com/office/drawing/2014/main" id="{12D84E1F-A1E2-5BAC-436B-1FB3DCE6B12C}"/>
+              </a:ext>
+            </a:extLst>
+          </p:cNvPr>
+          <p:cNvSpPr>
+            <a:spLocks noGrp="1"/>
+          </p:cNvSpPr>
+          <p:nvPr>
+            <p:ph idx="1"/>
+          </p:nvPr>
+        </p:nvSpPr>
+        <p:spPr/>
+        <p:txBody>
+          <a:bodyPr/>
+          <a:lstStyle/>
+          <a:p>
+            <a:endParaRPr lang="en-US"/>
+          </a:p>
+        </p:txBody>
+      </p:sp>
+      <p:grpSp>
+        <p:nvGrpSpPr>
+          <p:cNvPr id="4" name="Group 3">
+            <a:extLst>
+              <a:ext uri="{FF2B5EF4-FFF2-40B4-BE49-F238E27FC236}">
+                <a16:creationId xmlns:a16="http://schemas.microsoft.com/office/drawing/2014/main" id="{E4CAE43B-D550-B33B-9099-0AE5FC6D7B98}"/>
+              </a:ext>
+            </a:extLst>
+          </p:cNvPr>
+          <p:cNvGrpSpPr/>
+          <p:nvPr/>
+        </p:nvGrpSpPr>
+        <p:grpSpPr>
+          <a:xfrm rot="10800000">
+            <a:off x="110932" y="248389"/>
+            <a:ext cx="3119715" cy="242126"/>
+            <a:chOff x="8234363" y="1048512"/>
+            <a:chExt cx="3119715" cy="242126"/>
+          </a:xfrm>
+        </p:grpSpPr>
+        <p:sp>
+          <p:nvSpPr>
+            <p:cNvPr id="5" name="Rectangle 4">
+              <a:extLst>
+                <a:ext uri="{FF2B5EF4-FFF2-40B4-BE49-F238E27FC236}">
+                  <a16:creationId xmlns:a16="http://schemas.microsoft.com/office/drawing/2014/main" id="{9EF22A6A-6C2D-2D29-3003-4FD1C0C5CAEC}"/>
+                </a:ext>
+              </a:extLst>
+            </p:cNvPr>
+            <p:cNvSpPr/>
+            <p:nvPr/>
+          </p:nvSpPr>
+          <p:spPr>
+            <a:xfrm>
+              <a:off x="9336024" y="1048512"/>
+              <a:ext cx="908304" cy="91440"/>
+            </a:xfrm>
+            <a:prstGeom prst="rect">
+              <a:avLst/>
+            </a:prstGeom>
+            <a:solidFill>
+              <a:schemeClr val="bg2">
+                <a:lumMod val="50000"/>
+              </a:schemeClr>
+            </a:solidFill>
+            <a:ln>
+              <a:solidFill>
+                <a:schemeClr val="tx1"/>
+              </a:solidFill>
+            </a:ln>
+          </p:spPr>
+          <p:style>
+            <a:lnRef idx="2">
+              <a:schemeClr val="accent1">
+                <a:shade val="50000"/>
+              </a:schemeClr>
+            </a:lnRef>
+            <a:fillRef idx="1">
+              <a:schemeClr val="accent1"/>
+            </a:fillRef>
+            <a:effectRef idx="0">
+              <a:schemeClr val="accent1"/>
+            </a:effectRef>
+            <a:fontRef idx="minor">
+              <a:schemeClr val="lt1"/>
+            </a:fontRef>
+          </p:style>
+          <p:txBody>
+            <a:bodyPr rtlCol="0" anchor="ctr"/>
+            <a:lstStyle/>
+            <a:p>
+              <a:pPr algn="ctr"/>
+              <a:endParaRPr lang="en-US">
+                <a:latin typeface="Times New Roman" panose="02020603050405020304" pitchFamily="18" charset="0"/>
+                <a:cs typeface="Times New Roman" panose="02020603050405020304" pitchFamily="18" charset="0"/>
+              </a:endParaRPr>
+            </a:p>
+          </p:txBody>
+        </p:sp>
+        <p:sp>
+          <p:nvSpPr>
+            <p:cNvPr id="6" name="Rectangle 5">
+              <a:extLst>
+                <a:ext uri="{FF2B5EF4-FFF2-40B4-BE49-F238E27FC236}">
+                  <a16:creationId xmlns:a16="http://schemas.microsoft.com/office/drawing/2014/main" id="{748FBFB8-940A-5E85-F88E-52AC633E9F81}"/>
+                </a:ext>
+              </a:extLst>
+            </p:cNvPr>
+            <p:cNvSpPr/>
+            <p:nvPr/>
+          </p:nvSpPr>
+          <p:spPr>
+            <a:xfrm rot="4472091">
+              <a:off x="8758238" y="676275"/>
+              <a:ext cx="90487" cy="1138238"/>
+            </a:xfrm>
+            <a:prstGeom prst="rect">
+              <a:avLst/>
+            </a:prstGeom>
+            <a:solidFill>
+              <a:schemeClr val="bg2">
+                <a:lumMod val="50000"/>
+              </a:schemeClr>
+            </a:solidFill>
+            <a:ln>
+              <a:solidFill>
+                <a:schemeClr val="tx1"/>
+              </a:solidFill>
+            </a:ln>
+          </p:spPr>
+          <p:style>
+            <a:lnRef idx="2">
+              <a:schemeClr val="accent1">
+                <a:shade val="50000"/>
+              </a:schemeClr>
+            </a:lnRef>
+            <a:fillRef idx="1">
+              <a:schemeClr val="accent1"/>
+            </a:fillRef>
+            <a:effectRef idx="0">
+              <a:schemeClr val="accent1"/>
+            </a:effectRef>
+            <a:fontRef idx="minor">
+              <a:schemeClr val="lt1"/>
+            </a:fontRef>
+          </p:style>
+          <p:txBody>
+            <a:bodyPr rtlCol="0" anchor="ctr"/>
+            <a:lstStyle/>
+            <a:p>
+              <a:pPr algn="ctr"/>
+              <a:endParaRPr lang="en-US">
+                <a:latin typeface="Times New Roman" panose="02020603050405020304" pitchFamily="18" charset="0"/>
+                <a:cs typeface="Times New Roman" panose="02020603050405020304" pitchFamily="18" charset="0"/>
+              </a:endParaRPr>
+            </a:p>
+          </p:txBody>
+        </p:sp>
+        <p:sp>
+          <p:nvSpPr>
+            <p:cNvPr id="7" name="Rectangle 6">
+              <a:extLst>
+                <a:ext uri="{FF2B5EF4-FFF2-40B4-BE49-F238E27FC236}">
+                  <a16:creationId xmlns:a16="http://schemas.microsoft.com/office/drawing/2014/main" id="{76536E73-8E8F-C99C-01B0-3BCC2BAF51FD}"/>
+                </a:ext>
+              </a:extLst>
+            </p:cNvPr>
+            <p:cNvSpPr/>
+            <p:nvPr/>
+          </p:nvSpPr>
+          <p:spPr>
+            <a:xfrm rot="17127909" flipH="1">
+              <a:off x="10739715" y="676276"/>
+              <a:ext cx="90487" cy="1138238"/>
+            </a:xfrm>
+            <a:prstGeom prst="rect">
+              <a:avLst/>
+            </a:prstGeom>
+            <a:solidFill>
+              <a:schemeClr val="bg2">
+                <a:lumMod val="50000"/>
+              </a:schemeClr>
+            </a:solidFill>
+            <a:ln>
+              <a:solidFill>
+                <a:schemeClr val="tx1"/>
+              </a:solidFill>
+            </a:ln>
+          </p:spPr>
+          <p:style>
+            <a:lnRef idx="2">
+              <a:schemeClr val="accent1">
+                <a:shade val="50000"/>
+              </a:schemeClr>
+            </a:lnRef>
+            <a:fillRef idx="1">
+              <a:schemeClr val="accent1"/>
+            </a:fillRef>
+            <a:effectRef idx="0">
+              <a:schemeClr val="accent1"/>
+            </a:effectRef>
+            <a:fontRef idx="minor">
+              <a:schemeClr val="lt1"/>
+            </a:fontRef>
+          </p:style>
+          <p:txBody>
+            <a:bodyPr rtlCol="0" anchor="ctr"/>
+            <a:lstStyle/>
+            <a:p>
+              <a:pPr algn="ctr"/>
+              <a:endParaRPr lang="en-US">
+                <a:latin typeface="Times New Roman" panose="02020603050405020304" pitchFamily="18" charset="0"/>
+                <a:cs typeface="Times New Roman" panose="02020603050405020304" pitchFamily="18" charset="0"/>
+              </a:endParaRPr>
+            </a:p>
+          </p:txBody>
+        </p:sp>
+      </p:grpSp>
+    </p:spTree>
+    <p:extLst>
+      <p:ext uri="{BB962C8B-B14F-4D97-AF65-F5344CB8AC3E}">
+        <p14:creationId xmlns:p14="http://schemas.microsoft.com/office/powerpoint/2010/main" val="2978697507"/>
+      </p:ext>
+    </p:extLst>
+  </p:cSld>
+  <p:clrMapOvr>
+    <a:masterClrMapping/>
+  </p:clrMapOvr>
+</p:sld>
+</file>
+
+<file path=ppt/slides/slide6.xml><?xml version="1.0" encoding="utf-8"?>
+<p:sld xmlns:a="http://schemas.openxmlformats.org/drawingml/2006/main" xmlns:r="http://schemas.openxmlformats.org/officeDocument/2006/relationships" xmlns:p="http://schemas.openxmlformats.org/presentationml/2006/main">
+  <p:cSld>
+    <p:spTree>
+      <p:nvGrpSpPr>
+        <p:cNvPr id="1" name=""/>
+        <p:cNvGrpSpPr/>
+        <p:nvPr/>
+      </p:nvGrpSpPr>
+      <p:grpSpPr>
+        <a:xfrm>
+          <a:off x="0" y="0"/>
+          <a:ext cx="0" cy="0"/>
+          <a:chOff x="0" y="0"/>
+          <a:chExt cx="0" cy="0"/>
+        </a:xfrm>
+      </p:grpSpPr>
+      <p:sp>
+        <p:nvSpPr>
+          <p:cNvPr id="2" name="Title 1">
+            <a:extLst>
+              <a:ext uri="{FF2B5EF4-FFF2-40B4-BE49-F238E27FC236}">
+                <a16:creationId xmlns:a16="http://schemas.microsoft.com/office/drawing/2014/main" id="{47DB473C-9A24-0199-83DB-FCCFDAAFB91F}"/>
+              </a:ext>
+            </a:extLst>
+          </p:cNvPr>
+          <p:cNvSpPr>
+            <a:spLocks noGrp="1"/>
+          </p:cNvSpPr>
+          <p:nvPr>
+            <p:ph type="title"/>
+          </p:nvPr>
+        </p:nvSpPr>
+        <p:spPr/>
+        <p:txBody>
+          <a:bodyPr/>
+          <a:lstStyle/>
+          <a:p>
+            <a:endParaRPr lang="en-US"/>
+          </a:p>
+        </p:txBody>
+      </p:sp>
+      <p:sp>
+        <p:nvSpPr>
+          <p:cNvPr id="3" name="Content Placeholder 2">
+            <a:extLst>
+              <a:ext uri="{FF2B5EF4-FFF2-40B4-BE49-F238E27FC236}">
+                <a16:creationId xmlns:a16="http://schemas.microsoft.com/office/drawing/2014/main" id="{589C0B0F-58CD-E149-7A05-6003D74CCB8F}"/>
+              </a:ext>
+            </a:extLst>
+          </p:cNvPr>
+          <p:cNvSpPr>
+            <a:spLocks noGrp="1"/>
+          </p:cNvSpPr>
+          <p:nvPr>
+            <p:ph idx="1"/>
+          </p:nvPr>
+        </p:nvSpPr>
+        <p:spPr/>
+        <p:txBody>
+          <a:bodyPr/>
+          <a:lstStyle/>
+          <a:p>
+            <a:endParaRPr lang="en-US"/>
+          </a:p>
+        </p:txBody>
+      </p:sp>
+      <p:grpSp>
+        <p:nvGrpSpPr>
+          <p:cNvPr id="4" name="Group 3">
+            <a:extLst>
+              <a:ext uri="{FF2B5EF4-FFF2-40B4-BE49-F238E27FC236}">
+                <a16:creationId xmlns:a16="http://schemas.microsoft.com/office/drawing/2014/main" id="{AB133878-56DF-828F-A23F-0B715C0B8CF1}"/>
+              </a:ext>
+            </a:extLst>
+          </p:cNvPr>
+          <p:cNvGrpSpPr/>
+          <p:nvPr/>
+        </p:nvGrpSpPr>
+        <p:grpSpPr>
+          <a:xfrm>
+            <a:off x="115617" y="127485"/>
+            <a:ext cx="3119715" cy="242126"/>
+            <a:chOff x="8234363" y="1048512"/>
+            <a:chExt cx="3119715" cy="242126"/>
+          </a:xfrm>
+        </p:grpSpPr>
+        <p:sp>
+          <p:nvSpPr>
+            <p:cNvPr id="5" name="Rectangle 4">
+              <a:extLst>
+                <a:ext uri="{FF2B5EF4-FFF2-40B4-BE49-F238E27FC236}">
+                  <a16:creationId xmlns:a16="http://schemas.microsoft.com/office/drawing/2014/main" id="{CBB7085E-3E95-3632-66BE-A3066142A641}"/>
+                </a:ext>
+              </a:extLst>
+            </p:cNvPr>
+            <p:cNvSpPr/>
+            <p:nvPr/>
+          </p:nvSpPr>
+          <p:spPr>
+            <a:xfrm>
+              <a:off x="9336024" y="1048512"/>
+              <a:ext cx="908304" cy="91440"/>
+            </a:xfrm>
+            <a:prstGeom prst="rect">
+              <a:avLst/>
+            </a:prstGeom>
+            <a:solidFill>
+              <a:schemeClr val="bg2">
+                <a:lumMod val="50000"/>
+              </a:schemeClr>
+            </a:solidFill>
+            <a:ln>
+              <a:solidFill>
+                <a:schemeClr val="tx1"/>
+              </a:solidFill>
+            </a:ln>
+          </p:spPr>
+          <p:style>
+            <a:lnRef idx="2">
+              <a:schemeClr val="accent1">
+                <a:shade val="50000"/>
+              </a:schemeClr>
+            </a:lnRef>
+            <a:fillRef idx="1">
+              <a:schemeClr val="accent1"/>
+            </a:fillRef>
+            <a:effectRef idx="0">
+              <a:schemeClr val="accent1"/>
+            </a:effectRef>
+            <a:fontRef idx="minor">
+              <a:schemeClr val="lt1"/>
+            </a:fontRef>
+          </p:style>
+          <p:txBody>
+            <a:bodyPr rtlCol="0" anchor="ctr"/>
+            <a:lstStyle/>
+            <a:p>
+              <a:pPr algn="ctr"/>
+              <a:endParaRPr lang="en-US">
+                <a:latin typeface="Times New Roman" panose="02020603050405020304" pitchFamily="18" charset="0"/>
+                <a:cs typeface="Times New Roman" panose="02020603050405020304" pitchFamily="18" charset="0"/>
+              </a:endParaRPr>
+            </a:p>
+          </p:txBody>
+        </p:sp>
+        <p:sp>
+          <p:nvSpPr>
+            <p:cNvPr id="6" name="Rectangle 5">
+              <a:extLst>
+                <a:ext uri="{FF2B5EF4-FFF2-40B4-BE49-F238E27FC236}">
+                  <a16:creationId xmlns:a16="http://schemas.microsoft.com/office/drawing/2014/main" id="{18F145E2-0B06-0E88-C6E7-443B49970E77}"/>
+                </a:ext>
+              </a:extLst>
+            </p:cNvPr>
+            <p:cNvSpPr/>
+            <p:nvPr/>
+          </p:nvSpPr>
+          <p:spPr>
+            <a:xfrm rot="4472091">
+              <a:off x="8758238" y="676275"/>
+              <a:ext cx="90487" cy="1138238"/>
+            </a:xfrm>
+            <a:prstGeom prst="rect">
+              <a:avLst/>
+            </a:prstGeom>
+            <a:solidFill>
+              <a:schemeClr val="bg2">
+                <a:lumMod val="50000"/>
+              </a:schemeClr>
+            </a:solidFill>
+            <a:ln>
+              <a:solidFill>
+                <a:schemeClr val="tx1"/>
+              </a:solidFill>
+            </a:ln>
+          </p:spPr>
+          <p:style>
+            <a:lnRef idx="2">
+              <a:schemeClr val="accent1">
+                <a:shade val="50000"/>
+              </a:schemeClr>
+            </a:lnRef>
+            <a:fillRef idx="1">
+              <a:schemeClr val="accent1"/>
+            </a:fillRef>
+            <a:effectRef idx="0">
+              <a:schemeClr val="accent1"/>
+            </a:effectRef>
+            <a:fontRef idx="minor">
+              <a:schemeClr val="lt1"/>
+            </a:fontRef>
+          </p:style>
+          <p:txBody>
+            <a:bodyPr rtlCol="0" anchor="ctr"/>
+            <a:lstStyle/>
+            <a:p>
+              <a:pPr algn="ctr"/>
+              <a:endParaRPr lang="en-US">
+                <a:latin typeface="Times New Roman" panose="02020603050405020304" pitchFamily="18" charset="0"/>
+                <a:cs typeface="Times New Roman" panose="02020603050405020304" pitchFamily="18" charset="0"/>
+              </a:endParaRPr>
+            </a:p>
+          </p:txBody>
+        </p:sp>
+        <p:sp>
+          <p:nvSpPr>
+            <p:cNvPr id="7" name="Rectangle 6">
+              <a:extLst>
+                <a:ext uri="{FF2B5EF4-FFF2-40B4-BE49-F238E27FC236}">
+                  <a16:creationId xmlns:a16="http://schemas.microsoft.com/office/drawing/2014/main" id="{6C46E93E-09B2-0421-6AC8-96F507BD5675}"/>
+                </a:ext>
+              </a:extLst>
+            </p:cNvPr>
+            <p:cNvSpPr/>
+            <p:nvPr/>
+          </p:nvSpPr>
+          <p:spPr>
+            <a:xfrm rot="17127909" flipH="1">
+              <a:off x="10739715" y="676276"/>
+              <a:ext cx="90487" cy="1138238"/>
+            </a:xfrm>
+            <a:prstGeom prst="rect">
+              <a:avLst/>
+            </a:prstGeom>
+            <a:solidFill>
+              <a:schemeClr val="bg2">
+                <a:lumMod val="50000"/>
+              </a:schemeClr>
+            </a:solidFill>
+            <a:ln>
+              <a:solidFill>
+                <a:schemeClr val="tx1"/>
+              </a:solidFill>
+            </a:ln>
+          </p:spPr>
+          <p:style>
+            <a:lnRef idx="2">
+              <a:schemeClr val="accent1">
+                <a:shade val="50000"/>
+              </a:schemeClr>
+            </a:lnRef>
+            <a:fillRef idx="1">
+              <a:schemeClr val="accent1"/>
+            </a:fillRef>
+            <a:effectRef idx="0">
+              <a:schemeClr val="accent1"/>
+            </a:effectRef>
+            <a:fontRef idx="minor">
+              <a:schemeClr val="lt1"/>
+            </a:fontRef>
+          </p:style>
+          <p:txBody>
+            <a:bodyPr rtlCol="0" anchor="ctr"/>
+            <a:lstStyle/>
+            <a:p>
+              <a:pPr algn="ctr"/>
+              <a:endParaRPr lang="en-US">
+                <a:latin typeface="Times New Roman" panose="02020603050405020304" pitchFamily="18" charset="0"/>
+                <a:cs typeface="Times New Roman" panose="02020603050405020304" pitchFamily="18" charset="0"/>
+              </a:endParaRPr>
+            </a:p>
+          </p:txBody>
+        </p:sp>
+      </p:grpSp>
+      <p:grpSp>
+        <p:nvGrpSpPr>
+          <p:cNvPr id="8" name="Group 7">
+            <a:extLst>
+              <a:ext uri="{FF2B5EF4-FFF2-40B4-BE49-F238E27FC236}">
+                <a16:creationId xmlns:a16="http://schemas.microsoft.com/office/drawing/2014/main" id="{ED24984D-1BF9-6CB9-03A4-F2DB2F79DDF2}"/>
+              </a:ext>
+            </a:extLst>
+          </p:cNvPr>
+          <p:cNvGrpSpPr/>
+          <p:nvPr/>
+        </p:nvGrpSpPr>
+        <p:grpSpPr>
+          <a:xfrm rot="10800000">
+            <a:off x="107075" y="650884"/>
+            <a:ext cx="3119715" cy="242126"/>
+            <a:chOff x="8234363" y="1048512"/>
+            <a:chExt cx="3119715" cy="242126"/>
+          </a:xfrm>
+        </p:grpSpPr>
+        <p:sp>
+          <p:nvSpPr>
+            <p:cNvPr id="9" name="Rectangle 8">
+              <a:extLst>
+                <a:ext uri="{FF2B5EF4-FFF2-40B4-BE49-F238E27FC236}">
+                  <a16:creationId xmlns:a16="http://schemas.microsoft.com/office/drawing/2014/main" id="{E7815A6E-EF17-F559-D272-594C6088F507}"/>
+                </a:ext>
+              </a:extLst>
+            </p:cNvPr>
+            <p:cNvSpPr/>
+            <p:nvPr/>
+          </p:nvSpPr>
+          <p:spPr>
+            <a:xfrm>
+              <a:off x="9336024" y="1048512"/>
+              <a:ext cx="908304" cy="91440"/>
+            </a:xfrm>
+            <a:prstGeom prst="rect">
+              <a:avLst/>
+            </a:prstGeom>
+            <a:solidFill>
+              <a:schemeClr val="bg2">
+                <a:lumMod val="50000"/>
+              </a:schemeClr>
+            </a:solidFill>
+            <a:ln>
+              <a:solidFill>
+                <a:schemeClr val="tx1"/>
+              </a:solidFill>
+            </a:ln>
+          </p:spPr>
+          <p:style>
+            <a:lnRef idx="2">
+              <a:schemeClr val="accent1">
+                <a:shade val="50000"/>
+              </a:schemeClr>
+            </a:lnRef>
+            <a:fillRef idx="1">
+              <a:schemeClr val="accent1"/>
+            </a:fillRef>
+            <a:effectRef idx="0">
+              <a:schemeClr val="accent1"/>
+            </a:effectRef>
+            <a:fontRef idx="minor">
+              <a:schemeClr val="lt1"/>
+            </a:fontRef>
+          </p:style>
+          <p:txBody>
+            <a:bodyPr rtlCol="0" anchor="ctr"/>
+            <a:lstStyle/>
+            <a:p>
+              <a:pPr algn="ctr"/>
+              <a:endParaRPr lang="en-US">
+                <a:latin typeface="Times New Roman" panose="02020603050405020304" pitchFamily="18" charset="0"/>
+                <a:cs typeface="Times New Roman" panose="02020603050405020304" pitchFamily="18" charset="0"/>
+              </a:endParaRPr>
+            </a:p>
+          </p:txBody>
+        </p:sp>
+        <p:sp>
+          <p:nvSpPr>
+            <p:cNvPr id="10" name="Rectangle 9">
+              <a:extLst>
+                <a:ext uri="{FF2B5EF4-FFF2-40B4-BE49-F238E27FC236}">
+                  <a16:creationId xmlns:a16="http://schemas.microsoft.com/office/drawing/2014/main" id="{11713957-74B5-979C-7F2D-F5F945E6E3AC}"/>
+                </a:ext>
+              </a:extLst>
+            </p:cNvPr>
+            <p:cNvSpPr/>
+            <p:nvPr/>
+          </p:nvSpPr>
+          <p:spPr>
+            <a:xfrm rot="4472091">
+              <a:off x="8758238" y="676275"/>
+              <a:ext cx="90487" cy="1138238"/>
+            </a:xfrm>
+            <a:prstGeom prst="rect">
+              <a:avLst/>
+            </a:prstGeom>
+            <a:solidFill>
+              <a:schemeClr val="bg2">
+                <a:lumMod val="50000"/>
+              </a:schemeClr>
+            </a:solidFill>
+            <a:ln>
+              <a:solidFill>
+                <a:schemeClr val="tx1"/>
+              </a:solidFill>
+            </a:ln>
+          </p:spPr>
+          <p:style>
+            <a:lnRef idx="2">
+              <a:schemeClr val="accent1">
+                <a:shade val="50000"/>
+              </a:schemeClr>
+            </a:lnRef>
+            <a:fillRef idx="1">
+              <a:schemeClr val="accent1"/>
+            </a:fillRef>
+            <a:effectRef idx="0">
+              <a:schemeClr val="accent1"/>
+            </a:effectRef>
+            <a:fontRef idx="minor">
+              <a:schemeClr val="lt1"/>
+            </a:fontRef>
+          </p:style>
+          <p:txBody>
+            <a:bodyPr rtlCol="0" anchor="ctr"/>
+            <a:lstStyle/>
+            <a:p>
+              <a:pPr algn="ctr"/>
+              <a:endParaRPr lang="en-US">
+                <a:latin typeface="Times New Roman" panose="02020603050405020304" pitchFamily="18" charset="0"/>
+                <a:cs typeface="Times New Roman" panose="02020603050405020304" pitchFamily="18" charset="0"/>
+              </a:endParaRPr>
+            </a:p>
+          </p:txBody>
+        </p:sp>
+        <p:sp>
+          <p:nvSpPr>
+            <p:cNvPr id="11" name="Rectangle 10">
+              <a:extLst>
+                <a:ext uri="{FF2B5EF4-FFF2-40B4-BE49-F238E27FC236}">
+                  <a16:creationId xmlns:a16="http://schemas.microsoft.com/office/drawing/2014/main" id="{D5D67303-815F-EAAE-1D27-0BE55594A9AC}"/>
+                </a:ext>
+              </a:extLst>
+            </p:cNvPr>
+            <p:cNvSpPr/>
+            <p:nvPr/>
+          </p:nvSpPr>
+          <p:spPr>
+            <a:xfrm rot="17127909" flipH="1">
+              <a:off x="10739715" y="676276"/>
+              <a:ext cx="90487" cy="1138238"/>
+            </a:xfrm>
+            <a:prstGeom prst="rect">
+              <a:avLst/>
+            </a:prstGeom>
+            <a:solidFill>
+              <a:schemeClr val="bg2">
+                <a:lumMod val="50000"/>
+              </a:schemeClr>
+            </a:solidFill>
+            <a:ln>
+              <a:solidFill>
+                <a:schemeClr val="tx1"/>
+              </a:solidFill>
+            </a:ln>
+          </p:spPr>
+          <p:style>
+            <a:lnRef idx="2">
+              <a:schemeClr val="accent1">
+                <a:shade val="50000"/>
+              </a:schemeClr>
+            </a:lnRef>
+            <a:fillRef idx="1">
+              <a:schemeClr val="accent1"/>
+            </a:fillRef>
+            <a:effectRef idx="0">
+              <a:schemeClr val="accent1"/>
+            </a:effectRef>
+            <a:fontRef idx="minor">
+              <a:schemeClr val="lt1"/>
+            </a:fontRef>
+          </p:style>
+          <p:txBody>
+            <a:bodyPr rtlCol="0" anchor="ctr"/>
+            <a:lstStyle/>
+            <a:p>
+              <a:pPr algn="ctr"/>
+              <a:endParaRPr lang="en-US">
+                <a:latin typeface="Times New Roman" panose="02020603050405020304" pitchFamily="18" charset="0"/>
+                <a:cs typeface="Times New Roman" panose="02020603050405020304" pitchFamily="18" charset="0"/>
+              </a:endParaRPr>
+            </a:p>
+          </p:txBody>
+        </p:sp>
+      </p:grpSp>
+    </p:spTree>
+    <p:extLst>
+      <p:ext uri="{BB962C8B-B14F-4D97-AF65-F5344CB8AC3E}">
+        <p14:creationId xmlns:p14="http://schemas.microsoft.com/office/powerpoint/2010/main" val="2389125622"/>
+      </p:ext>
+    </p:extLst>
+  </p:cSld>
+  <p:clrMapOvr>
+    <a:masterClrMapping/>
+  </p:clrMapOvr>
+</p:sld>
+</file>
+
+<file path=ppt/slides/slide7.xml><?xml version="1.0" encoding="utf-8"?>
+<p:sld xmlns:a="http://schemas.openxmlformats.org/drawingml/2006/main" xmlns:r="http://schemas.openxmlformats.org/officeDocument/2006/relationships" xmlns:p="http://schemas.openxmlformats.org/presentationml/2006/main">
+  <p:cSld>
+    <p:spTree>
+      <p:nvGrpSpPr>
+        <p:cNvPr id="1" name=""/>
+        <p:cNvGrpSpPr/>
+        <p:nvPr/>
+      </p:nvGrpSpPr>
+      <p:grpSpPr>
+        <a:xfrm>
+          <a:off x="0" y="0"/>
+          <a:ext cx="0" cy="0"/>
+          <a:chOff x="0" y="0"/>
+          <a:chExt cx="0" cy="0"/>
+        </a:xfrm>
+      </p:grpSpPr>
+      <p:sp>
+        <p:nvSpPr>
+          <p:cNvPr id="2" name="Title 1">
+            <a:extLst>
+              <a:ext uri="{FF2B5EF4-FFF2-40B4-BE49-F238E27FC236}">
+                <a16:creationId xmlns:a16="http://schemas.microsoft.com/office/drawing/2014/main" id="{F8BD3318-FBFA-49F6-CC16-E8B40148DC58}"/>
+              </a:ext>
+            </a:extLst>
+          </p:cNvPr>
+          <p:cNvSpPr>
+            <a:spLocks noGrp="1"/>
+          </p:cNvSpPr>
+          <p:nvPr>
+            <p:ph type="title"/>
+          </p:nvPr>
+        </p:nvSpPr>
+        <p:spPr/>
+        <p:txBody>
+          <a:bodyPr/>
+          <a:lstStyle/>
+          <a:p>
+            <a:endParaRPr lang="en-US"/>
+          </a:p>
+        </p:txBody>
+      </p:sp>
+      <p:sp>
+        <p:nvSpPr>
+          <p:cNvPr id="3" name="Content Placeholder 2">
+            <a:extLst>
+              <a:ext uri="{FF2B5EF4-FFF2-40B4-BE49-F238E27FC236}">
+                <a16:creationId xmlns:a16="http://schemas.microsoft.com/office/drawing/2014/main" id="{D36A6E28-5059-BA72-0024-40F95FD32358}"/>
+              </a:ext>
+            </a:extLst>
+          </p:cNvPr>
+          <p:cNvSpPr>
+            <a:spLocks noGrp="1"/>
+          </p:cNvSpPr>
+          <p:nvPr>
+            <p:ph idx="1"/>
+          </p:nvPr>
+        </p:nvSpPr>
+        <p:spPr/>
+        <p:txBody>
+          <a:bodyPr/>
+          <a:lstStyle/>
+          <a:p>
+            <a:endParaRPr lang="en-US"/>
+          </a:p>
+        </p:txBody>
+      </p:sp>
+      <p:grpSp>
+        <p:nvGrpSpPr>
+          <p:cNvPr id="4" name="Group 3">
+            <a:extLst>
+              <a:ext uri="{FF2B5EF4-FFF2-40B4-BE49-F238E27FC236}">
+                <a16:creationId xmlns:a16="http://schemas.microsoft.com/office/drawing/2014/main" id="{39F28C34-7B93-63C8-C4D8-4B413BCB4500}"/>
+              </a:ext>
+            </a:extLst>
+          </p:cNvPr>
+          <p:cNvGrpSpPr/>
+          <p:nvPr/>
+        </p:nvGrpSpPr>
+        <p:grpSpPr>
+          <a:xfrm>
+            <a:off x="161507" y="252877"/>
+            <a:ext cx="3119715" cy="242126"/>
+            <a:chOff x="8234363" y="1048512"/>
+            <a:chExt cx="3119715" cy="242126"/>
+          </a:xfrm>
+        </p:grpSpPr>
+        <p:sp>
+          <p:nvSpPr>
+            <p:cNvPr id="5" name="Rectangle 4">
+              <a:extLst>
+                <a:ext uri="{FF2B5EF4-FFF2-40B4-BE49-F238E27FC236}">
+                  <a16:creationId xmlns:a16="http://schemas.microsoft.com/office/drawing/2014/main" id="{8BF7F719-05E7-297B-56C6-B7D5FE4E68BE}"/>
+                </a:ext>
+              </a:extLst>
+            </p:cNvPr>
+            <p:cNvSpPr/>
+            <p:nvPr/>
+          </p:nvSpPr>
+          <p:spPr>
+            <a:xfrm>
+              <a:off x="9336024" y="1048512"/>
+              <a:ext cx="908304" cy="91440"/>
+            </a:xfrm>
+            <a:prstGeom prst="rect">
+              <a:avLst/>
+            </a:prstGeom>
+            <a:solidFill>
+              <a:schemeClr val="bg2">
+                <a:lumMod val="50000"/>
+              </a:schemeClr>
+            </a:solidFill>
+            <a:ln>
+              <a:solidFill>
+                <a:schemeClr val="tx1"/>
+              </a:solidFill>
+            </a:ln>
+          </p:spPr>
+          <p:style>
+            <a:lnRef idx="2">
+              <a:schemeClr val="accent1">
+                <a:shade val="50000"/>
+              </a:schemeClr>
+            </a:lnRef>
+            <a:fillRef idx="1">
+              <a:schemeClr val="accent1"/>
+            </a:fillRef>
+            <a:effectRef idx="0">
+              <a:schemeClr val="accent1"/>
+            </a:effectRef>
+            <a:fontRef idx="minor">
+              <a:schemeClr val="lt1"/>
+            </a:fontRef>
+          </p:style>
+          <p:txBody>
+            <a:bodyPr rtlCol="0" anchor="ctr"/>
+            <a:lstStyle/>
+            <a:p>
+              <a:pPr algn="ctr"/>
+              <a:endParaRPr lang="en-US">
+                <a:latin typeface="Times New Roman" panose="02020603050405020304" pitchFamily="18" charset="0"/>
+                <a:cs typeface="Times New Roman" panose="02020603050405020304" pitchFamily="18" charset="0"/>
+              </a:endParaRPr>
+            </a:p>
+          </p:txBody>
+        </p:sp>
+        <p:sp>
+          <p:nvSpPr>
+            <p:cNvPr id="6" name="Rectangle 5">
+              <a:extLst>
+                <a:ext uri="{FF2B5EF4-FFF2-40B4-BE49-F238E27FC236}">
+                  <a16:creationId xmlns:a16="http://schemas.microsoft.com/office/drawing/2014/main" id="{BC3B34AF-231F-1BB6-167E-0F3B46B0EB23}"/>
+                </a:ext>
+              </a:extLst>
+            </p:cNvPr>
+            <p:cNvSpPr/>
+            <p:nvPr/>
+          </p:nvSpPr>
+          <p:spPr>
+            <a:xfrm rot="4472091">
+              <a:off x="8758238" y="676275"/>
+              <a:ext cx="90487" cy="1138238"/>
+            </a:xfrm>
+            <a:prstGeom prst="rect">
+              <a:avLst/>
+            </a:prstGeom>
+            <a:solidFill>
+              <a:schemeClr val="bg2">
+                <a:lumMod val="50000"/>
+              </a:schemeClr>
+            </a:solidFill>
+            <a:ln>
+              <a:solidFill>
+                <a:schemeClr val="tx1"/>
+              </a:solidFill>
+            </a:ln>
+          </p:spPr>
+          <p:style>
+            <a:lnRef idx="2">
+              <a:schemeClr val="accent1">
+                <a:shade val="50000"/>
+              </a:schemeClr>
+            </a:lnRef>
+            <a:fillRef idx="1">
+              <a:schemeClr val="accent1"/>
+            </a:fillRef>
+            <a:effectRef idx="0">
+              <a:schemeClr val="accent1"/>
+            </a:effectRef>
+            <a:fontRef idx="minor">
+              <a:schemeClr val="lt1"/>
+            </a:fontRef>
+          </p:style>
+          <p:txBody>
+            <a:bodyPr rtlCol="0" anchor="ctr"/>
+            <a:lstStyle/>
+            <a:p>
+              <a:pPr algn="ctr"/>
+              <a:endParaRPr lang="en-US">
+                <a:latin typeface="Times New Roman" panose="02020603050405020304" pitchFamily="18" charset="0"/>
+                <a:cs typeface="Times New Roman" panose="02020603050405020304" pitchFamily="18" charset="0"/>
+              </a:endParaRPr>
+            </a:p>
+          </p:txBody>
+        </p:sp>
+        <p:sp>
+          <p:nvSpPr>
+            <p:cNvPr id="7" name="Rectangle 6">
+              <a:extLst>
+                <a:ext uri="{FF2B5EF4-FFF2-40B4-BE49-F238E27FC236}">
+                  <a16:creationId xmlns:a16="http://schemas.microsoft.com/office/drawing/2014/main" id="{4A258538-404C-921A-AB60-34A479428C09}"/>
+                </a:ext>
+              </a:extLst>
+            </p:cNvPr>
+            <p:cNvSpPr/>
+            <p:nvPr/>
+          </p:nvSpPr>
+          <p:spPr>
+            <a:xfrm rot="17127909" flipH="1">
+              <a:off x="10739715" y="676276"/>
+              <a:ext cx="90487" cy="1138238"/>
+            </a:xfrm>
+            <a:prstGeom prst="rect">
+              <a:avLst/>
+            </a:prstGeom>
+            <a:solidFill>
+              <a:schemeClr val="bg2">
+                <a:lumMod val="50000"/>
+              </a:schemeClr>
+            </a:solidFill>
+            <a:ln>
+              <a:solidFill>
+                <a:schemeClr val="tx1"/>
+              </a:solidFill>
+            </a:ln>
+          </p:spPr>
+          <p:style>
+            <a:lnRef idx="2">
+              <a:schemeClr val="accent1">
+                <a:shade val="50000"/>
+              </a:schemeClr>
+            </a:lnRef>
+            <a:fillRef idx="1">
+              <a:schemeClr val="accent1"/>
+            </a:fillRef>
+            <a:effectRef idx="0">
+              <a:schemeClr val="accent1"/>
+            </a:effectRef>
+            <a:fontRef idx="minor">
+              <a:schemeClr val="lt1"/>
+            </a:fontRef>
+          </p:style>
+          <p:txBody>
+            <a:bodyPr rtlCol="0" anchor="ctr"/>
+            <a:lstStyle/>
+            <a:p>
+              <a:pPr algn="ctr"/>
+              <a:endParaRPr lang="en-US">
+                <a:latin typeface="Times New Roman" panose="02020603050405020304" pitchFamily="18" charset="0"/>
+                <a:cs typeface="Times New Roman" panose="02020603050405020304" pitchFamily="18" charset="0"/>
+              </a:endParaRPr>
+            </a:p>
+          </p:txBody>
+        </p:sp>
+      </p:grpSp>
+      <p:grpSp>
+        <p:nvGrpSpPr>
+          <p:cNvPr id="8" name="Group 7">
+            <a:extLst>
+              <a:ext uri="{FF2B5EF4-FFF2-40B4-BE49-F238E27FC236}">
+                <a16:creationId xmlns:a16="http://schemas.microsoft.com/office/drawing/2014/main" id="{60929A29-45CD-09C7-D46E-D9B9D116CF21}"/>
+              </a:ext>
+            </a:extLst>
+          </p:cNvPr>
+          <p:cNvGrpSpPr/>
+          <p:nvPr/>
+        </p:nvGrpSpPr>
+        <p:grpSpPr>
+          <a:xfrm rot="10800000">
+            <a:off x="152965" y="776276"/>
+            <a:ext cx="3119715" cy="242126"/>
+            <a:chOff x="8234363" y="1048512"/>
+            <a:chExt cx="3119715" cy="242126"/>
+          </a:xfrm>
+        </p:grpSpPr>
+        <p:sp>
+          <p:nvSpPr>
+            <p:cNvPr id="9" name="Rectangle 8">
+              <a:extLst>
+                <a:ext uri="{FF2B5EF4-FFF2-40B4-BE49-F238E27FC236}">
+                  <a16:creationId xmlns:a16="http://schemas.microsoft.com/office/drawing/2014/main" id="{BC33BA8C-B3FA-88C9-BFB0-55613D2C3904}"/>
+                </a:ext>
+              </a:extLst>
+            </p:cNvPr>
+            <p:cNvSpPr/>
+            <p:nvPr/>
+          </p:nvSpPr>
+          <p:spPr>
+            <a:xfrm>
+              <a:off x="9336024" y="1048512"/>
+              <a:ext cx="908304" cy="91440"/>
+            </a:xfrm>
+            <a:prstGeom prst="rect">
+              <a:avLst/>
+            </a:prstGeom>
+            <a:solidFill>
+              <a:schemeClr val="bg2">
+                <a:lumMod val="50000"/>
+              </a:schemeClr>
+            </a:solidFill>
+            <a:ln>
+              <a:solidFill>
+                <a:schemeClr val="tx1"/>
+              </a:solidFill>
+            </a:ln>
+          </p:spPr>
+          <p:style>
+            <a:lnRef idx="2">
+              <a:schemeClr val="accent1">
+                <a:shade val="50000"/>
+              </a:schemeClr>
+            </a:lnRef>
+            <a:fillRef idx="1">
+              <a:schemeClr val="accent1"/>
+            </a:fillRef>
+            <a:effectRef idx="0">
+              <a:schemeClr val="accent1"/>
+            </a:effectRef>
+            <a:fontRef idx="minor">
+              <a:schemeClr val="lt1"/>
+            </a:fontRef>
+          </p:style>
+          <p:txBody>
+            <a:bodyPr rtlCol="0" anchor="ctr"/>
+            <a:lstStyle/>
+            <a:p>
+              <a:pPr algn="ctr"/>
+              <a:endParaRPr lang="en-US">
+                <a:latin typeface="Times New Roman" panose="02020603050405020304" pitchFamily="18" charset="0"/>
+                <a:cs typeface="Times New Roman" panose="02020603050405020304" pitchFamily="18" charset="0"/>
+              </a:endParaRPr>
+            </a:p>
+          </p:txBody>
+        </p:sp>
+        <p:sp>
+          <p:nvSpPr>
+            <p:cNvPr id="10" name="Rectangle 9">
+              <a:extLst>
+                <a:ext uri="{FF2B5EF4-FFF2-40B4-BE49-F238E27FC236}">
+                  <a16:creationId xmlns:a16="http://schemas.microsoft.com/office/drawing/2014/main" id="{B1BD2CD4-13A2-1EC7-DD96-A834BD713BE4}"/>
+                </a:ext>
+              </a:extLst>
+            </p:cNvPr>
+            <p:cNvSpPr/>
+            <p:nvPr/>
+          </p:nvSpPr>
+          <p:spPr>
+            <a:xfrm rot="4472091">
+              <a:off x="8758238" y="676275"/>
+              <a:ext cx="90487" cy="1138238"/>
+            </a:xfrm>
+            <a:prstGeom prst="rect">
+              <a:avLst/>
+            </a:prstGeom>
+            <a:solidFill>
+              <a:schemeClr val="bg2">
+                <a:lumMod val="50000"/>
+              </a:schemeClr>
+            </a:solidFill>
+            <a:ln>
+              <a:solidFill>
+                <a:schemeClr val="tx1"/>
+              </a:solidFill>
+            </a:ln>
+          </p:spPr>
+          <p:style>
+            <a:lnRef idx="2">
+              <a:schemeClr val="accent1">
+                <a:shade val="50000"/>
+              </a:schemeClr>
+            </a:lnRef>
+            <a:fillRef idx="1">
+              <a:schemeClr val="accent1"/>
+            </a:fillRef>
+            <a:effectRef idx="0">
+              <a:schemeClr val="accent1"/>
+            </a:effectRef>
+            <a:fontRef idx="minor">
+              <a:schemeClr val="lt1"/>
+            </a:fontRef>
+          </p:style>
+          <p:txBody>
+            <a:bodyPr rtlCol="0" anchor="ctr"/>
+            <a:lstStyle/>
+            <a:p>
+              <a:pPr algn="ctr"/>
+              <a:endParaRPr lang="en-US">
+                <a:latin typeface="Times New Roman" panose="02020603050405020304" pitchFamily="18" charset="0"/>
+                <a:cs typeface="Times New Roman" panose="02020603050405020304" pitchFamily="18" charset="0"/>
+              </a:endParaRPr>
+            </a:p>
+          </p:txBody>
+        </p:sp>
+        <p:sp>
+          <p:nvSpPr>
+            <p:cNvPr id="11" name="Rectangle 10">
+              <a:extLst>
+                <a:ext uri="{FF2B5EF4-FFF2-40B4-BE49-F238E27FC236}">
+                  <a16:creationId xmlns:a16="http://schemas.microsoft.com/office/drawing/2014/main" id="{A29773BA-8A2F-7C28-194E-ED84A0ADE2DB}"/>
+                </a:ext>
+              </a:extLst>
+            </p:cNvPr>
+            <p:cNvSpPr/>
+            <p:nvPr/>
+          </p:nvSpPr>
+          <p:spPr>
+            <a:xfrm rot="17127909" flipH="1">
+              <a:off x="10739715" y="676276"/>
+              <a:ext cx="90487" cy="1138238"/>
+            </a:xfrm>
+            <a:prstGeom prst="rect">
+              <a:avLst/>
+            </a:prstGeom>
+            <a:solidFill>
+              <a:schemeClr val="bg2">
+                <a:lumMod val="50000"/>
+              </a:schemeClr>
+            </a:solidFill>
+            <a:ln>
+              <a:solidFill>
+                <a:schemeClr val="tx1"/>
+              </a:solidFill>
+            </a:ln>
+          </p:spPr>
+          <p:style>
+            <a:lnRef idx="2">
+              <a:schemeClr val="accent1">
+                <a:shade val="50000"/>
+              </a:schemeClr>
+            </a:lnRef>
+            <a:fillRef idx="1">
+              <a:schemeClr val="accent1"/>
+            </a:fillRef>
+            <a:effectRef idx="0">
+              <a:schemeClr val="accent1"/>
+            </a:effectRef>
+            <a:fontRef idx="minor">
+              <a:schemeClr val="lt1"/>
+            </a:fontRef>
+          </p:style>
+          <p:txBody>
+            <a:bodyPr rtlCol="0" anchor="ctr"/>
+            <a:lstStyle/>
+            <a:p>
+              <a:pPr algn="ctr"/>
+              <a:endParaRPr lang="en-US">
+                <a:latin typeface="Times New Roman" panose="02020603050405020304" pitchFamily="18" charset="0"/>
+                <a:cs typeface="Times New Roman" panose="02020603050405020304" pitchFamily="18" charset="0"/>
+              </a:endParaRPr>
+            </a:p>
+          </p:txBody>
+        </p:sp>
+      </p:grpSp>
+      <p:grpSp>
+        <p:nvGrpSpPr>
+          <p:cNvPr id="12" name="Group 11">
+            <a:extLst>
+              <a:ext uri="{FF2B5EF4-FFF2-40B4-BE49-F238E27FC236}">
+                <a16:creationId xmlns:a16="http://schemas.microsoft.com/office/drawing/2014/main" id="{CDD81DAD-79A3-370A-4F13-02A0EE9F50E9}"/>
+              </a:ext>
+            </a:extLst>
+          </p:cNvPr>
+          <p:cNvGrpSpPr/>
+          <p:nvPr/>
+        </p:nvGrpSpPr>
+        <p:grpSpPr>
+          <a:xfrm rot="10800000">
+            <a:off x="165550" y="860116"/>
+            <a:ext cx="3119715" cy="242126"/>
+            <a:chOff x="8234363" y="1048512"/>
+            <a:chExt cx="3119715" cy="242126"/>
+          </a:xfrm>
+        </p:grpSpPr>
+        <p:sp>
+          <p:nvSpPr>
+            <p:cNvPr id="13" name="Rectangle 12">
+              <a:extLst>
+                <a:ext uri="{FF2B5EF4-FFF2-40B4-BE49-F238E27FC236}">
+                  <a16:creationId xmlns:a16="http://schemas.microsoft.com/office/drawing/2014/main" id="{1BC48FE6-411E-84FA-30B4-129D274B92C3}"/>
+                </a:ext>
+              </a:extLst>
+            </p:cNvPr>
+            <p:cNvSpPr/>
+            <p:nvPr/>
+          </p:nvSpPr>
+          <p:spPr>
+            <a:xfrm>
+              <a:off x="9336024" y="1048512"/>
+              <a:ext cx="908304" cy="91440"/>
+            </a:xfrm>
+            <a:prstGeom prst="rect">
+              <a:avLst/>
+            </a:prstGeom>
+            <a:solidFill>
+              <a:schemeClr val="bg2">
+                <a:lumMod val="50000"/>
+              </a:schemeClr>
+            </a:solidFill>
+            <a:ln>
+              <a:solidFill>
+                <a:schemeClr val="tx1"/>
+              </a:solidFill>
+            </a:ln>
+          </p:spPr>
+          <p:style>
+            <a:lnRef idx="2">
+              <a:schemeClr val="accent1">
+                <a:shade val="50000"/>
+              </a:schemeClr>
+            </a:lnRef>
+            <a:fillRef idx="1">
+              <a:schemeClr val="accent1"/>
+            </a:fillRef>
+            <a:effectRef idx="0">
+              <a:schemeClr val="accent1"/>
+            </a:effectRef>
+            <a:fontRef idx="minor">
+              <a:schemeClr val="lt1"/>
+            </a:fontRef>
+          </p:style>
+          <p:txBody>
+            <a:bodyPr rtlCol="0" anchor="ctr"/>
+            <a:lstStyle/>
+            <a:p>
+              <a:pPr algn="ctr"/>
+              <a:endParaRPr lang="en-US">
+                <a:latin typeface="Times New Roman" panose="02020603050405020304" pitchFamily="18" charset="0"/>
+                <a:cs typeface="Times New Roman" panose="02020603050405020304" pitchFamily="18" charset="0"/>
+              </a:endParaRPr>
+            </a:p>
+          </p:txBody>
+        </p:sp>
+        <p:sp>
+          <p:nvSpPr>
+            <p:cNvPr id="14" name="Rectangle 13">
+              <a:extLst>
+                <a:ext uri="{FF2B5EF4-FFF2-40B4-BE49-F238E27FC236}">
+                  <a16:creationId xmlns:a16="http://schemas.microsoft.com/office/drawing/2014/main" id="{74E7D887-F063-AC10-A37B-7DA860494419}"/>
+                </a:ext>
+              </a:extLst>
+            </p:cNvPr>
+            <p:cNvSpPr/>
+            <p:nvPr/>
+          </p:nvSpPr>
+          <p:spPr>
+            <a:xfrm rot="4472091">
+              <a:off x="8758238" y="676275"/>
+              <a:ext cx="90487" cy="1138238"/>
+            </a:xfrm>
+            <a:prstGeom prst="rect">
+              <a:avLst/>
+            </a:prstGeom>
+            <a:solidFill>
+              <a:schemeClr val="bg2">
+                <a:lumMod val="50000"/>
+              </a:schemeClr>
+            </a:solidFill>
+            <a:ln>
+              <a:solidFill>
+                <a:schemeClr val="tx1"/>
+              </a:solidFill>
+            </a:ln>
+          </p:spPr>
+          <p:style>
+            <a:lnRef idx="2">
+              <a:schemeClr val="accent1">
+                <a:shade val="50000"/>
+              </a:schemeClr>
+            </a:lnRef>
+            <a:fillRef idx="1">
+              <a:schemeClr val="accent1"/>
+            </a:fillRef>
+            <a:effectRef idx="0">
+              <a:schemeClr val="accent1"/>
+            </a:effectRef>
+            <a:fontRef idx="minor">
+              <a:schemeClr val="lt1"/>
+            </a:fontRef>
+          </p:style>
+          <p:txBody>
+            <a:bodyPr rtlCol="0" anchor="ctr"/>
+            <a:lstStyle/>
+            <a:p>
+              <a:pPr algn="ctr"/>
+              <a:endParaRPr lang="en-US">
+                <a:latin typeface="Times New Roman" panose="02020603050405020304" pitchFamily="18" charset="0"/>
+                <a:cs typeface="Times New Roman" panose="02020603050405020304" pitchFamily="18" charset="0"/>
+              </a:endParaRPr>
+            </a:p>
+          </p:txBody>
+        </p:sp>
+        <p:sp>
+          <p:nvSpPr>
+            <p:cNvPr id="15" name="Rectangle 14">
+              <a:extLst>
+                <a:ext uri="{FF2B5EF4-FFF2-40B4-BE49-F238E27FC236}">
+                  <a16:creationId xmlns:a16="http://schemas.microsoft.com/office/drawing/2014/main" id="{D0CA18FB-3443-DF8D-8147-11D70E3090C1}"/>
+                </a:ext>
+              </a:extLst>
+            </p:cNvPr>
+            <p:cNvSpPr/>
+            <p:nvPr/>
+          </p:nvSpPr>
+          <p:spPr>
+            <a:xfrm rot="17127909" flipH="1">
+              <a:off x="10739715" y="676276"/>
+              <a:ext cx="90487" cy="1138238"/>
+            </a:xfrm>
+            <a:prstGeom prst="rect">
+              <a:avLst/>
+            </a:prstGeom>
+            <a:solidFill>
+              <a:schemeClr val="bg2">
+                <a:lumMod val="50000"/>
+              </a:schemeClr>
+            </a:solidFill>
+            <a:ln>
+              <a:solidFill>
+                <a:schemeClr val="tx1"/>
+              </a:solidFill>
+            </a:ln>
+          </p:spPr>
+          <p:style>
+            <a:lnRef idx="2">
+              <a:schemeClr val="accent1">
+                <a:shade val="50000"/>
+              </a:schemeClr>
+            </a:lnRef>
+            <a:fillRef idx="1">
+              <a:schemeClr val="accent1"/>
+            </a:fillRef>
+            <a:effectRef idx="0">
+              <a:schemeClr val="accent1"/>
+            </a:effectRef>
+            <a:fontRef idx="minor">
+              <a:schemeClr val="lt1"/>
+            </a:fontRef>
+          </p:style>
+          <p:txBody>
+            <a:bodyPr rtlCol="0" anchor="ctr"/>
+            <a:lstStyle/>
+            <a:p>
+              <a:pPr algn="ctr"/>
+              <a:endParaRPr lang="en-US">
+                <a:latin typeface="Times New Roman" panose="02020603050405020304" pitchFamily="18" charset="0"/>
+                <a:cs typeface="Times New Roman" panose="02020603050405020304" pitchFamily="18" charset="0"/>
+              </a:endParaRPr>
+            </a:p>
+          </p:txBody>
+        </p:sp>
+      </p:grpSp>
+      <p:grpSp>
+        <p:nvGrpSpPr>
+          <p:cNvPr id="16" name="Group 15">
+            <a:extLst>
+              <a:ext uri="{FF2B5EF4-FFF2-40B4-BE49-F238E27FC236}">
+                <a16:creationId xmlns:a16="http://schemas.microsoft.com/office/drawing/2014/main" id="{7789AA18-87BC-B00D-D99C-0E6E8D487DA0}"/>
+              </a:ext>
+            </a:extLst>
+          </p:cNvPr>
+          <p:cNvGrpSpPr/>
+          <p:nvPr/>
+        </p:nvGrpSpPr>
+        <p:grpSpPr>
+          <a:xfrm>
+            <a:off x="165550" y="157832"/>
+            <a:ext cx="3119715" cy="242126"/>
+            <a:chOff x="8234363" y="1048512"/>
+            <a:chExt cx="3119715" cy="242126"/>
+          </a:xfrm>
+        </p:grpSpPr>
+        <p:sp>
+          <p:nvSpPr>
+            <p:cNvPr id="17" name="Rectangle 16">
+              <a:extLst>
+                <a:ext uri="{FF2B5EF4-FFF2-40B4-BE49-F238E27FC236}">
+                  <a16:creationId xmlns:a16="http://schemas.microsoft.com/office/drawing/2014/main" id="{A4592720-1F62-FB2E-8225-6B242474E80E}"/>
+                </a:ext>
+              </a:extLst>
+            </p:cNvPr>
+            <p:cNvSpPr/>
+            <p:nvPr/>
+          </p:nvSpPr>
+          <p:spPr>
+            <a:xfrm>
+              <a:off x="9336024" y="1048512"/>
+              <a:ext cx="908304" cy="91440"/>
+            </a:xfrm>
+            <a:prstGeom prst="rect">
+              <a:avLst/>
+            </a:prstGeom>
+            <a:solidFill>
+              <a:schemeClr val="bg2">
+                <a:lumMod val="50000"/>
+              </a:schemeClr>
+            </a:solidFill>
+            <a:ln>
+              <a:solidFill>
+                <a:schemeClr val="tx1"/>
+              </a:solidFill>
+            </a:ln>
+          </p:spPr>
+          <p:style>
+            <a:lnRef idx="2">
+              <a:schemeClr val="accent1">
+                <a:shade val="50000"/>
+              </a:schemeClr>
+            </a:lnRef>
+            <a:fillRef idx="1">
+              <a:schemeClr val="accent1"/>
+            </a:fillRef>
+            <a:effectRef idx="0">
+              <a:schemeClr val="accent1"/>
+            </a:effectRef>
+            <a:fontRef idx="minor">
+              <a:schemeClr val="lt1"/>
+            </a:fontRef>
+          </p:style>
+          <p:txBody>
+            <a:bodyPr rtlCol="0" anchor="ctr"/>
+            <a:lstStyle/>
+            <a:p>
+              <a:pPr algn="ctr"/>
+              <a:endParaRPr lang="en-US">
+                <a:latin typeface="Times New Roman" panose="02020603050405020304" pitchFamily="18" charset="0"/>
+                <a:cs typeface="Times New Roman" panose="02020603050405020304" pitchFamily="18" charset="0"/>
+              </a:endParaRPr>
+            </a:p>
+          </p:txBody>
+        </p:sp>
+        <p:sp>
+          <p:nvSpPr>
+            <p:cNvPr id="18" name="Rectangle 17">
+              <a:extLst>
+                <a:ext uri="{FF2B5EF4-FFF2-40B4-BE49-F238E27FC236}">
+                  <a16:creationId xmlns:a16="http://schemas.microsoft.com/office/drawing/2014/main" id="{5046BF7F-6942-FE91-61D8-1F9E6ADF8A2A}"/>
+                </a:ext>
+              </a:extLst>
+            </p:cNvPr>
+            <p:cNvSpPr/>
+            <p:nvPr/>
+          </p:nvSpPr>
+          <p:spPr>
+            <a:xfrm rot="4472091">
+              <a:off x="8758238" y="676275"/>
+              <a:ext cx="90487" cy="1138238"/>
+            </a:xfrm>
+            <a:prstGeom prst="rect">
+              <a:avLst/>
+            </a:prstGeom>
+            <a:solidFill>
+              <a:schemeClr val="bg2">
+                <a:lumMod val="50000"/>
+              </a:schemeClr>
+            </a:solidFill>
+            <a:ln>
+              <a:solidFill>
+                <a:schemeClr val="tx1"/>
+              </a:solidFill>
+            </a:ln>
+          </p:spPr>
+          <p:style>
+            <a:lnRef idx="2">
+              <a:schemeClr val="accent1">
+                <a:shade val="50000"/>
+              </a:schemeClr>
+            </a:lnRef>
+            <a:fillRef idx="1">
+              <a:schemeClr val="accent1"/>
+            </a:fillRef>
+            <a:effectRef idx="0">
+              <a:schemeClr val="accent1"/>
+            </a:effectRef>
+            <a:fontRef idx="minor">
+              <a:schemeClr val="lt1"/>
+            </a:fontRef>
+          </p:style>
+          <p:txBody>
+            <a:bodyPr rtlCol="0" anchor="ctr"/>
+            <a:lstStyle/>
+            <a:p>
+              <a:pPr algn="ctr"/>
+              <a:endParaRPr lang="en-US">
+                <a:latin typeface="Times New Roman" panose="02020603050405020304" pitchFamily="18" charset="0"/>
+                <a:cs typeface="Times New Roman" panose="02020603050405020304" pitchFamily="18" charset="0"/>
+              </a:endParaRPr>
+            </a:p>
+          </p:txBody>
+        </p:sp>
+        <p:sp>
+          <p:nvSpPr>
+            <p:cNvPr id="19" name="Rectangle 18">
+              <a:extLst>
+                <a:ext uri="{FF2B5EF4-FFF2-40B4-BE49-F238E27FC236}">
+                  <a16:creationId xmlns:a16="http://schemas.microsoft.com/office/drawing/2014/main" id="{4C356040-D3F4-E915-FF3D-5EDADCF88C69}"/>
+                </a:ext>
+              </a:extLst>
+            </p:cNvPr>
+            <p:cNvSpPr/>
+            <p:nvPr/>
+          </p:nvSpPr>
+          <p:spPr>
+            <a:xfrm rot="17127909" flipH="1">
+              <a:off x="10739715" y="676276"/>
+              <a:ext cx="90487" cy="1138238"/>
+            </a:xfrm>
+            <a:prstGeom prst="rect">
+              <a:avLst/>
+            </a:prstGeom>
+            <a:solidFill>
+              <a:schemeClr val="bg2">
+                <a:lumMod val="50000"/>
+              </a:schemeClr>
+            </a:solidFill>
+            <a:ln>
+              <a:solidFill>
+                <a:schemeClr val="tx1"/>
+              </a:solidFill>
+            </a:ln>
+          </p:spPr>
+          <p:style>
+            <a:lnRef idx="2">
+              <a:schemeClr val="accent1">
+                <a:shade val="50000"/>
+              </a:schemeClr>
+            </a:lnRef>
+            <a:fillRef idx="1">
+              <a:schemeClr val="accent1"/>
+            </a:fillRef>
+            <a:effectRef idx="0">
+              <a:schemeClr val="accent1"/>
+            </a:effectRef>
+            <a:fontRef idx="minor">
+              <a:schemeClr val="lt1"/>
+            </a:fontRef>
+          </p:style>
+          <p:txBody>
+            <a:bodyPr rtlCol="0" anchor="ctr"/>
+            <a:lstStyle/>
+            <a:p>
+              <a:pPr algn="ctr"/>
+              <a:endParaRPr lang="en-US">
+                <a:latin typeface="Times New Roman" panose="02020603050405020304" pitchFamily="18" charset="0"/>
+                <a:cs typeface="Times New Roman" panose="02020603050405020304" pitchFamily="18" charset="0"/>
+              </a:endParaRPr>
+            </a:p>
+          </p:txBody>
+        </p:sp>
+      </p:grpSp>
+    </p:spTree>
+    <p:extLst>
+      <p:ext uri="{BB962C8B-B14F-4D97-AF65-F5344CB8AC3E}">
+        <p14:creationId xmlns:p14="http://schemas.microsoft.com/office/powerpoint/2010/main" val="3517966977"/>
+      </p:ext>
+    </p:extLst>
+  </p:cSld>
+  <p:clrMapOvr>
+    <a:masterClrMapping/>
+  </p:clrMapOvr>
+</p:sld>
+</file>
+
+<file path=ppt/slides/slide8.xml><?xml version="1.0" encoding="utf-8"?>
+<p:sld xmlns:a="http://schemas.openxmlformats.org/drawingml/2006/main" xmlns:r="http://schemas.openxmlformats.org/officeDocument/2006/relationships" xmlns:p="http://schemas.openxmlformats.org/presentationml/2006/main">
+  <p:cSld>
+    <p:spTree>
+      <p:nvGrpSpPr>
+        <p:cNvPr id="1" name=""/>
+        <p:cNvGrpSpPr/>
+        <p:nvPr/>
+      </p:nvGrpSpPr>
+      <p:grpSpPr>
+        <a:xfrm>
+          <a:off x="0" y="0"/>
+          <a:ext cx="0" cy="0"/>
+          <a:chOff x="0" y="0"/>
+          <a:chExt cx="0" cy="0"/>
+        </a:xfrm>
+      </p:grpSpPr>
+      <p:sp>
+        <p:nvSpPr>
+          <p:cNvPr id="2" name="Title 1">
+            <a:extLst>
+              <a:ext uri="{FF2B5EF4-FFF2-40B4-BE49-F238E27FC236}">
+                <a16:creationId xmlns:a16="http://schemas.microsoft.com/office/drawing/2014/main" id="{7D373BB9-E438-EA56-E8B3-0F00350954D4}"/>
+              </a:ext>
+            </a:extLst>
+          </p:cNvPr>
+          <p:cNvSpPr>
+            <a:spLocks noGrp="1"/>
+          </p:cNvSpPr>
+          <p:nvPr>
+            <p:ph type="title"/>
+          </p:nvPr>
+        </p:nvSpPr>
+        <p:spPr/>
+        <p:txBody>
+          <a:bodyPr/>
+          <a:lstStyle/>
+          <a:p>
+            <a:endParaRPr lang="en-US"/>
+          </a:p>
+        </p:txBody>
+      </p:sp>
+      <p:sp>
+        <p:nvSpPr>
+          <p:cNvPr id="3" name="Content Placeholder 2">
+            <a:extLst>
+              <a:ext uri="{FF2B5EF4-FFF2-40B4-BE49-F238E27FC236}">
+                <a16:creationId xmlns:a16="http://schemas.microsoft.com/office/drawing/2014/main" id="{0E32EAA9-8377-174B-AE79-5C6DA1DF1730}"/>
+              </a:ext>
+            </a:extLst>
+          </p:cNvPr>
+          <p:cNvSpPr>
+            <a:spLocks noGrp="1"/>
+          </p:cNvSpPr>
+          <p:nvPr>
+            <p:ph idx="1"/>
+          </p:nvPr>
+        </p:nvSpPr>
+        <p:spPr/>
+        <p:txBody>
+          <a:bodyPr/>
+          <a:lstStyle/>
+          <a:p>
+            <a:endParaRPr lang="en-US"/>
+          </a:p>
+        </p:txBody>
+      </p:sp>
+      <p:grpSp>
+        <p:nvGrpSpPr>
+          <p:cNvPr id="4" name="Group 3">
+            <a:extLst>
+              <a:ext uri="{FF2B5EF4-FFF2-40B4-BE49-F238E27FC236}">
+                <a16:creationId xmlns:a16="http://schemas.microsoft.com/office/drawing/2014/main" id="{5954D266-08D1-69E1-8310-64ABEA03B30A}"/>
+              </a:ext>
+            </a:extLst>
+          </p:cNvPr>
+          <p:cNvGrpSpPr/>
+          <p:nvPr/>
+        </p:nvGrpSpPr>
+        <p:grpSpPr>
+          <a:xfrm>
+            <a:off x="227799" y="347301"/>
+            <a:ext cx="3119715" cy="242126"/>
+            <a:chOff x="8234363" y="1048512"/>
+            <a:chExt cx="3119715" cy="242126"/>
+          </a:xfrm>
+        </p:grpSpPr>
+        <p:sp>
+          <p:nvSpPr>
+            <p:cNvPr id="5" name="Rectangle 4">
+              <a:extLst>
+                <a:ext uri="{FF2B5EF4-FFF2-40B4-BE49-F238E27FC236}">
+                  <a16:creationId xmlns:a16="http://schemas.microsoft.com/office/drawing/2014/main" id="{B22629FD-5DE4-5FAE-D67E-2E114E9A45D8}"/>
+                </a:ext>
+              </a:extLst>
+            </p:cNvPr>
+            <p:cNvSpPr/>
+            <p:nvPr/>
+          </p:nvSpPr>
+          <p:spPr>
+            <a:xfrm>
+              <a:off x="9336024" y="1048512"/>
+              <a:ext cx="908304" cy="91440"/>
+            </a:xfrm>
+            <a:prstGeom prst="rect">
+              <a:avLst/>
+            </a:prstGeom>
+            <a:solidFill>
+              <a:schemeClr val="bg2">
+                <a:lumMod val="50000"/>
+              </a:schemeClr>
+            </a:solidFill>
+            <a:ln>
+              <a:solidFill>
+                <a:schemeClr val="tx1"/>
+              </a:solidFill>
+            </a:ln>
+          </p:spPr>
+          <p:style>
+            <a:lnRef idx="2">
+              <a:schemeClr val="accent1">
+                <a:shade val="50000"/>
+              </a:schemeClr>
+            </a:lnRef>
+            <a:fillRef idx="1">
+              <a:schemeClr val="accent1"/>
+            </a:fillRef>
+            <a:effectRef idx="0">
+              <a:schemeClr val="accent1"/>
+            </a:effectRef>
+            <a:fontRef idx="minor">
+              <a:schemeClr val="lt1"/>
+            </a:fontRef>
+          </p:style>
+          <p:txBody>
+            <a:bodyPr rtlCol="0" anchor="ctr"/>
+            <a:lstStyle/>
+            <a:p>
+              <a:pPr algn="ctr"/>
+              <a:endParaRPr lang="en-US">
+                <a:latin typeface="Times New Roman" panose="02020603050405020304" pitchFamily="18" charset="0"/>
+                <a:cs typeface="Times New Roman" panose="02020603050405020304" pitchFamily="18" charset="0"/>
+              </a:endParaRPr>
+            </a:p>
+          </p:txBody>
+        </p:sp>
+        <p:sp>
+          <p:nvSpPr>
+            <p:cNvPr id="6" name="Rectangle 5">
+              <a:extLst>
+                <a:ext uri="{FF2B5EF4-FFF2-40B4-BE49-F238E27FC236}">
+                  <a16:creationId xmlns:a16="http://schemas.microsoft.com/office/drawing/2014/main" id="{B06100BF-4D59-3E03-1408-4B0DF3D7F779}"/>
+                </a:ext>
+              </a:extLst>
+            </p:cNvPr>
+            <p:cNvSpPr/>
+            <p:nvPr/>
+          </p:nvSpPr>
+          <p:spPr>
+            <a:xfrm rot="4472091">
+              <a:off x="8758238" y="676275"/>
+              <a:ext cx="90487" cy="1138238"/>
+            </a:xfrm>
+            <a:prstGeom prst="rect">
+              <a:avLst/>
+            </a:prstGeom>
+            <a:solidFill>
+              <a:schemeClr val="bg2">
+                <a:lumMod val="50000"/>
+              </a:schemeClr>
+            </a:solidFill>
+            <a:ln>
+              <a:solidFill>
+                <a:schemeClr val="tx1"/>
+              </a:solidFill>
+            </a:ln>
+          </p:spPr>
+          <p:style>
+            <a:lnRef idx="2">
+              <a:schemeClr val="accent1">
+                <a:shade val="50000"/>
+              </a:schemeClr>
+            </a:lnRef>
+            <a:fillRef idx="1">
+              <a:schemeClr val="accent1"/>
+            </a:fillRef>
+            <a:effectRef idx="0">
+              <a:schemeClr val="accent1"/>
+            </a:effectRef>
+            <a:fontRef idx="minor">
+              <a:schemeClr val="lt1"/>
+            </a:fontRef>
+          </p:style>
+          <p:txBody>
+            <a:bodyPr rtlCol="0" anchor="ctr"/>
+            <a:lstStyle/>
+            <a:p>
+              <a:pPr algn="ctr"/>
+              <a:endParaRPr lang="en-US">
+                <a:latin typeface="Times New Roman" panose="02020603050405020304" pitchFamily="18" charset="0"/>
+                <a:cs typeface="Times New Roman" panose="02020603050405020304" pitchFamily="18" charset="0"/>
+              </a:endParaRPr>
+            </a:p>
+          </p:txBody>
+        </p:sp>
+        <p:sp>
+          <p:nvSpPr>
+            <p:cNvPr id="7" name="Rectangle 6">
+              <a:extLst>
+                <a:ext uri="{FF2B5EF4-FFF2-40B4-BE49-F238E27FC236}">
+                  <a16:creationId xmlns:a16="http://schemas.microsoft.com/office/drawing/2014/main" id="{FC5CD27E-EFB3-2F2F-56CC-9A6F73A0EE80}"/>
+                </a:ext>
+              </a:extLst>
+            </p:cNvPr>
+            <p:cNvSpPr/>
+            <p:nvPr/>
+          </p:nvSpPr>
+          <p:spPr>
+            <a:xfrm rot="17127909" flipH="1">
+              <a:off x="10739715" y="676276"/>
+              <a:ext cx="90487" cy="1138238"/>
+            </a:xfrm>
+            <a:prstGeom prst="rect">
+              <a:avLst/>
+            </a:prstGeom>
+            <a:solidFill>
+              <a:schemeClr val="bg2">
+                <a:lumMod val="50000"/>
+              </a:schemeClr>
+            </a:solidFill>
+            <a:ln>
+              <a:solidFill>
+                <a:schemeClr val="tx1"/>
+              </a:solidFill>
+            </a:ln>
+          </p:spPr>
+          <p:style>
+            <a:lnRef idx="2">
+              <a:schemeClr val="accent1">
+                <a:shade val="50000"/>
+              </a:schemeClr>
+            </a:lnRef>
+            <a:fillRef idx="1">
+              <a:schemeClr val="accent1"/>
+            </a:fillRef>
+            <a:effectRef idx="0">
+              <a:schemeClr val="accent1"/>
+            </a:effectRef>
+            <a:fontRef idx="minor">
+              <a:schemeClr val="lt1"/>
+            </a:fontRef>
+          </p:style>
+          <p:txBody>
+            <a:bodyPr rtlCol="0" anchor="ctr"/>
+            <a:lstStyle/>
+            <a:p>
+              <a:pPr algn="ctr"/>
+              <a:endParaRPr lang="en-US">
+                <a:latin typeface="Times New Roman" panose="02020603050405020304" pitchFamily="18" charset="0"/>
+                <a:cs typeface="Times New Roman" panose="02020603050405020304" pitchFamily="18" charset="0"/>
+              </a:endParaRPr>
+            </a:p>
+          </p:txBody>
+        </p:sp>
+      </p:grpSp>
+      <p:grpSp>
+        <p:nvGrpSpPr>
+          <p:cNvPr id="8" name="Group 7">
+            <a:extLst>
+              <a:ext uri="{FF2B5EF4-FFF2-40B4-BE49-F238E27FC236}">
+                <a16:creationId xmlns:a16="http://schemas.microsoft.com/office/drawing/2014/main" id="{3D6E0579-CC65-9421-450D-F584DA07E00D}"/>
+              </a:ext>
+            </a:extLst>
+          </p:cNvPr>
+          <p:cNvGrpSpPr/>
+          <p:nvPr/>
+        </p:nvGrpSpPr>
+        <p:grpSpPr>
+          <a:xfrm rot="10800000">
+            <a:off x="219257" y="870700"/>
+            <a:ext cx="3119715" cy="242126"/>
+            <a:chOff x="8234363" y="1048512"/>
+            <a:chExt cx="3119715" cy="242126"/>
+          </a:xfrm>
+        </p:grpSpPr>
+        <p:sp>
+          <p:nvSpPr>
+            <p:cNvPr id="9" name="Rectangle 8">
+              <a:extLst>
+                <a:ext uri="{FF2B5EF4-FFF2-40B4-BE49-F238E27FC236}">
+                  <a16:creationId xmlns:a16="http://schemas.microsoft.com/office/drawing/2014/main" id="{27DB06C0-7985-A6AE-D7BE-0409E5EC2ADF}"/>
+                </a:ext>
+              </a:extLst>
+            </p:cNvPr>
+            <p:cNvSpPr/>
+            <p:nvPr/>
+          </p:nvSpPr>
+          <p:spPr>
+            <a:xfrm>
+              <a:off x="9336024" y="1048512"/>
+              <a:ext cx="908304" cy="91440"/>
+            </a:xfrm>
+            <a:prstGeom prst="rect">
+              <a:avLst/>
+            </a:prstGeom>
+            <a:solidFill>
+              <a:schemeClr val="bg2">
+                <a:lumMod val="50000"/>
+              </a:schemeClr>
+            </a:solidFill>
+            <a:ln>
+              <a:solidFill>
+                <a:schemeClr val="tx1"/>
+              </a:solidFill>
+            </a:ln>
+          </p:spPr>
+          <p:style>
+            <a:lnRef idx="2">
+              <a:schemeClr val="accent1">
+                <a:shade val="50000"/>
+              </a:schemeClr>
+            </a:lnRef>
+            <a:fillRef idx="1">
+              <a:schemeClr val="accent1"/>
+            </a:fillRef>
+            <a:effectRef idx="0">
+              <a:schemeClr val="accent1"/>
+            </a:effectRef>
+            <a:fontRef idx="minor">
+              <a:schemeClr val="lt1"/>
+            </a:fontRef>
+          </p:style>
+          <p:txBody>
+            <a:bodyPr rtlCol="0" anchor="ctr"/>
+            <a:lstStyle/>
+            <a:p>
+              <a:pPr algn="ctr"/>
+              <a:endParaRPr lang="en-US">
+                <a:latin typeface="Times New Roman" panose="02020603050405020304" pitchFamily="18" charset="0"/>
+                <a:cs typeface="Times New Roman" panose="02020603050405020304" pitchFamily="18" charset="0"/>
+              </a:endParaRPr>
+            </a:p>
+          </p:txBody>
+        </p:sp>
+        <p:sp>
+          <p:nvSpPr>
+            <p:cNvPr id="10" name="Rectangle 9">
+              <a:extLst>
+                <a:ext uri="{FF2B5EF4-FFF2-40B4-BE49-F238E27FC236}">
+                  <a16:creationId xmlns:a16="http://schemas.microsoft.com/office/drawing/2014/main" id="{59F07742-F628-5B93-24CE-07593CB523E9}"/>
+                </a:ext>
+              </a:extLst>
+            </p:cNvPr>
+            <p:cNvSpPr/>
+            <p:nvPr/>
+          </p:nvSpPr>
+          <p:spPr>
+            <a:xfrm rot="4472091">
+              <a:off x="8758238" y="676275"/>
+              <a:ext cx="90487" cy="1138238"/>
+            </a:xfrm>
+            <a:prstGeom prst="rect">
+              <a:avLst/>
+            </a:prstGeom>
+            <a:solidFill>
+              <a:schemeClr val="bg2">
+                <a:lumMod val="50000"/>
+              </a:schemeClr>
+            </a:solidFill>
+            <a:ln>
+              <a:solidFill>
+                <a:schemeClr val="tx1"/>
+              </a:solidFill>
+            </a:ln>
+          </p:spPr>
+          <p:style>
+            <a:lnRef idx="2">
+              <a:schemeClr val="accent1">
+                <a:shade val="50000"/>
+              </a:schemeClr>
+            </a:lnRef>
+            <a:fillRef idx="1">
+              <a:schemeClr val="accent1"/>
+            </a:fillRef>
+            <a:effectRef idx="0">
+              <a:schemeClr val="accent1"/>
+            </a:effectRef>
+            <a:fontRef idx="minor">
+              <a:schemeClr val="lt1"/>
+            </a:fontRef>
+          </p:style>
+          <p:txBody>
+            <a:bodyPr rtlCol="0" anchor="ctr"/>
+            <a:lstStyle/>
+            <a:p>
+              <a:pPr algn="ctr"/>
+              <a:endParaRPr lang="en-US">
+                <a:latin typeface="Times New Roman" panose="02020603050405020304" pitchFamily="18" charset="0"/>
+                <a:cs typeface="Times New Roman" panose="02020603050405020304" pitchFamily="18" charset="0"/>
+              </a:endParaRPr>
+            </a:p>
+          </p:txBody>
+        </p:sp>
+        <p:sp>
+          <p:nvSpPr>
+            <p:cNvPr id="11" name="Rectangle 10">
+              <a:extLst>
+                <a:ext uri="{FF2B5EF4-FFF2-40B4-BE49-F238E27FC236}">
+                  <a16:creationId xmlns:a16="http://schemas.microsoft.com/office/drawing/2014/main" id="{E37139C7-AEDE-FDD3-9D6E-5BA8ABFF29A2}"/>
+                </a:ext>
+              </a:extLst>
+            </p:cNvPr>
+            <p:cNvSpPr/>
+            <p:nvPr/>
+          </p:nvSpPr>
+          <p:spPr>
+            <a:xfrm rot="17127909" flipH="1">
+              <a:off x="10739715" y="676276"/>
+              <a:ext cx="90487" cy="1138238"/>
+            </a:xfrm>
+            <a:prstGeom prst="rect">
+              <a:avLst/>
+            </a:prstGeom>
+            <a:solidFill>
+              <a:schemeClr val="bg2">
+                <a:lumMod val="50000"/>
+              </a:schemeClr>
+            </a:solidFill>
+            <a:ln>
+              <a:solidFill>
+                <a:schemeClr val="tx1"/>
+              </a:solidFill>
+            </a:ln>
+          </p:spPr>
+          <p:style>
+            <a:lnRef idx="2">
+              <a:schemeClr val="accent1">
+                <a:shade val="50000"/>
+              </a:schemeClr>
+            </a:lnRef>
+            <a:fillRef idx="1">
+              <a:schemeClr val="accent1"/>
+            </a:fillRef>
+            <a:effectRef idx="0">
+              <a:schemeClr val="accent1"/>
+            </a:effectRef>
+            <a:fontRef idx="minor">
+              <a:schemeClr val="lt1"/>
+            </a:fontRef>
+          </p:style>
+          <p:txBody>
+            <a:bodyPr rtlCol="0" anchor="ctr"/>
+            <a:lstStyle/>
+            <a:p>
+              <a:pPr algn="ctr"/>
+              <a:endParaRPr lang="en-US">
+                <a:latin typeface="Times New Roman" panose="02020603050405020304" pitchFamily="18" charset="0"/>
+                <a:cs typeface="Times New Roman" panose="02020603050405020304" pitchFamily="18" charset="0"/>
+              </a:endParaRPr>
+            </a:p>
+          </p:txBody>
+        </p:sp>
+      </p:grpSp>
+      <p:grpSp>
+        <p:nvGrpSpPr>
+          <p:cNvPr id="12" name="Group 11">
+            <a:extLst>
+              <a:ext uri="{FF2B5EF4-FFF2-40B4-BE49-F238E27FC236}">
+                <a16:creationId xmlns:a16="http://schemas.microsoft.com/office/drawing/2014/main" id="{E07810F8-19F8-F163-F461-3ECEBAB411F8}"/>
+              </a:ext>
+            </a:extLst>
+          </p:cNvPr>
+          <p:cNvGrpSpPr/>
+          <p:nvPr/>
+        </p:nvGrpSpPr>
+        <p:grpSpPr>
+          <a:xfrm rot="10800000">
+            <a:off x="231842" y="954540"/>
+            <a:ext cx="3119715" cy="242126"/>
+            <a:chOff x="8234363" y="1048512"/>
+            <a:chExt cx="3119715" cy="242126"/>
+          </a:xfrm>
+        </p:grpSpPr>
+        <p:sp>
+          <p:nvSpPr>
+            <p:cNvPr id="13" name="Rectangle 12">
+              <a:extLst>
+                <a:ext uri="{FF2B5EF4-FFF2-40B4-BE49-F238E27FC236}">
+                  <a16:creationId xmlns:a16="http://schemas.microsoft.com/office/drawing/2014/main" id="{2E740559-C628-5050-4993-A13CAC8A46B7}"/>
+                </a:ext>
+              </a:extLst>
+            </p:cNvPr>
+            <p:cNvSpPr/>
+            <p:nvPr/>
+          </p:nvSpPr>
+          <p:spPr>
+            <a:xfrm>
+              <a:off x="9336024" y="1048512"/>
+              <a:ext cx="908304" cy="91440"/>
+            </a:xfrm>
+            <a:prstGeom prst="rect">
+              <a:avLst/>
+            </a:prstGeom>
+            <a:solidFill>
+              <a:schemeClr val="bg2">
+                <a:lumMod val="50000"/>
+              </a:schemeClr>
+            </a:solidFill>
+            <a:ln>
+              <a:solidFill>
+                <a:schemeClr val="tx1"/>
+              </a:solidFill>
+            </a:ln>
+          </p:spPr>
+          <p:style>
+            <a:lnRef idx="2">
+              <a:schemeClr val="accent1">
+                <a:shade val="50000"/>
+              </a:schemeClr>
+            </a:lnRef>
+            <a:fillRef idx="1">
+              <a:schemeClr val="accent1"/>
+            </a:fillRef>
+            <a:effectRef idx="0">
+              <a:schemeClr val="accent1"/>
+            </a:effectRef>
+            <a:fontRef idx="minor">
+              <a:schemeClr val="lt1"/>
+            </a:fontRef>
+          </p:style>
+          <p:txBody>
+            <a:bodyPr rtlCol="0" anchor="ctr"/>
+            <a:lstStyle/>
+            <a:p>
+              <a:pPr algn="ctr"/>
+              <a:endParaRPr lang="en-US">
+                <a:latin typeface="Times New Roman" panose="02020603050405020304" pitchFamily="18" charset="0"/>
+                <a:cs typeface="Times New Roman" panose="02020603050405020304" pitchFamily="18" charset="0"/>
+              </a:endParaRPr>
+            </a:p>
+          </p:txBody>
+        </p:sp>
+        <p:sp>
+          <p:nvSpPr>
+            <p:cNvPr id="14" name="Rectangle 13">
+              <a:extLst>
+                <a:ext uri="{FF2B5EF4-FFF2-40B4-BE49-F238E27FC236}">
+                  <a16:creationId xmlns:a16="http://schemas.microsoft.com/office/drawing/2014/main" id="{87C719E9-EF02-8DC3-1B58-2A81644952C2}"/>
+                </a:ext>
+              </a:extLst>
+            </p:cNvPr>
+            <p:cNvSpPr/>
+            <p:nvPr/>
+          </p:nvSpPr>
+          <p:spPr>
+            <a:xfrm rot="4472091">
+              <a:off x="8758238" y="676275"/>
+              <a:ext cx="90487" cy="1138238"/>
+            </a:xfrm>
+            <a:prstGeom prst="rect">
+              <a:avLst/>
+            </a:prstGeom>
+            <a:solidFill>
+              <a:schemeClr val="bg2">
+                <a:lumMod val="50000"/>
+              </a:schemeClr>
+            </a:solidFill>
+            <a:ln>
+              <a:solidFill>
+                <a:schemeClr val="tx1"/>
+              </a:solidFill>
+            </a:ln>
+          </p:spPr>
+          <p:style>
+            <a:lnRef idx="2">
+              <a:schemeClr val="accent1">
+                <a:shade val="50000"/>
+              </a:schemeClr>
+            </a:lnRef>
+            <a:fillRef idx="1">
+              <a:schemeClr val="accent1"/>
+            </a:fillRef>
+            <a:effectRef idx="0">
+              <a:schemeClr val="accent1"/>
+            </a:effectRef>
+            <a:fontRef idx="minor">
+              <a:schemeClr val="lt1"/>
+            </a:fontRef>
+          </p:style>
+          <p:txBody>
+            <a:bodyPr rtlCol="0" anchor="ctr"/>
+            <a:lstStyle/>
+            <a:p>
+              <a:pPr algn="ctr"/>
+              <a:endParaRPr lang="en-US">
+                <a:latin typeface="Times New Roman" panose="02020603050405020304" pitchFamily="18" charset="0"/>
+                <a:cs typeface="Times New Roman" panose="02020603050405020304" pitchFamily="18" charset="0"/>
+              </a:endParaRPr>
+            </a:p>
+          </p:txBody>
+        </p:sp>
+        <p:sp>
+          <p:nvSpPr>
+            <p:cNvPr id="15" name="Rectangle 14">
+              <a:extLst>
+                <a:ext uri="{FF2B5EF4-FFF2-40B4-BE49-F238E27FC236}">
+                  <a16:creationId xmlns:a16="http://schemas.microsoft.com/office/drawing/2014/main" id="{D91B045C-F5D6-B3D5-42AB-B02856963438}"/>
+                </a:ext>
+              </a:extLst>
+            </p:cNvPr>
+            <p:cNvSpPr/>
+            <p:nvPr/>
+          </p:nvSpPr>
+          <p:spPr>
+            <a:xfrm rot="17127909" flipH="1">
+              <a:off x="10739715" y="676276"/>
+              <a:ext cx="90487" cy="1138238"/>
+            </a:xfrm>
+            <a:prstGeom prst="rect">
+              <a:avLst/>
+            </a:prstGeom>
+            <a:solidFill>
+              <a:schemeClr val="bg2">
+                <a:lumMod val="50000"/>
+              </a:schemeClr>
+            </a:solidFill>
+            <a:ln>
+              <a:solidFill>
+                <a:schemeClr val="tx1"/>
+              </a:solidFill>
+            </a:ln>
+          </p:spPr>
+          <p:style>
+            <a:lnRef idx="2">
+              <a:schemeClr val="accent1">
+                <a:shade val="50000"/>
+              </a:schemeClr>
+            </a:lnRef>
+            <a:fillRef idx="1">
+              <a:schemeClr val="accent1"/>
+            </a:fillRef>
+            <a:effectRef idx="0">
+              <a:schemeClr val="accent1"/>
+            </a:effectRef>
+            <a:fontRef idx="minor">
+              <a:schemeClr val="lt1"/>
+            </a:fontRef>
+          </p:style>
+          <p:txBody>
+            <a:bodyPr rtlCol="0" anchor="ctr"/>
+            <a:lstStyle/>
+            <a:p>
+              <a:pPr algn="ctr"/>
+              <a:endParaRPr lang="en-US">
+                <a:latin typeface="Times New Roman" panose="02020603050405020304" pitchFamily="18" charset="0"/>
+                <a:cs typeface="Times New Roman" panose="02020603050405020304" pitchFamily="18" charset="0"/>
+              </a:endParaRPr>
+            </a:p>
+          </p:txBody>
+        </p:sp>
+      </p:grpSp>
+      <p:grpSp>
+        <p:nvGrpSpPr>
+          <p:cNvPr id="16" name="Group 15">
+            <a:extLst>
+              <a:ext uri="{FF2B5EF4-FFF2-40B4-BE49-F238E27FC236}">
+                <a16:creationId xmlns:a16="http://schemas.microsoft.com/office/drawing/2014/main" id="{9B83D6B7-4B17-E531-FA80-2F87977543C9}"/>
+              </a:ext>
+            </a:extLst>
+          </p:cNvPr>
+          <p:cNvGrpSpPr/>
+          <p:nvPr/>
+        </p:nvGrpSpPr>
+        <p:grpSpPr>
+          <a:xfrm>
+            <a:off x="231842" y="252256"/>
+            <a:ext cx="3119715" cy="242126"/>
+            <a:chOff x="8234363" y="1048512"/>
+            <a:chExt cx="3119715" cy="242126"/>
+          </a:xfrm>
+        </p:grpSpPr>
+        <p:sp>
+          <p:nvSpPr>
+            <p:cNvPr id="17" name="Rectangle 16">
+              <a:extLst>
+                <a:ext uri="{FF2B5EF4-FFF2-40B4-BE49-F238E27FC236}">
+                  <a16:creationId xmlns:a16="http://schemas.microsoft.com/office/drawing/2014/main" id="{7434113C-3B27-112C-4909-3AE77E2FAC84}"/>
+                </a:ext>
+              </a:extLst>
+            </p:cNvPr>
+            <p:cNvSpPr/>
+            <p:nvPr/>
+          </p:nvSpPr>
+          <p:spPr>
+            <a:xfrm>
+              <a:off x="9336024" y="1048512"/>
+              <a:ext cx="908304" cy="91440"/>
+            </a:xfrm>
+            <a:prstGeom prst="rect">
+              <a:avLst/>
+            </a:prstGeom>
+            <a:solidFill>
+              <a:schemeClr val="bg2">
+                <a:lumMod val="50000"/>
+              </a:schemeClr>
+            </a:solidFill>
+            <a:ln>
+              <a:solidFill>
+                <a:schemeClr val="tx1"/>
+              </a:solidFill>
+            </a:ln>
+          </p:spPr>
+          <p:style>
+            <a:lnRef idx="2">
+              <a:schemeClr val="accent1">
+                <a:shade val="50000"/>
+              </a:schemeClr>
+            </a:lnRef>
+            <a:fillRef idx="1">
+              <a:schemeClr val="accent1"/>
+            </a:fillRef>
+            <a:effectRef idx="0">
+              <a:schemeClr val="accent1"/>
+            </a:effectRef>
+            <a:fontRef idx="minor">
+              <a:schemeClr val="lt1"/>
+            </a:fontRef>
+          </p:style>
+          <p:txBody>
+            <a:bodyPr rtlCol="0" anchor="ctr"/>
+            <a:lstStyle/>
+            <a:p>
+              <a:pPr algn="ctr"/>
+              <a:endParaRPr lang="en-US">
+                <a:latin typeface="Times New Roman" panose="02020603050405020304" pitchFamily="18" charset="0"/>
+                <a:cs typeface="Times New Roman" panose="02020603050405020304" pitchFamily="18" charset="0"/>
+              </a:endParaRPr>
+            </a:p>
+          </p:txBody>
+        </p:sp>
+        <p:sp>
+          <p:nvSpPr>
+            <p:cNvPr id="18" name="Rectangle 17">
+              <a:extLst>
+                <a:ext uri="{FF2B5EF4-FFF2-40B4-BE49-F238E27FC236}">
+                  <a16:creationId xmlns:a16="http://schemas.microsoft.com/office/drawing/2014/main" id="{4791946F-6DE4-2509-B467-944769845C57}"/>
+                </a:ext>
+              </a:extLst>
+            </p:cNvPr>
+            <p:cNvSpPr/>
+            <p:nvPr/>
+          </p:nvSpPr>
+          <p:spPr>
+            <a:xfrm rot="4472091">
+              <a:off x="8758238" y="676275"/>
+              <a:ext cx="90487" cy="1138238"/>
+            </a:xfrm>
+            <a:prstGeom prst="rect">
+              <a:avLst/>
+            </a:prstGeom>
+            <a:solidFill>
+              <a:schemeClr val="bg2">
+                <a:lumMod val="50000"/>
+              </a:schemeClr>
+            </a:solidFill>
+            <a:ln>
+              <a:solidFill>
+                <a:schemeClr val="tx1"/>
+              </a:solidFill>
+            </a:ln>
+          </p:spPr>
+          <p:style>
+            <a:lnRef idx="2">
+              <a:schemeClr val="accent1">
+                <a:shade val="50000"/>
+              </a:schemeClr>
+            </a:lnRef>
+            <a:fillRef idx="1">
+              <a:schemeClr val="accent1"/>
+            </a:fillRef>
+            <a:effectRef idx="0">
+              <a:schemeClr val="accent1"/>
+            </a:effectRef>
+            <a:fontRef idx="minor">
+              <a:schemeClr val="lt1"/>
+            </a:fontRef>
+          </p:style>
+          <p:txBody>
+            <a:bodyPr rtlCol="0" anchor="ctr"/>
+            <a:lstStyle/>
+            <a:p>
+              <a:pPr algn="ctr"/>
+              <a:endParaRPr lang="en-US">
+                <a:latin typeface="Times New Roman" panose="02020603050405020304" pitchFamily="18" charset="0"/>
+                <a:cs typeface="Times New Roman" panose="02020603050405020304" pitchFamily="18" charset="0"/>
+              </a:endParaRPr>
+            </a:p>
+          </p:txBody>
+        </p:sp>
+        <p:sp>
+          <p:nvSpPr>
+            <p:cNvPr id="19" name="Rectangle 18">
+              <a:extLst>
+                <a:ext uri="{FF2B5EF4-FFF2-40B4-BE49-F238E27FC236}">
+                  <a16:creationId xmlns:a16="http://schemas.microsoft.com/office/drawing/2014/main" id="{3440CE91-2006-74D1-20C0-963D5C61D61B}"/>
+                </a:ext>
+              </a:extLst>
+            </p:cNvPr>
+            <p:cNvSpPr/>
+            <p:nvPr/>
+          </p:nvSpPr>
+          <p:spPr>
+            <a:xfrm rot="17127909" flipH="1">
+              <a:off x="10739715" y="676276"/>
+              <a:ext cx="90487" cy="1138238"/>
+            </a:xfrm>
+            <a:prstGeom prst="rect">
+              <a:avLst/>
+            </a:prstGeom>
+            <a:solidFill>
+              <a:schemeClr val="bg2">
+                <a:lumMod val="50000"/>
+              </a:schemeClr>
+            </a:solidFill>
+            <a:ln>
+              <a:solidFill>
+                <a:schemeClr val="tx1"/>
+              </a:solidFill>
+            </a:ln>
+          </p:spPr>
+          <p:style>
+            <a:lnRef idx="2">
+              <a:schemeClr val="accent1">
+                <a:shade val="50000"/>
+              </a:schemeClr>
+            </a:lnRef>
+            <a:fillRef idx="1">
+              <a:schemeClr val="accent1"/>
+            </a:fillRef>
+            <a:effectRef idx="0">
+              <a:schemeClr val="accent1"/>
+            </a:effectRef>
+            <a:fontRef idx="minor">
+              <a:schemeClr val="lt1"/>
+            </a:fontRef>
+          </p:style>
+          <p:txBody>
+            <a:bodyPr rtlCol="0" anchor="ctr"/>
+            <a:lstStyle/>
+            <a:p>
+              <a:pPr algn="ctr"/>
+              <a:endParaRPr lang="en-US">
+                <a:latin typeface="Times New Roman" panose="02020603050405020304" pitchFamily="18" charset="0"/>
+                <a:cs typeface="Times New Roman" panose="02020603050405020304" pitchFamily="18" charset="0"/>
+              </a:endParaRPr>
+            </a:p>
+          </p:txBody>
+        </p:sp>
+      </p:grpSp>
+      <p:grpSp>
+        <p:nvGrpSpPr>
+          <p:cNvPr id="20" name="Group 19">
+            <a:extLst>
+              <a:ext uri="{FF2B5EF4-FFF2-40B4-BE49-F238E27FC236}">
+                <a16:creationId xmlns:a16="http://schemas.microsoft.com/office/drawing/2014/main" id="{9D1163A9-CC19-0884-E579-49756A4EC20A}"/>
+              </a:ext>
+            </a:extLst>
+          </p:cNvPr>
+          <p:cNvGrpSpPr/>
+          <p:nvPr/>
+        </p:nvGrpSpPr>
+        <p:grpSpPr>
+          <a:xfrm>
+            <a:off x="210716" y="145444"/>
+            <a:ext cx="3119715" cy="242126"/>
+            <a:chOff x="8234363" y="1048512"/>
+            <a:chExt cx="3119715" cy="242126"/>
+          </a:xfrm>
+        </p:grpSpPr>
+        <p:sp>
+          <p:nvSpPr>
+            <p:cNvPr id="21" name="Rectangle 20">
+              <a:extLst>
+                <a:ext uri="{FF2B5EF4-FFF2-40B4-BE49-F238E27FC236}">
+                  <a16:creationId xmlns:a16="http://schemas.microsoft.com/office/drawing/2014/main" id="{FB742844-1E98-0837-644F-B656AA93EF59}"/>
+                </a:ext>
+              </a:extLst>
+            </p:cNvPr>
+            <p:cNvSpPr/>
+            <p:nvPr/>
+          </p:nvSpPr>
+          <p:spPr>
+            <a:xfrm>
+              <a:off x="9336024" y="1048512"/>
+              <a:ext cx="908304" cy="91440"/>
+            </a:xfrm>
+            <a:prstGeom prst="rect">
+              <a:avLst/>
+            </a:prstGeom>
+            <a:solidFill>
+              <a:schemeClr val="bg2">
+                <a:lumMod val="50000"/>
+              </a:schemeClr>
+            </a:solidFill>
+            <a:ln>
+              <a:solidFill>
+                <a:schemeClr val="tx1"/>
+              </a:solidFill>
+            </a:ln>
+          </p:spPr>
+          <p:style>
+            <a:lnRef idx="2">
+              <a:schemeClr val="accent1">
+                <a:shade val="50000"/>
+              </a:schemeClr>
+            </a:lnRef>
+            <a:fillRef idx="1">
+              <a:schemeClr val="accent1"/>
+            </a:fillRef>
+            <a:effectRef idx="0">
+              <a:schemeClr val="accent1"/>
+            </a:effectRef>
+            <a:fontRef idx="minor">
+              <a:schemeClr val="lt1"/>
+            </a:fontRef>
+          </p:style>
+          <p:txBody>
+            <a:bodyPr rtlCol="0" anchor="ctr"/>
+            <a:lstStyle/>
+            <a:p>
+              <a:pPr algn="ctr"/>
+              <a:endParaRPr lang="en-US">
+                <a:latin typeface="Times New Roman" panose="02020603050405020304" pitchFamily="18" charset="0"/>
+                <a:cs typeface="Times New Roman" panose="02020603050405020304" pitchFamily="18" charset="0"/>
+              </a:endParaRPr>
+            </a:p>
+          </p:txBody>
+        </p:sp>
+        <p:sp>
+          <p:nvSpPr>
+            <p:cNvPr id="22" name="Rectangle 21">
+              <a:extLst>
+                <a:ext uri="{FF2B5EF4-FFF2-40B4-BE49-F238E27FC236}">
+                  <a16:creationId xmlns:a16="http://schemas.microsoft.com/office/drawing/2014/main" id="{383B758C-F9D5-BE34-7187-EC2B91723989}"/>
+                </a:ext>
+              </a:extLst>
+            </p:cNvPr>
+            <p:cNvSpPr/>
+            <p:nvPr/>
+          </p:nvSpPr>
+          <p:spPr>
+            <a:xfrm rot="4472091">
+              <a:off x="8758238" y="676275"/>
+              <a:ext cx="90487" cy="1138238"/>
+            </a:xfrm>
+            <a:prstGeom prst="rect">
+              <a:avLst/>
+            </a:prstGeom>
+            <a:solidFill>
+              <a:schemeClr val="bg2">
+                <a:lumMod val="50000"/>
+              </a:schemeClr>
+            </a:solidFill>
+            <a:ln>
+              <a:solidFill>
+                <a:schemeClr val="tx1"/>
+              </a:solidFill>
+            </a:ln>
+          </p:spPr>
+          <p:style>
+            <a:lnRef idx="2">
+              <a:schemeClr val="accent1">
+                <a:shade val="50000"/>
+              </a:schemeClr>
+            </a:lnRef>
+            <a:fillRef idx="1">
+              <a:schemeClr val="accent1"/>
+            </a:fillRef>
+            <a:effectRef idx="0">
+              <a:schemeClr val="accent1"/>
+            </a:effectRef>
+            <a:fontRef idx="minor">
+              <a:schemeClr val="lt1"/>
+            </a:fontRef>
+          </p:style>
+          <p:txBody>
+            <a:bodyPr rtlCol="0" anchor="ctr"/>
+            <a:lstStyle/>
+            <a:p>
+              <a:pPr algn="ctr"/>
+              <a:endParaRPr lang="en-US">
+                <a:latin typeface="Times New Roman" panose="02020603050405020304" pitchFamily="18" charset="0"/>
+                <a:cs typeface="Times New Roman" panose="02020603050405020304" pitchFamily="18" charset="0"/>
+              </a:endParaRPr>
+            </a:p>
+          </p:txBody>
+        </p:sp>
+        <p:sp>
+          <p:nvSpPr>
+            <p:cNvPr id="23" name="Rectangle 22">
+              <a:extLst>
+                <a:ext uri="{FF2B5EF4-FFF2-40B4-BE49-F238E27FC236}">
+                  <a16:creationId xmlns:a16="http://schemas.microsoft.com/office/drawing/2014/main" id="{8053CD9B-7877-C04D-1ED7-6D11F6F205A1}"/>
+                </a:ext>
+              </a:extLst>
+            </p:cNvPr>
+            <p:cNvSpPr/>
+            <p:nvPr/>
+          </p:nvSpPr>
+          <p:spPr>
+            <a:xfrm rot="17127909" flipH="1">
+              <a:off x="10739715" y="676276"/>
+              <a:ext cx="90487" cy="1138238"/>
+            </a:xfrm>
+            <a:prstGeom prst="rect">
+              <a:avLst/>
+            </a:prstGeom>
+            <a:solidFill>
+              <a:schemeClr val="bg2">
+                <a:lumMod val="50000"/>
+              </a:schemeClr>
+            </a:solidFill>
+            <a:ln>
+              <a:solidFill>
+                <a:schemeClr val="tx1"/>
+              </a:solidFill>
+            </a:ln>
+          </p:spPr>
+          <p:style>
+            <a:lnRef idx="2">
+              <a:schemeClr val="accent1">
+                <a:shade val="50000"/>
+              </a:schemeClr>
+            </a:lnRef>
+            <a:fillRef idx="1">
+              <a:schemeClr val="accent1"/>
+            </a:fillRef>
+            <a:effectRef idx="0">
+              <a:schemeClr val="accent1"/>
+            </a:effectRef>
+            <a:fontRef idx="minor">
+              <a:schemeClr val="lt1"/>
+            </a:fontRef>
+          </p:style>
+          <p:txBody>
+            <a:bodyPr rtlCol="0" anchor="ctr"/>
+            <a:lstStyle/>
+            <a:p>
+              <a:pPr algn="ctr"/>
+              <a:endParaRPr lang="en-US">
+                <a:latin typeface="Times New Roman" panose="02020603050405020304" pitchFamily="18" charset="0"/>
+                <a:cs typeface="Times New Roman" panose="02020603050405020304" pitchFamily="18" charset="0"/>
+              </a:endParaRPr>
+            </a:p>
+          </p:txBody>
+        </p:sp>
+      </p:grpSp>
+      <p:grpSp>
+        <p:nvGrpSpPr>
+          <p:cNvPr id="24" name="Group 23">
+            <a:extLst>
+              <a:ext uri="{FF2B5EF4-FFF2-40B4-BE49-F238E27FC236}">
+                <a16:creationId xmlns:a16="http://schemas.microsoft.com/office/drawing/2014/main" id="{EB004D4A-B7B6-0F6C-96E2-D05EDBC301C9}"/>
+              </a:ext>
+            </a:extLst>
+          </p:cNvPr>
+          <p:cNvGrpSpPr/>
+          <p:nvPr/>
+        </p:nvGrpSpPr>
+        <p:grpSpPr>
+          <a:xfrm rot="10800000">
+            <a:off x="227799" y="1052071"/>
+            <a:ext cx="3119715" cy="242126"/>
+            <a:chOff x="8234363" y="1048512"/>
+            <a:chExt cx="3119715" cy="242126"/>
+          </a:xfrm>
+        </p:grpSpPr>
+        <p:sp>
+          <p:nvSpPr>
+            <p:cNvPr id="25" name="Rectangle 24">
+              <a:extLst>
+                <a:ext uri="{FF2B5EF4-FFF2-40B4-BE49-F238E27FC236}">
+                  <a16:creationId xmlns:a16="http://schemas.microsoft.com/office/drawing/2014/main" id="{0A0615C6-087E-67BA-84B8-580C2E826E9F}"/>
+                </a:ext>
+              </a:extLst>
+            </p:cNvPr>
+            <p:cNvSpPr/>
+            <p:nvPr/>
+          </p:nvSpPr>
+          <p:spPr>
+            <a:xfrm>
+              <a:off x="9336024" y="1048512"/>
+              <a:ext cx="908304" cy="91440"/>
+            </a:xfrm>
+            <a:prstGeom prst="rect">
+              <a:avLst/>
+            </a:prstGeom>
+            <a:solidFill>
+              <a:schemeClr val="bg2">
+                <a:lumMod val="50000"/>
+              </a:schemeClr>
+            </a:solidFill>
+            <a:ln>
+              <a:solidFill>
+                <a:schemeClr val="tx1"/>
+              </a:solidFill>
+            </a:ln>
+          </p:spPr>
+          <p:style>
+            <a:lnRef idx="2">
+              <a:schemeClr val="accent1">
+                <a:shade val="50000"/>
+              </a:schemeClr>
+            </a:lnRef>
+            <a:fillRef idx="1">
+              <a:schemeClr val="accent1"/>
+            </a:fillRef>
+            <a:effectRef idx="0">
+              <a:schemeClr val="accent1"/>
+            </a:effectRef>
+            <a:fontRef idx="minor">
+              <a:schemeClr val="lt1"/>
+            </a:fontRef>
+          </p:style>
+          <p:txBody>
+            <a:bodyPr rtlCol="0" anchor="ctr"/>
+            <a:lstStyle/>
+            <a:p>
+              <a:pPr algn="ctr"/>
+              <a:endParaRPr lang="en-US">
+                <a:latin typeface="Times New Roman" panose="02020603050405020304" pitchFamily="18" charset="0"/>
+                <a:cs typeface="Times New Roman" panose="02020603050405020304" pitchFamily="18" charset="0"/>
+              </a:endParaRPr>
+            </a:p>
+          </p:txBody>
+        </p:sp>
+        <p:sp>
+          <p:nvSpPr>
+            <p:cNvPr id="26" name="Rectangle 25">
+              <a:extLst>
+                <a:ext uri="{FF2B5EF4-FFF2-40B4-BE49-F238E27FC236}">
+                  <a16:creationId xmlns:a16="http://schemas.microsoft.com/office/drawing/2014/main" id="{48792312-9CA2-8998-83A8-29D156815D47}"/>
+                </a:ext>
+              </a:extLst>
+            </p:cNvPr>
+            <p:cNvSpPr/>
+            <p:nvPr/>
+          </p:nvSpPr>
+          <p:spPr>
+            <a:xfrm rot="4472091">
+              <a:off x="8758238" y="676275"/>
+              <a:ext cx="90487" cy="1138238"/>
+            </a:xfrm>
+            <a:prstGeom prst="rect">
+              <a:avLst/>
+            </a:prstGeom>
+            <a:solidFill>
+              <a:schemeClr val="bg2">
+                <a:lumMod val="50000"/>
+              </a:schemeClr>
+            </a:solidFill>
+            <a:ln>
+              <a:solidFill>
+                <a:schemeClr val="tx1"/>
+              </a:solidFill>
+            </a:ln>
+          </p:spPr>
+          <p:style>
+            <a:lnRef idx="2">
+              <a:schemeClr val="accent1">
+                <a:shade val="50000"/>
+              </a:schemeClr>
+            </a:lnRef>
+            <a:fillRef idx="1">
+              <a:schemeClr val="accent1"/>
+            </a:fillRef>
+            <a:effectRef idx="0">
+              <a:schemeClr val="accent1"/>
+            </a:effectRef>
+            <a:fontRef idx="minor">
+              <a:schemeClr val="lt1"/>
+            </a:fontRef>
+          </p:style>
+          <p:txBody>
+            <a:bodyPr rtlCol="0" anchor="ctr"/>
+            <a:lstStyle/>
+            <a:p>
+              <a:pPr algn="ctr"/>
+              <a:endParaRPr lang="en-US">
+                <a:latin typeface="Times New Roman" panose="02020603050405020304" pitchFamily="18" charset="0"/>
+                <a:cs typeface="Times New Roman" panose="02020603050405020304" pitchFamily="18" charset="0"/>
+              </a:endParaRPr>
+            </a:p>
+          </p:txBody>
+        </p:sp>
+        <p:sp>
+          <p:nvSpPr>
+            <p:cNvPr id="27" name="Rectangle 26">
+              <a:extLst>
+                <a:ext uri="{FF2B5EF4-FFF2-40B4-BE49-F238E27FC236}">
+                  <a16:creationId xmlns:a16="http://schemas.microsoft.com/office/drawing/2014/main" id="{7D219E2B-B3D9-5373-61CE-3C207FC6D989}"/>
+                </a:ext>
+              </a:extLst>
+            </p:cNvPr>
+            <p:cNvSpPr/>
+            <p:nvPr/>
+          </p:nvSpPr>
+          <p:spPr>
+            <a:xfrm rot="17127909" flipH="1">
+              <a:off x="10739715" y="676276"/>
+              <a:ext cx="90487" cy="1138238"/>
+            </a:xfrm>
+            <a:prstGeom prst="rect">
+              <a:avLst/>
+            </a:prstGeom>
+            <a:solidFill>
+              <a:schemeClr val="bg2">
+                <a:lumMod val="50000"/>
+              </a:schemeClr>
+            </a:solidFill>
+            <a:ln>
+              <a:solidFill>
+                <a:schemeClr val="tx1"/>
+              </a:solidFill>
+            </a:ln>
+          </p:spPr>
+          <p:style>
+            <a:lnRef idx="2">
+              <a:schemeClr val="accent1">
+                <a:shade val="50000"/>
+              </a:schemeClr>
+            </a:lnRef>
+            <a:fillRef idx="1">
+              <a:schemeClr val="accent1"/>
+            </a:fillRef>
+            <a:effectRef idx="0">
+              <a:schemeClr val="accent1"/>
+            </a:effectRef>
+            <a:fontRef idx="minor">
+              <a:schemeClr val="lt1"/>
+            </a:fontRef>
+          </p:style>
+          <p:txBody>
+            <a:bodyPr rtlCol="0" anchor="ctr"/>
+            <a:lstStyle/>
+            <a:p>
+              <a:pPr algn="ctr"/>
+              <a:endParaRPr lang="en-US">
+                <a:latin typeface="Times New Roman" panose="02020603050405020304" pitchFamily="18" charset="0"/>
+                <a:cs typeface="Times New Roman" panose="02020603050405020304" pitchFamily="18" charset="0"/>
+              </a:endParaRPr>
+            </a:p>
+          </p:txBody>
+        </p:sp>
+      </p:grpSp>
+    </p:spTree>
+    <p:extLst>
+      <p:ext uri="{BB962C8B-B14F-4D97-AF65-F5344CB8AC3E}">
+        <p14:creationId xmlns:p14="http://schemas.microsoft.com/office/powerpoint/2010/main" val="59299419"/>
+      </p:ext>
+    </p:extLst>
+  </p:cSld>
+  <p:clrMapOvr>
+    <a:masterClrMapping/>
+  </p:clrMapOvr>
+</p:sld>
+</file>
+
+<file path=ppt/slides/slide9.xml><?xml version="1.0" encoding="utf-8"?>
+<p:sld xmlns:a="http://schemas.openxmlformats.org/drawingml/2006/main" xmlns:r="http://schemas.openxmlformats.org/officeDocument/2006/relationships" xmlns:p="http://schemas.openxmlformats.org/presentationml/2006/main">
+  <p:cSld>
+    <p:spTree>
+      <p:nvGrpSpPr>
+        <p:cNvPr id="1" name=""/>
+        <p:cNvGrpSpPr/>
+        <p:nvPr/>
+      </p:nvGrpSpPr>
+      <p:grpSpPr>
+        <a:xfrm>
+          <a:off x="0" y="0"/>
+          <a:ext cx="0" cy="0"/>
+          <a:chOff x="0" y="0"/>
+          <a:chExt cx="0" cy="0"/>
+        </a:xfrm>
+      </p:grpSpPr>
+      <p:grpSp>
+        <p:nvGrpSpPr>
+          <p:cNvPr id="4" name="Group 3">
+            <a:extLst>
+              <a:ext uri="{FF2B5EF4-FFF2-40B4-BE49-F238E27FC236}">
+                <a16:creationId xmlns:a16="http://schemas.microsoft.com/office/drawing/2014/main" id="{8B56D9AB-0A67-7E0B-225E-718B21F6A7FD}"/>
+              </a:ext>
+            </a:extLst>
+          </p:cNvPr>
+          <p:cNvGrpSpPr/>
+          <p:nvPr/>
+        </p:nvGrpSpPr>
+        <p:grpSpPr>
+          <a:xfrm>
+            <a:off x="161507" y="252877"/>
+            <a:ext cx="3119715" cy="242126"/>
+            <a:chOff x="8234363" y="1048512"/>
+            <a:chExt cx="3119715" cy="242126"/>
+          </a:xfrm>
+        </p:grpSpPr>
+        <p:sp>
+          <p:nvSpPr>
+            <p:cNvPr id="5" name="Rectangle 4">
+              <a:extLst>
+                <a:ext uri="{FF2B5EF4-FFF2-40B4-BE49-F238E27FC236}">
+                  <a16:creationId xmlns:a16="http://schemas.microsoft.com/office/drawing/2014/main" id="{0EFE22F7-92B8-7BBF-45D6-EC54172144E4}"/>
+                </a:ext>
+              </a:extLst>
+            </p:cNvPr>
+            <p:cNvSpPr/>
+            <p:nvPr/>
+          </p:nvSpPr>
+          <p:spPr>
+            <a:xfrm>
+              <a:off x="9336024" y="1048512"/>
+              <a:ext cx="908304" cy="91440"/>
+            </a:xfrm>
+            <a:prstGeom prst="rect">
+              <a:avLst/>
+            </a:prstGeom>
+            <a:solidFill>
+              <a:schemeClr val="bg2">
+                <a:lumMod val="50000"/>
+              </a:schemeClr>
+            </a:solidFill>
+            <a:ln>
+              <a:solidFill>
+                <a:schemeClr val="tx1"/>
+              </a:solidFill>
+            </a:ln>
+          </p:spPr>
+          <p:style>
+            <a:lnRef idx="2">
+              <a:schemeClr val="accent1">
+                <a:shade val="50000"/>
+              </a:schemeClr>
+            </a:lnRef>
+            <a:fillRef idx="1">
+              <a:schemeClr val="accent1"/>
+            </a:fillRef>
+            <a:effectRef idx="0">
+              <a:schemeClr val="accent1"/>
+            </a:effectRef>
+            <a:fontRef idx="minor">
+              <a:schemeClr val="lt1"/>
+            </a:fontRef>
+          </p:style>
+          <p:txBody>
+            <a:bodyPr rtlCol="0" anchor="ctr"/>
+            <a:lstStyle/>
+            <a:p>
+              <a:pPr algn="ctr"/>
+              <a:endParaRPr lang="en-US">
+                <a:latin typeface="Times New Roman" panose="02020603050405020304" pitchFamily="18" charset="0"/>
+                <a:cs typeface="Times New Roman" panose="02020603050405020304" pitchFamily="18" charset="0"/>
+              </a:endParaRPr>
+            </a:p>
+          </p:txBody>
+        </p:sp>
+        <p:sp>
+          <p:nvSpPr>
+            <p:cNvPr id="6" name="Rectangle 5">
+              <a:extLst>
+                <a:ext uri="{FF2B5EF4-FFF2-40B4-BE49-F238E27FC236}">
+                  <a16:creationId xmlns:a16="http://schemas.microsoft.com/office/drawing/2014/main" id="{42039037-459B-5D64-152E-F4FC92BAB4D1}"/>
+                </a:ext>
+              </a:extLst>
+            </p:cNvPr>
+            <p:cNvSpPr/>
+            <p:nvPr/>
+          </p:nvSpPr>
+          <p:spPr>
+            <a:xfrm rot="4472091">
+              <a:off x="8758238" y="676275"/>
+              <a:ext cx="90487" cy="1138238"/>
+            </a:xfrm>
+            <a:prstGeom prst="rect">
+              <a:avLst/>
+            </a:prstGeom>
+            <a:solidFill>
+              <a:schemeClr val="bg2">
+                <a:lumMod val="50000"/>
+              </a:schemeClr>
+            </a:solidFill>
+            <a:ln>
+              <a:solidFill>
+                <a:schemeClr val="tx1"/>
+              </a:solidFill>
+            </a:ln>
+          </p:spPr>
+          <p:style>
+            <a:lnRef idx="2">
+              <a:schemeClr val="accent1">
+                <a:shade val="50000"/>
+              </a:schemeClr>
+            </a:lnRef>
+            <a:fillRef idx="1">
+              <a:schemeClr val="accent1"/>
+            </a:fillRef>
+            <a:effectRef idx="0">
+              <a:schemeClr val="accent1"/>
+            </a:effectRef>
+            <a:fontRef idx="minor">
+              <a:schemeClr val="lt1"/>
+            </a:fontRef>
+          </p:style>
+          <p:txBody>
+            <a:bodyPr rtlCol="0" anchor="ctr"/>
+            <a:lstStyle/>
+            <a:p>
+              <a:pPr algn="ctr"/>
+              <a:endParaRPr lang="en-US">
+                <a:latin typeface="Times New Roman" panose="02020603050405020304" pitchFamily="18" charset="0"/>
+                <a:cs typeface="Times New Roman" panose="02020603050405020304" pitchFamily="18" charset="0"/>
+              </a:endParaRPr>
+            </a:p>
+          </p:txBody>
+        </p:sp>
+        <p:sp>
+          <p:nvSpPr>
+            <p:cNvPr id="7" name="Rectangle 6">
+              <a:extLst>
+                <a:ext uri="{FF2B5EF4-FFF2-40B4-BE49-F238E27FC236}">
+                  <a16:creationId xmlns:a16="http://schemas.microsoft.com/office/drawing/2014/main" id="{88394AD7-A95D-7763-1806-C31849D19A32}"/>
+                </a:ext>
+              </a:extLst>
+            </p:cNvPr>
+            <p:cNvSpPr/>
+            <p:nvPr/>
+          </p:nvSpPr>
+          <p:spPr>
+            <a:xfrm rot="17127909" flipH="1">
+              <a:off x="10739715" y="676276"/>
+              <a:ext cx="90487" cy="1138238"/>
+            </a:xfrm>
+            <a:prstGeom prst="rect">
+              <a:avLst/>
+            </a:prstGeom>
+            <a:solidFill>
+              <a:schemeClr val="bg2">
+                <a:lumMod val="50000"/>
+              </a:schemeClr>
+            </a:solidFill>
+            <a:ln>
+              <a:solidFill>
+                <a:schemeClr val="tx1"/>
+              </a:solidFill>
+            </a:ln>
+          </p:spPr>
+          <p:style>
+            <a:lnRef idx="2">
+              <a:schemeClr val="accent1">
+                <a:shade val="50000"/>
+              </a:schemeClr>
+            </a:lnRef>
+            <a:fillRef idx="1">
+              <a:schemeClr val="accent1"/>
+            </a:fillRef>
+            <a:effectRef idx="0">
+              <a:schemeClr val="accent1"/>
+            </a:effectRef>
+            <a:fontRef idx="minor">
+              <a:schemeClr val="lt1"/>
+            </a:fontRef>
+          </p:style>
+          <p:txBody>
+            <a:bodyPr rtlCol="0" anchor="ctr"/>
+            <a:lstStyle/>
+            <a:p>
+              <a:pPr algn="ctr"/>
+              <a:endParaRPr lang="en-US">
+                <a:latin typeface="Times New Roman" panose="02020603050405020304" pitchFamily="18" charset="0"/>
+                <a:cs typeface="Times New Roman" panose="02020603050405020304" pitchFamily="18" charset="0"/>
+              </a:endParaRPr>
+            </a:p>
+          </p:txBody>
+        </p:sp>
+      </p:grpSp>
+      <p:grpSp>
+        <p:nvGrpSpPr>
+          <p:cNvPr id="8" name="Group 7">
+            <a:extLst>
+              <a:ext uri="{FF2B5EF4-FFF2-40B4-BE49-F238E27FC236}">
+                <a16:creationId xmlns:a16="http://schemas.microsoft.com/office/drawing/2014/main" id="{35A33205-741D-938A-9FB5-FB784510E479}"/>
+              </a:ext>
+            </a:extLst>
+          </p:cNvPr>
+          <p:cNvGrpSpPr/>
+          <p:nvPr/>
+        </p:nvGrpSpPr>
+        <p:grpSpPr>
+          <a:xfrm rot="10800000">
+            <a:off x="152965" y="776276"/>
+            <a:ext cx="3119715" cy="242126"/>
+            <a:chOff x="8234363" y="1048512"/>
+            <a:chExt cx="3119715" cy="242126"/>
+          </a:xfrm>
+        </p:grpSpPr>
+        <p:sp>
+          <p:nvSpPr>
+            <p:cNvPr id="9" name="Rectangle 8">
+              <a:extLst>
+                <a:ext uri="{FF2B5EF4-FFF2-40B4-BE49-F238E27FC236}">
+                  <a16:creationId xmlns:a16="http://schemas.microsoft.com/office/drawing/2014/main" id="{5125673C-3038-7F69-B7D3-D667EAC276AC}"/>
+                </a:ext>
+              </a:extLst>
+            </p:cNvPr>
+            <p:cNvSpPr/>
+            <p:nvPr/>
+          </p:nvSpPr>
+          <p:spPr>
+            <a:xfrm>
+              <a:off x="9336024" y="1048512"/>
+              <a:ext cx="908304" cy="91440"/>
+            </a:xfrm>
+            <a:prstGeom prst="rect">
+              <a:avLst/>
+            </a:prstGeom>
+            <a:solidFill>
+              <a:schemeClr val="bg2">
+                <a:lumMod val="50000"/>
+              </a:schemeClr>
+            </a:solidFill>
+            <a:ln>
+              <a:solidFill>
+                <a:schemeClr val="tx1"/>
+              </a:solidFill>
+            </a:ln>
+          </p:spPr>
+          <p:style>
+            <a:lnRef idx="2">
+              <a:schemeClr val="accent1">
+                <a:shade val="50000"/>
+              </a:schemeClr>
+            </a:lnRef>
+            <a:fillRef idx="1">
+              <a:schemeClr val="accent1"/>
+            </a:fillRef>
+            <a:effectRef idx="0">
+              <a:schemeClr val="accent1"/>
+            </a:effectRef>
+            <a:fontRef idx="minor">
+              <a:schemeClr val="lt1"/>
+            </a:fontRef>
+          </p:style>
+          <p:txBody>
+            <a:bodyPr rtlCol="0" anchor="ctr"/>
+            <a:lstStyle/>
+            <a:p>
+              <a:pPr algn="ctr"/>
+              <a:endParaRPr lang="en-US">
+                <a:latin typeface="Times New Roman" panose="02020603050405020304" pitchFamily="18" charset="0"/>
+                <a:cs typeface="Times New Roman" panose="02020603050405020304" pitchFamily="18" charset="0"/>
+              </a:endParaRPr>
+            </a:p>
+          </p:txBody>
+        </p:sp>
+        <p:sp>
+          <p:nvSpPr>
+            <p:cNvPr id="10" name="Rectangle 9">
+              <a:extLst>
+                <a:ext uri="{FF2B5EF4-FFF2-40B4-BE49-F238E27FC236}">
+                  <a16:creationId xmlns:a16="http://schemas.microsoft.com/office/drawing/2014/main" id="{CD64B35A-0A5F-1B14-B771-E32707E1496E}"/>
+                </a:ext>
+              </a:extLst>
+            </p:cNvPr>
+            <p:cNvSpPr/>
+            <p:nvPr/>
+          </p:nvSpPr>
+          <p:spPr>
+            <a:xfrm rot="4472091">
+              <a:off x="8758238" y="676275"/>
+              <a:ext cx="90487" cy="1138238"/>
+            </a:xfrm>
+            <a:prstGeom prst="rect">
+              <a:avLst/>
+            </a:prstGeom>
+            <a:solidFill>
+              <a:schemeClr val="bg2">
+                <a:lumMod val="50000"/>
+              </a:schemeClr>
+            </a:solidFill>
+            <a:ln>
+              <a:solidFill>
+                <a:schemeClr val="tx1"/>
+              </a:solidFill>
+            </a:ln>
+          </p:spPr>
+          <p:style>
+            <a:lnRef idx="2">
+              <a:schemeClr val="accent1">
+                <a:shade val="50000"/>
+              </a:schemeClr>
+            </a:lnRef>
+            <a:fillRef idx="1">
+              <a:schemeClr val="accent1"/>
+            </a:fillRef>
+            <a:effectRef idx="0">
+              <a:schemeClr val="accent1"/>
+            </a:effectRef>
+            <a:fontRef idx="minor">
+              <a:schemeClr val="lt1"/>
+            </a:fontRef>
+          </p:style>
+          <p:txBody>
+            <a:bodyPr rtlCol="0" anchor="ctr"/>
+            <a:lstStyle/>
+            <a:p>
+              <a:pPr algn="ctr"/>
+              <a:endParaRPr lang="en-US">
+                <a:latin typeface="Times New Roman" panose="02020603050405020304" pitchFamily="18" charset="0"/>
+                <a:cs typeface="Times New Roman" panose="02020603050405020304" pitchFamily="18" charset="0"/>
+              </a:endParaRPr>
+            </a:p>
+          </p:txBody>
+        </p:sp>
+        <p:sp>
+          <p:nvSpPr>
+            <p:cNvPr id="11" name="Rectangle 10">
+              <a:extLst>
+                <a:ext uri="{FF2B5EF4-FFF2-40B4-BE49-F238E27FC236}">
+                  <a16:creationId xmlns:a16="http://schemas.microsoft.com/office/drawing/2014/main" id="{59042EA0-7588-0E59-FA09-B79162A8ED39}"/>
+                </a:ext>
+              </a:extLst>
+            </p:cNvPr>
+            <p:cNvSpPr/>
+            <p:nvPr/>
+          </p:nvSpPr>
+          <p:spPr>
+            <a:xfrm rot="17127909" flipH="1">
+              <a:off x="10739715" y="676276"/>
+              <a:ext cx="90487" cy="1138238"/>
+            </a:xfrm>
+            <a:prstGeom prst="rect">
+              <a:avLst/>
+            </a:prstGeom>
+            <a:solidFill>
+              <a:schemeClr val="bg2">
+                <a:lumMod val="50000"/>
+              </a:schemeClr>
+            </a:solidFill>
+            <a:ln>
+              <a:solidFill>
+                <a:schemeClr val="tx1"/>
+              </a:solidFill>
+            </a:ln>
+          </p:spPr>
+          <p:style>
+            <a:lnRef idx="2">
+              <a:schemeClr val="accent1">
+                <a:shade val="50000"/>
+              </a:schemeClr>
+            </a:lnRef>
+            <a:fillRef idx="1">
+              <a:schemeClr val="accent1"/>
+            </a:fillRef>
+            <a:effectRef idx="0">
+              <a:schemeClr val="accent1"/>
+            </a:effectRef>
+            <a:fontRef idx="minor">
+              <a:schemeClr val="lt1"/>
+            </a:fontRef>
+          </p:style>
+          <p:txBody>
+            <a:bodyPr rtlCol="0" anchor="ctr"/>
+            <a:lstStyle/>
+            <a:p>
+              <a:pPr algn="ctr"/>
+              <a:endParaRPr lang="en-US">
+                <a:latin typeface="Times New Roman" panose="02020603050405020304" pitchFamily="18" charset="0"/>
+                <a:cs typeface="Times New Roman" panose="02020603050405020304" pitchFamily="18" charset="0"/>
+              </a:endParaRPr>
+            </a:p>
+          </p:txBody>
+        </p:sp>
+      </p:grpSp>
+      <p:grpSp>
+        <p:nvGrpSpPr>
+          <p:cNvPr id="12" name="Group 11">
+            <a:extLst>
+              <a:ext uri="{FF2B5EF4-FFF2-40B4-BE49-F238E27FC236}">
+                <a16:creationId xmlns:a16="http://schemas.microsoft.com/office/drawing/2014/main" id="{7B6885E0-9149-A5E6-6843-0AD4BEB5C533}"/>
+              </a:ext>
+            </a:extLst>
+          </p:cNvPr>
+          <p:cNvGrpSpPr/>
+          <p:nvPr/>
+        </p:nvGrpSpPr>
+        <p:grpSpPr>
+          <a:xfrm rot="10800000">
+            <a:off x="165550" y="860116"/>
+            <a:ext cx="3119715" cy="242126"/>
+            <a:chOff x="8234363" y="1048512"/>
+            <a:chExt cx="3119715" cy="242126"/>
+          </a:xfrm>
+        </p:grpSpPr>
+        <p:sp>
+          <p:nvSpPr>
+            <p:cNvPr id="13" name="Rectangle 12">
+              <a:extLst>
+                <a:ext uri="{FF2B5EF4-FFF2-40B4-BE49-F238E27FC236}">
+                  <a16:creationId xmlns:a16="http://schemas.microsoft.com/office/drawing/2014/main" id="{C18FB3F0-78AF-D945-67D3-D9893990BEFE}"/>
+                </a:ext>
+              </a:extLst>
+            </p:cNvPr>
+            <p:cNvSpPr/>
+            <p:nvPr/>
+          </p:nvSpPr>
+          <p:spPr>
+            <a:xfrm>
+              <a:off x="9336024" y="1048512"/>
+              <a:ext cx="908304" cy="91440"/>
+            </a:xfrm>
+            <a:prstGeom prst="rect">
+              <a:avLst/>
+            </a:prstGeom>
+            <a:solidFill>
+              <a:schemeClr val="bg2">
+                <a:lumMod val="50000"/>
+              </a:schemeClr>
+            </a:solidFill>
+            <a:ln>
+              <a:solidFill>
+                <a:schemeClr val="tx1"/>
+              </a:solidFill>
+            </a:ln>
+          </p:spPr>
+          <p:style>
+            <a:lnRef idx="2">
+              <a:schemeClr val="accent1">
+                <a:shade val="50000"/>
+              </a:schemeClr>
+            </a:lnRef>
+            <a:fillRef idx="1">
+              <a:schemeClr val="accent1"/>
+            </a:fillRef>
+            <a:effectRef idx="0">
+              <a:schemeClr val="accent1"/>
+            </a:effectRef>
+            <a:fontRef idx="minor">
+              <a:schemeClr val="lt1"/>
+            </a:fontRef>
+          </p:style>
+          <p:txBody>
+            <a:bodyPr rtlCol="0" anchor="ctr"/>
+            <a:lstStyle/>
+            <a:p>
+              <a:pPr algn="ctr"/>
+              <a:endParaRPr lang="en-US">
+                <a:latin typeface="Times New Roman" panose="02020603050405020304" pitchFamily="18" charset="0"/>
+                <a:cs typeface="Times New Roman" panose="02020603050405020304" pitchFamily="18" charset="0"/>
+              </a:endParaRPr>
+            </a:p>
+          </p:txBody>
+        </p:sp>
+        <p:sp>
+          <p:nvSpPr>
+            <p:cNvPr id="14" name="Rectangle 13">
+              <a:extLst>
+                <a:ext uri="{FF2B5EF4-FFF2-40B4-BE49-F238E27FC236}">
+                  <a16:creationId xmlns:a16="http://schemas.microsoft.com/office/drawing/2014/main" id="{65D59950-8FC3-4FBB-5B68-716F5B323A0B}"/>
+                </a:ext>
+              </a:extLst>
+            </p:cNvPr>
+            <p:cNvSpPr/>
+            <p:nvPr/>
+          </p:nvSpPr>
+          <p:spPr>
+            <a:xfrm rot="4472091">
+              <a:off x="8758238" y="676275"/>
+              <a:ext cx="90487" cy="1138238"/>
+            </a:xfrm>
+            <a:prstGeom prst="rect">
+              <a:avLst/>
+            </a:prstGeom>
+            <a:solidFill>
+              <a:schemeClr val="bg2">
+                <a:lumMod val="50000"/>
+              </a:schemeClr>
+            </a:solidFill>
+            <a:ln>
+              <a:solidFill>
+                <a:schemeClr val="tx1"/>
+              </a:solidFill>
+            </a:ln>
+          </p:spPr>
+          <p:style>
+            <a:lnRef idx="2">
+              <a:schemeClr val="accent1">
+                <a:shade val="50000"/>
+              </a:schemeClr>
+            </a:lnRef>
+            <a:fillRef idx="1">
+              <a:schemeClr val="accent1"/>
+            </a:fillRef>
+            <a:effectRef idx="0">
+              <a:schemeClr val="accent1"/>
+            </a:effectRef>
+            <a:fontRef idx="minor">
+              <a:schemeClr val="lt1"/>
+            </a:fontRef>
+          </p:style>
+          <p:txBody>
+            <a:bodyPr rtlCol="0" anchor="ctr"/>
+            <a:lstStyle/>
+            <a:p>
+              <a:pPr algn="ctr"/>
+              <a:endParaRPr lang="en-US">
+                <a:latin typeface="Times New Roman" panose="02020603050405020304" pitchFamily="18" charset="0"/>
+                <a:cs typeface="Times New Roman" panose="02020603050405020304" pitchFamily="18" charset="0"/>
+              </a:endParaRPr>
+            </a:p>
+          </p:txBody>
+        </p:sp>
+        <p:sp>
+          <p:nvSpPr>
+            <p:cNvPr id="15" name="Rectangle 14">
+              <a:extLst>
+                <a:ext uri="{FF2B5EF4-FFF2-40B4-BE49-F238E27FC236}">
+                  <a16:creationId xmlns:a16="http://schemas.microsoft.com/office/drawing/2014/main" id="{FFA94DD3-EE75-C2DF-C64F-2E71E4E798A9}"/>
+                </a:ext>
+              </a:extLst>
+            </p:cNvPr>
+            <p:cNvSpPr/>
+            <p:nvPr/>
+          </p:nvSpPr>
+          <p:spPr>
+            <a:xfrm rot="17127909" flipH="1">
+              <a:off x="10739715" y="676276"/>
+              <a:ext cx="90487" cy="1138238"/>
+            </a:xfrm>
+            <a:prstGeom prst="rect">
+              <a:avLst/>
+            </a:prstGeom>
+            <a:solidFill>
+              <a:schemeClr val="bg2">
+                <a:lumMod val="50000"/>
+              </a:schemeClr>
+            </a:solidFill>
+            <a:ln>
+              <a:solidFill>
+                <a:schemeClr val="tx1"/>
+              </a:solidFill>
+            </a:ln>
+          </p:spPr>
+          <p:style>
+            <a:lnRef idx="2">
+              <a:schemeClr val="accent1">
+                <a:shade val="50000"/>
+              </a:schemeClr>
+            </a:lnRef>
+            <a:fillRef idx="1">
+              <a:schemeClr val="accent1"/>
+            </a:fillRef>
+            <a:effectRef idx="0">
+              <a:schemeClr val="accent1"/>
+            </a:effectRef>
+            <a:fontRef idx="minor">
+              <a:schemeClr val="lt1"/>
+            </a:fontRef>
+          </p:style>
+          <p:txBody>
+            <a:bodyPr rtlCol="0" anchor="ctr"/>
+            <a:lstStyle/>
+            <a:p>
+              <a:pPr algn="ctr"/>
+              <a:endParaRPr lang="en-US">
+                <a:latin typeface="Times New Roman" panose="02020603050405020304" pitchFamily="18" charset="0"/>
+                <a:cs typeface="Times New Roman" panose="02020603050405020304" pitchFamily="18" charset="0"/>
+              </a:endParaRPr>
+            </a:p>
+          </p:txBody>
+        </p:sp>
+      </p:grpSp>
+      <p:grpSp>
+        <p:nvGrpSpPr>
+          <p:cNvPr id="16" name="Group 15">
+            <a:extLst>
+              <a:ext uri="{FF2B5EF4-FFF2-40B4-BE49-F238E27FC236}">
+                <a16:creationId xmlns:a16="http://schemas.microsoft.com/office/drawing/2014/main" id="{0ED0574E-CAF4-D5C4-BDD4-59E8A4B296AB}"/>
+              </a:ext>
+            </a:extLst>
+          </p:cNvPr>
+          <p:cNvGrpSpPr/>
+          <p:nvPr/>
+        </p:nvGrpSpPr>
+        <p:grpSpPr>
+          <a:xfrm>
+            <a:off x="165550" y="157832"/>
+            <a:ext cx="3119715" cy="242126"/>
+            <a:chOff x="8234363" y="1048512"/>
+            <a:chExt cx="3119715" cy="242126"/>
+          </a:xfrm>
+        </p:grpSpPr>
+        <p:sp>
+          <p:nvSpPr>
+            <p:cNvPr id="17" name="Rectangle 16">
+              <a:extLst>
+                <a:ext uri="{FF2B5EF4-FFF2-40B4-BE49-F238E27FC236}">
+                  <a16:creationId xmlns:a16="http://schemas.microsoft.com/office/drawing/2014/main" id="{DE43A4CB-E8EE-6BBF-C20E-EE1858B0C815}"/>
+                </a:ext>
+              </a:extLst>
+            </p:cNvPr>
+            <p:cNvSpPr/>
+            <p:nvPr/>
+          </p:nvSpPr>
+          <p:spPr>
+            <a:xfrm>
+              <a:off x="9336024" y="1048512"/>
+              <a:ext cx="908304" cy="91440"/>
+            </a:xfrm>
+            <a:prstGeom prst="rect">
+              <a:avLst/>
+            </a:prstGeom>
+            <a:solidFill>
+              <a:schemeClr val="bg2">
+                <a:lumMod val="50000"/>
+              </a:schemeClr>
+            </a:solidFill>
+            <a:ln>
+              <a:solidFill>
+                <a:schemeClr val="tx1"/>
+              </a:solidFill>
+            </a:ln>
+          </p:spPr>
+          <p:style>
+            <a:lnRef idx="2">
+              <a:schemeClr val="accent1">
+                <a:shade val="50000"/>
+              </a:schemeClr>
+            </a:lnRef>
+            <a:fillRef idx="1">
+              <a:schemeClr val="accent1"/>
+            </a:fillRef>
+            <a:effectRef idx="0">
+              <a:schemeClr val="accent1"/>
+            </a:effectRef>
+            <a:fontRef idx="minor">
+              <a:schemeClr val="lt1"/>
+            </a:fontRef>
+          </p:style>
+          <p:txBody>
+            <a:bodyPr rtlCol="0" anchor="ctr"/>
+            <a:lstStyle/>
+            <a:p>
+              <a:pPr algn="ctr"/>
+              <a:endParaRPr lang="en-US">
+                <a:latin typeface="Times New Roman" panose="02020603050405020304" pitchFamily="18" charset="0"/>
+                <a:cs typeface="Times New Roman" panose="02020603050405020304" pitchFamily="18" charset="0"/>
+              </a:endParaRPr>
+            </a:p>
+          </p:txBody>
+        </p:sp>
+        <p:sp>
+          <p:nvSpPr>
+            <p:cNvPr id="18" name="Rectangle 17">
+              <a:extLst>
+                <a:ext uri="{FF2B5EF4-FFF2-40B4-BE49-F238E27FC236}">
+                  <a16:creationId xmlns:a16="http://schemas.microsoft.com/office/drawing/2014/main" id="{5353A879-651F-FBFA-E9BA-461473966180}"/>
+                </a:ext>
+              </a:extLst>
+            </p:cNvPr>
+            <p:cNvSpPr/>
+            <p:nvPr/>
+          </p:nvSpPr>
+          <p:spPr>
+            <a:xfrm rot="4472091">
+              <a:off x="8758238" y="676275"/>
+              <a:ext cx="90487" cy="1138238"/>
+            </a:xfrm>
+            <a:prstGeom prst="rect">
+              <a:avLst/>
+            </a:prstGeom>
+            <a:solidFill>
+              <a:schemeClr val="bg2">
+                <a:lumMod val="50000"/>
+              </a:schemeClr>
+            </a:solidFill>
+            <a:ln>
+              <a:solidFill>
+                <a:schemeClr val="tx1"/>
+              </a:solidFill>
+            </a:ln>
+          </p:spPr>
+          <p:style>
+            <a:lnRef idx="2">
+              <a:schemeClr val="accent1">
+                <a:shade val="50000"/>
+              </a:schemeClr>
+            </a:lnRef>
+            <a:fillRef idx="1">
+              <a:schemeClr val="accent1"/>
+            </a:fillRef>
+            <a:effectRef idx="0">
+              <a:schemeClr val="accent1"/>
+            </a:effectRef>
+            <a:fontRef idx="minor">
+              <a:schemeClr val="lt1"/>
+            </a:fontRef>
+          </p:style>
+          <p:txBody>
+            <a:bodyPr rtlCol="0" anchor="ctr"/>
+            <a:lstStyle/>
+            <a:p>
+              <a:pPr algn="ctr"/>
+              <a:endParaRPr lang="en-US">
+                <a:latin typeface="Times New Roman" panose="02020603050405020304" pitchFamily="18" charset="0"/>
+                <a:cs typeface="Times New Roman" panose="02020603050405020304" pitchFamily="18" charset="0"/>
+              </a:endParaRPr>
+            </a:p>
+          </p:txBody>
+        </p:sp>
+        <p:sp>
+          <p:nvSpPr>
+            <p:cNvPr id="19" name="Rectangle 18">
+              <a:extLst>
+                <a:ext uri="{FF2B5EF4-FFF2-40B4-BE49-F238E27FC236}">
+                  <a16:creationId xmlns:a16="http://schemas.microsoft.com/office/drawing/2014/main" id="{02D76D4B-985F-05E3-EE3A-2131692FC1E2}"/>
+                </a:ext>
+              </a:extLst>
+            </p:cNvPr>
+            <p:cNvSpPr/>
+            <p:nvPr/>
+          </p:nvSpPr>
+          <p:spPr>
+            <a:xfrm rot="17127909" flipH="1">
+              <a:off x="10739715" y="676276"/>
+              <a:ext cx="90487" cy="1138238"/>
+            </a:xfrm>
+            <a:prstGeom prst="rect">
+              <a:avLst/>
+            </a:prstGeom>
+            <a:solidFill>
+              <a:schemeClr val="bg2">
+                <a:lumMod val="50000"/>
+              </a:schemeClr>
+            </a:solidFill>
+            <a:ln>
+              <a:solidFill>
+                <a:schemeClr val="tx1"/>
+              </a:solidFill>
+            </a:ln>
+          </p:spPr>
+          <p:style>
+            <a:lnRef idx="2">
+              <a:schemeClr val="accent1">
+                <a:shade val="50000"/>
+              </a:schemeClr>
+            </a:lnRef>
+            <a:fillRef idx="1">
+              <a:schemeClr val="accent1"/>
+            </a:fillRef>
+            <a:effectRef idx="0">
+              <a:schemeClr val="accent1"/>
+            </a:effectRef>
+            <a:fontRef idx="minor">
+              <a:schemeClr val="lt1"/>
+            </a:fontRef>
+          </p:style>
+          <p:txBody>
+            <a:bodyPr rtlCol="0" anchor="ctr"/>
+            <a:lstStyle/>
+            <a:p>
+              <a:pPr algn="ctr"/>
+              <a:endParaRPr lang="en-US">
+                <a:latin typeface="Times New Roman" panose="02020603050405020304" pitchFamily="18" charset="0"/>
+                <a:cs typeface="Times New Roman" panose="02020603050405020304" pitchFamily="18" charset="0"/>
+              </a:endParaRPr>
+            </a:p>
+          </p:txBody>
+        </p:sp>
+      </p:grpSp>
+      <p:grpSp>
+        <p:nvGrpSpPr>
+          <p:cNvPr id="20" name="Group 19">
+            <a:extLst>
+              <a:ext uri="{FF2B5EF4-FFF2-40B4-BE49-F238E27FC236}">
+                <a16:creationId xmlns:a16="http://schemas.microsoft.com/office/drawing/2014/main" id="{6D3D81B3-0C77-6C63-1108-0341C4A4F885}"/>
+              </a:ext>
+            </a:extLst>
+          </p:cNvPr>
+          <p:cNvGrpSpPr/>
+          <p:nvPr/>
+        </p:nvGrpSpPr>
+        <p:grpSpPr>
+          <a:xfrm>
+            <a:off x="183277" y="1210815"/>
+            <a:ext cx="3119715" cy="242126"/>
+            <a:chOff x="8234363" y="1048512"/>
+            <a:chExt cx="3119715" cy="242126"/>
+          </a:xfrm>
+        </p:grpSpPr>
+        <p:sp>
+          <p:nvSpPr>
+            <p:cNvPr id="21" name="Rectangle 20">
+              <a:extLst>
+                <a:ext uri="{FF2B5EF4-FFF2-40B4-BE49-F238E27FC236}">
+                  <a16:creationId xmlns:a16="http://schemas.microsoft.com/office/drawing/2014/main" id="{EBA80073-97A8-A2C4-5F43-B4E7F002BDA2}"/>
+                </a:ext>
+              </a:extLst>
+            </p:cNvPr>
+            <p:cNvSpPr/>
+            <p:nvPr/>
+          </p:nvSpPr>
+          <p:spPr>
+            <a:xfrm>
+              <a:off x="9336024" y="1048512"/>
+              <a:ext cx="908304" cy="91440"/>
+            </a:xfrm>
+            <a:prstGeom prst="rect">
+              <a:avLst/>
+            </a:prstGeom>
+            <a:solidFill>
+              <a:schemeClr val="bg2">
+                <a:lumMod val="50000"/>
+              </a:schemeClr>
+            </a:solidFill>
+            <a:ln>
+              <a:solidFill>
+                <a:schemeClr val="tx1"/>
+              </a:solidFill>
+            </a:ln>
+          </p:spPr>
+          <p:style>
+            <a:lnRef idx="2">
+              <a:schemeClr val="accent1">
+                <a:shade val="50000"/>
+              </a:schemeClr>
+            </a:lnRef>
+            <a:fillRef idx="1">
+              <a:schemeClr val="accent1"/>
+            </a:fillRef>
+            <a:effectRef idx="0">
+              <a:schemeClr val="accent1"/>
+            </a:effectRef>
+            <a:fontRef idx="minor">
+              <a:schemeClr val="lt1"/>
+            </a:fontRef>
+          </p:style>
+          <p:txBody>
+            <a:bodyPr rtlCol="0" anchor="ctr"/>
+            <a:lstStyle/>
+            <a:p>
+              <a:pPr algn="ctr"/>
+              <a:endParaRPr lang="en-US">
+                <a:latin typeface="Times New Roman" panose="02020603050405020304" pitchFamily="18" charset="0"/>
+                <a:cs typeface="Times New Roman" panose="02020603050405020304" pitchFamily="18" charset="0"/>
+              </a:endParaRPr>
+            </a:p>
+          </p:txBody>
+        </p:sp>
+        <p:sp>
+          <p:nvSpPr>
+            <p:cNvPr id="22" name="Rectangle 21">
+              <a:extLst>
+                <a:ext uri="{FF2B5EF4-FFF2-40B4-BE49-F238E27FC236}">
+                  <a16:creationId xmlns:a16="http://schemas.microsoft.com/office/drawing/2014/main" id="{4D19BFDE-5D09-CCEE-DDEE-4CBE3E7FDEB9}"/>
+                </a:ext>
+              </a:extLst>
+            </p:cNvPr>
+            <p:cNvSpPr/>
+            <p:nvPr/>
+          </p:nvSpPr>
+          <p:spPr>
+            <a:xfrm rot="4472091">
+              <a:off x="8758238" y="676275"/>
+              <a:ext cx="90487" cy="1138238"/>
+            </a:xfrm>
+            <a:prstGeom prst="rect">
+              <a:avLst/>
+            </a:prstGeom>
+            <a:solidFill>
+              <a:schemeClr val="bg2">
+                <a:lumMod val="50000"/>
+              </a:schemeClr>
+            </a:solidFill>
+            <a:ln>
+              <a:solidFill>
+                <a:schemeClr val="tx1"/>
+              </a:solidFill>
+            </a:ln>
+          </p:spPr>
+          <p:style>
+            <a:lnRef idx="2">
+              <a:schemeClr val="accent1">
+                <a:shade val="50000"/>
+              </a:schemeClr>
+            </a:lnRef>
+            <a:fillRef idx="1">
+              <a:schemeClr val="accent1"/>
+            </a:fillRef>
+            <a:effectRef idx="0">
+              <a:schemeClr val="accent1"/>
+            </a:effectRef>
+            <a:fontRef idx="minor">
+              <a:schemeClr val="lt1"/>
+            </a:fontRef>
+          </p:style>
+          <p:txBody>
+            <a:bodyPr rtlCol="0" anchor="ctr"/>
+            <a:lstStyle/>
+            <a:p>
+              <a:pPr algn="ctr"/>
+              <a:endParaRPr lang="en-US">
+                <a:latin typeface="Times New Roman" panose="02020603050405020304" pitchFamily="18" charset="0"/>
+                <a:cs typeface="Times New Roman" panose="02020603050405020304" pitchFamily="18" charset="0"/>
+              </a:endParaRPr>
+            </a:p>
+          </p:txBody>
+        </p:sp>
+        <p:sp>
+          <p:nvSpPr>
+            <p:cNvPr id="23" name="Rectangle 22">
+              <a:extLst>
+                <a:ext uri="{FF2B5EF4-FFF2-40B4-BE49-F238E27FC236}">
+                  <a16:creationId xmlns:a16="http://schemas.microsoft.com/office/drawing/2014/main" id="{1526C5C0-E074-AA4F-6F03-F4E792F23B26}"/>
+                </a:ext>
+              </a:extLst>
+            </p:cNvPr>
+            <p:cNvSpPr/>
+            <p:nvPr/>
+          </p:nvSpPr>
+          <p:spPr>
+            <a:xfrm rot="17127909" flipH="1">
+              <a:off x="10739715" y="676276"/>
+              <a:ext cx="90487" cy="1138238"/>
+            </a:xfrm>
+            <a:prstGeom prst="rect">
+              <a:avLst/>
+            </a:prstGeom>
+            <a:solidFill>
+              <a:schemeClr val="bg2">
+                <a:lumMod val="50000"/>
+              </a:schemeClr>
+            </a:solidFill>
+            <a:ln>
+              <a:solidFill>
+                <a:schemeClr val="tx1"/>
+              </a:solidFill>
+            </a:ln>
+          </p:spPr>
+          <p:style>
+            <a:lnRef idx="2">
+              <a:schemeClr val="accent1">
+                <a:shade val="50000"/>
+              </a:schemeClr>
+            </a:lnRef>
+            <a:fillRef idx="1">
+              <a:schemeClr val="accent1"/>
+            </a:fillRef>
+            <a:effectRef idx="0">
+              <a:schemeClr val="accent1"/>
+            </a:effectRef>
+            <a:fontRef idx="minor">
+              <a:schemeClr val="lt1"/>
+            </a:fontRef>
+          </p:style>
+          <p:txBody>
+            <a:bodyPr rtlCol="0" anchor="ctr"/>
+            <a:lstStyle/>
+            <a:p>
+              <a:pPr algn="ctr"/>
+              <a:endParaRPr lang="en-US">
+                <a:latin typeface="Times New Roman" panose="02020603050405020304" pitchFamily="18" charset="0"/>
+                <a:cs typeface="Times New Roman" panose="02020603050405020304" pitchFamily="18" charset="0"/>
+              </a:endParaRPr>
+            </a:p>
+          </p:txBody>
+        </p:sp>
+      </p:grpSp>
+      <p:grpSp>
+        <p:nvGrpSpPr>
+          <p:cNvPr id="24" name="Group 23">
+            <a:extLst>
+              <a:ext uri="{FF2B5EF4-FFF2-40B4-BE49-F238E27FC236}">
+                <a16:creationId xmlns:a16="http://schemas.microsoft.com/office/drawing/2014/main" id="{B13821BE-ECC6-98F1-CEF9-A103E829715B}"/>
+              </a:ext>
+            </a:extLst>
+          </p:cNvPr>
+          <p:cNvGrpSpPr/>
+          <p:nvPr/>
+        </p:nvGrpSpPr>
+        <p:grpSpPr>
+          <a:xfrm rot="10800000">
+            <a:off x="174735" y="1734214"/>
+            <a:ext cx="3119715" cy="242126"/>
+            <a:chOff x="8234363" y="1048512"/>
+            <a:chExt cx="3119715" cy="242126"/>
+          </a:xfrm>
+        </p:grpSpPr>
+        <p:sp>
+          <p:nvSpPr>
+            <p:cNvPr id="25" name="Rectangle 24">
+              <a:extLst>
+                <a:ext uri="{FF2B5EF4-FFF2-40B4-BE49-F238E27FC236}">
+                  <a16:creationId xmlns:a16="http://schemas.microsoft.com/office/drawing/2014/main" id="{210C9EEE-49EF-B71F-52F3-EE0ABD9E2BDC}"/>
+                </a:ext>
+              </a:extLst>
+            </p:cNvPr>
+            <p:cNvSpPr/>
+            <p:nvPr/>
+          </p:nvSpPr>
+          <p:spPr>
+            <a:xfrm>
+              <a:off x="9336024" y="1048512"/>
+              <a:ext cx="908304" cy="91440"/>
+            </a:xfrm>
+            <a:prstGeom prst="rect">
+              <a:avLst/>
+            </a:prstGeom>
+            <a:solidFill>
+              <a:schemeClr val="bg2">
+                <a:lumMod val="50000"/>
+              </a:schemeClr>
+            </a:solidFill>
+            <a:ln>
+              <a:solidFill>
+                <a:schemeClr val="tx1"/>
+              </a:solidFill>
+            </a:ln>
+          </p:spPr>
+          <p:style>
+            <a:lnRef idx="2">
+              <a:schemeClr val="accent1">
+                <a:shade val="50000"/>
+              </a:schemeClr>
+            </a:lnRef>
+            <a:fillRef idx="1">
+              <a:schemeClr val="accent1"/>
+            </a:fillRef>
+            <a:effectRef idx="0">
+              <a:schemeClr val="accent1"/>
+            </a:effectRef>
+            <a:fontRef idx="minor">
+              <a:schemeClr val="lt1"/>
+            </a:fontRef>
+          </p:style>
+          <p:txBody>
+            <a:bodyPr rtlCol="0" anchor="ctr"/>
+            <a:lstStyle/>
+            <a:p>
+              <a:pPr algn="ctr"/>
+              <a:endParaRPr lang="en-US">
+                <a:latin typeface="Times New Roman" panose="02020603050405020304" pitchFamily="18" charset="0"/>
+                <a:cs typeface="Times New Roman" panose="02020603050405020304" pitchFamily="18" charset="0"/>
+              </a:endParaRPr>
+            </a:p>
+          </p:txBody>
+        </p:sp>
+        <p:sp>
+          <p:nvSpPr>
+            <p:cNvPr id="26" name="Rectangle 25">
+              <a:extLst>
+                <a:ext uri="{FF2B5EF4-FFF2-40B4-BE49-F238E27FC236}">
+                  <a16:creationId xmlns:a16="http://schemas.microsoft.com/office/drawing/2014/main" id="{43F321C5-2612-DBDC-27C8-B26E71A12663}"/>
+                </a:ext>
+              </a:extLst>
+            </p:cNvPr>
+            <p:cNvSpPr/>
+            <p:nvPr/>
+          </p:nvSpPr>
+          <p:spPr>
+            <a:xfrm rot="4472091">
+              <a:off x="8758238" y="676275"/>
+              <a:ext cx="90487" cy="1138238"/>
+            </a:xfrm>
+            <a:prstGeom prst="rect">
+              <a:avLst/>
+            </a:prstGeom>
+            <a:solidFill>
+              <a:schemeClr val="bg2">
+                <a:lumMod val="50000"/>
+              </a:schemeClr>
+            </a:solidFill>
+            <a:ln>
+              <a:solidFill>
+                <a:schemeClr val="tx1"/>
+              </a:solidFill>
+            </a:ln>
+          </p:spPr>
+          <p:style>
+            <a:lnRef idx="2">
+              <a:schemeClr val="accent1">
+                <a:shade val="50000"/>
+              </a:schemeClr>
+            </a:lnRef>
+            <a:fillRef idx="1">
+              <a:schemeClr val="accent1"/>
+            </a:fillRef>
+            <a:effectRef idx="0">
+              <a:schemeClr val="accent1"/>
+            </a:effectRef>
+            <a:fontRef idx="minor">
+              <a:schemeClr val="lt1"/>
+            </a:fontRef>
+          </p:style>
+          <p:txBody>
+            <a:bodyPr rtlCol="0" anchor="ctr"/>
+            <a:lstStyle/>
+            <a:p>
+              <a:pPr algn="ctr"/>
+              <a:endParaRPr lang="en-US">
+                <a:latin typeface="Times New Roman" panose="02020603050405020304" pitchFamily="18" charset="0"/>
+                <a:cs typeface="Times New Roman" panose="02020603050405020304" pitchFamily="18" charset="0"/>
+              </a:endParaRPr>
+            </a:p>
+          </p:txBody>
+        </p:sp>
+        <p:sp>
+          <p:nvSpPr>
+            <p:cNvPr id="27" name="Rectangle 26">
+              <a:extLst>
+                <a:ext uri="{FF2B5EF4-FFF2-40B4-BE49-F238E27FC236}">
+                  <a16:creationId xmlns:a16="http://schemas.microsoft.com/office/drawing/2014/main" id="{F17F6488-C2D9-8E68-DA63-F44AD140DAE4}"/>
+                </a:ext>
+              </a:extLst>
+            </p:cNvPr>
+            <p:cNvSpPr/>
+            <p:nvPr/>
+          </p:nvSpPr>
+          <p:spPr>
+            <a:xfrm rot="17127909" flipH="1">
+              <a:off x="10739715" y="676276"/>
+              <a:ext cx="90487" cy="1138238"/>
+            </a:xfrm>
+            <a:prstGeom prst="rect">
+              <a:avLst/>
+            </a:prstGeom>
+            <a:solidFill>
+              <a:schemeClr val="bg2">
+                <a:lumMod val="50000"/>
+              </a:schemeClr>
+            </a:solidFill>
+            <a:ln>
+              <a:solidFill>
+                <a:schemeClr val="tx1"/>
+              </a:solidFill>
+            </a:ln>
+          </p:spPr>
+          <p:style>
+            <a:lnRef idx="2">
+              <a:schemeClr val="accent1">
+                <a:shade val="50000"/>
+              </a:schemeClr>
+            </a:lnRef>
+            <a:fillRef idx="1">
+              <a:schemeClr val="accent1"/>
+            </a:fillRef>
+            <a:effectRef idx="0">
+              <a:schemeClr val="accent1"/>
+            </a:effectRef>
+            <a:fontRef idx="minor">
+              <a:schemeClr val="lt1"/>
+            </a:fontRef>
+          </p:style>
+          <p:txBody>
+            <a:bodyPr rtlCol="0" anchor="ctr"/>
+            <a:lstStyle/>
+            <a:p>
+              <a:pPr algn="ctr"/>
+              <a:endParaRPr lang="en-US">
+                <a:latin typeface="Times New Roman" panose="02020603050405020304" pitchFamily="18" charset="0"/>
+                <a:cs typeface="Times New Roman" panose="02020603050405020304" pitchFamily="18" charset="0"/>
+              </a:endParaRPr>
+            </a:p>
+          </p:txBody>
+        </p:sp>
+      </p:grpSp>
+      <p:grpSp>
+        <p:nvGrpSpPr>
+          <p:cNvPr id="28" name="Group 27">
+            <a:extLst>
+              <a:ext uri="{FF2B5EF4-FFF2-40B4-BE49-F238E27FC236}">
+                <a16:creationId xmlns:a16="http://schemas.microsoft.com/office/drawing/2014/main" id="{056BC3B1-0C6D-9677-6099-6F2D3D5053CF}"/>
+              </a:ext>
+            </a:extLst>
+          </p:cNvPr>
+          <p:cNvGrpSpPr/>
+          <p:nvPr/>
+        </p:nvGrpSpPr>
+        <p:grpSpPr>
+          <a:xfrm rot="10800000">
+            <a:off x="187320" y="1818054"/>
+            <a:ext cx="3119715" cy="242126"/>
+            <a:chOff x="8234363" y="1048512"/>
+            <a:chExt cx="3119715" cy="242126"/>
+          </a:xfrm>
+        </p:grpSpPr>
+        <p:sp>
+          <p:nvSpPr>
+            <p:cNvPr id="29" name="Rectangle 28">
+              <a:extLst>
+                <a:ext uri="{FF2B5EF4-FFF2-40B4-BE49-F238E27FC236}">
+                  <a16:creationId xmlns:a16="http://schemas.microsoft.com/office/drawing/2014/main" id="{93976779-5F23-B7B2-78C1-BAF37276A98C}"/>
+                </a:ext>
+              </a:extLst>
+            </p:cNvPr>
+            <p:cNvSpPr/>
+            <p:nvPr/>
+          </p:nvSpPr>
+          <p:spPr>
+            <a:xfrm>
+              <a:off x="9336024" y="1048512"/>
+              <a:ext cx="908304" cy="91440"/>
+            </a:xfrm>
+            <a:prstGeom prst="rect">
+              <a:avLst/>
+            </a:prstGeom>
+            <a:solidFill>
+              <a:schemeClr val="bg2">
+                <a:lumMod val="50000"/>
+              </a:schemeClr>
+            </a:solidFill>
+            <a:ln>
+              <a:solidFill>
+                <a:schemeClr val="tx1"/>
+              </a:solidFill>
+            </a:ln>
+          </p:spPr>
+          <p:style>
+            <a:lnRef idx="2">
+              <a:schemeClr val="accent1">
+                <a:shade val="50000"/>
+              </a:schemeClr>
+            </a:lnRef>
+            <a:fillRef idx="1">
+              <a:schemeClr val="accent1"/>
+            </a:fillRef>
+            <a:effectRef idx="0">
+              <a:schemeClr val="accent1"/>
+            </a:effectRef>
+            <a:fontRef idx="minor">
+              <a:schemeClr val="lt1"/>
+            </a:fontRef>
+          </p:style>
+          <p:txBody>
+            <a:bodyPr rtlCol="0" anchor="ctr"/>
+            <a:lstStyle/>
+            <a:p>
+              <a:pPr algn="ctr"/>
+              <a:endParaRPr lang="en-US">
+                <a:latin typeface="Times New Roman" panose="02020603050405020304" pitchFamily="18" charset="0"/>
+                <a:cs typeface="Times New Roman" panose="02020603050405020304" pitchFamily="18" charset="0"/>
+              </a:endParaRPr>
+            </a:p>
+          </p:txBody>
+        </p:sp>
+        <p:sp>
+          <p:nvSpPr>
+            <p:cNvPr id="30" name="Rectangle 29">
+              <a:extLst>
+                <a:ext uri="{FF2B5EF4-FFF2-40B4-BE49-F238E27FC236}">
+                  <a16:creationId xmlns:a16="http://schemas.microsoft.com/office/drawing/2014/main" id="{7A05C58C-0E81-ACC0-AF9A-2458874ED5D9}"/>
+                </a:ext>
+              </a:extLst>
+            </p:cNvPr>
+            <p:cNvSpPr/>
+            <p:nvPr/>
+          </p:nvSpPr>
+          <p:spPr>
+            <a:xfrm rot="4472091">
+              <a:off x="8758238" y="676275"/>
+              <a:ext cx="90487" cy="1138238"/>
+            </a:xfrm>
+            <a:prstGeom prst="rect">
+              <a:avLst/>
+            </a:prstGeom>
+            <a:solidFill>
+              <a:schemeClr val="bg2">
+                <a:lumMod val="50000"/>
+              </a:schemeClr>
+            </a:solidFill>
+            <a:ln>
+              <a:solidFill>
+                <a:schemeClr val="tx1"/>
+              </a:solidFill>
+            </a:ln>
+          </p:spPr>
+          <p:style>
+            <a:lnRef idx="2">
+              <a:schemeClr val="accent1">
+                <a:shade val="50000"/>
+              </a:schemeClr>
+            </a:lnRef>
+            <a:fillRef idx="1">
+              <a:schemeClr val="accent1"/>
+            </a:fillRef>
+            <a:effectRef idx="0">
+              <a:schemeClr val="accent1"/>
+            </a:effectRef>
+            <a:fontRef idx="minor">
+              <a:schemeClr val="lt1"/>
+            </a:fontRef>
+          </p:style>
+          <p:txBody>
+            <a:bodyPr rtlCol="0" anchor="ctr"/>
+            <a:lstStyle/>
+            <a:p>
+              <a:pPr algn="ctr"/>
+              <a:endParaRPr lang="en-US">
+                <a:latin typeface="Times New Roman" panose="02020603050405020304" pitchFamily="18" charset="0"/>
+                <a:cs typeface="Times New Roman" panose="02020603050405020304" pitchFamily="18" charset="0"/>
+              </a:endParaRPr>
+            </a:p>
+          </p:txBody>
+        </p:sp>
+        <p:sp>
+          <p:nvSpPr>
+            <p:cNvPr id="31" name="Rectangle 30">
+              <a:extLst>
+                <a:ext uri="{FF2B5EF4-FFF2-40B4-BE49-F238E27FC236}">
+                  <a16:creationId xmlns:a16="http://schemas.microsoft.com/office/drawing/2014/main" id="{0E9F7662-90BF-E003-D03E-915F03E28DB6}"/>
+                </a:ext>
+              </a:extLst>
+            </p:cNvPr>
+            <p:cNvSpPr/>
+            <p:nvPr/>
+          </p:nvSpPr>
+          <p:spPr>
+            <a:xfrm rot="17127909" flipH="1">
+              <a:off x="10739715" y="676276"/>
+              <a:ext cx="90487" cy="1138238"/>
+            </a:xfrm>
+            <a:prstGeom prst="rect">
+              <a:avLst/>
+            </a:prstGeom>
+            <a:solidFill>
+              <a:schemeClr val="bg2">
+                <a:lumMod val="50000"/>
+              </a:schemeClr>
+            </a:solidFill>
+            <a:ln>
+              <a:solidFill>
+                <a:schemeClr val="tx1"/>
+              </a:solidFill>
+            </a:ln>
+          </p:spPr>
+          <p:style>
+            <a:lnRef idx="2">
+              <a:schemeClr val="accent1">
+                <a:shade val="50000"/>
+              </a:schemeClr>
+            </a:lnRef>
+            <a:fillRef idx="1">
+              <a:schemeClr val="accent1"/>
+            </a:fillRef>
+            <a:effectRef idx="0">
+              <a:schemeClr val="accent1"/>
+            </a:effectRef>
+            <a:fontRef idx="minor">
+              <a:schemeClr val="lt1"/>
+            </a:fontRef>
+          </p:style>
+          <p:txBody>
+            <a:bodyPr rtlCol="0" anchor="ctr"/>
+            <a:lstStyle/>
+            <a:p>
+              <a:pPr algn="ctr"/>
+              <a:endParaRPr lang="en-US">
+                <a:latin typeface="Times New Roman" panose="02020603050405020304" pitchFamily="18" charset="0"/>
+                <a:cs typeface="Times New Roman" panose="02020603050405020304" pitchFamily="18" charset="0"/>
+              </a:endParaRPr>
+            </a:p>
+          </p:txBody>
+        </p:sp>
+      </p:grpSp>
+      <p:grpSp>
+        <p:nvGrpSpPr>
+          <p:cNvPr id="32" name="Group 31">
+            <a:extLst>
+              <a:ext uri="{FF2B5EF4-FFF2-40B4-BE49-F238E27FC236}">
+                <a16:creationId xmlns:a16="http://schemas.microsoft.com/office/drawing/2014/main" id="{1A1335E1-2C92-9079-9898-CF3947B9ACD1}"/>
+              </a:ext>
+            </a:extLst>
+          </p:cNvPr>
+          <p:cNvGrpSpPr/>
+          <p:nvPr/>
+        </p:nvGrpSpPr>
+        <p:grpSpPr>
+          <a:xfrm>
+            <a:off x="187320" y="1115770"/>
+            <a:ext cx="3119715" cy="242126"/>
+            <a:chOff x="8234363" y="1048512"/>
+            <a:chExt cx="3119715" cy="242126"/>
+          </a:xfrm>
+        </p:grpSpPr>
+        <p:sp>
+          <p:nvSpPr>
+            <p:cNvPr id="33" name="Rectangle 32">
+              <a:extLst>
+                <a:ext uri="{FF2B5EF4-FFF2-40B4-BE49-F238E27FC236}">
+                  <a16:creationId xmlns:a16="http://schemas.microsoft.com/office/drawing/2014/main" id="{FE1C06B8-088C-3311-36AF-46EC1990B8CD}"/>
+                </a:ext>
+              </a:extLst>
+            </p:cNvPr>
+            <p:cNvSpPr/>
+            <p:nvPr/>
+          </p:nvSpPr>
+          <p:spPr>
+            <a:xfrm>
+              <a:off x="9336024" y="1048512"/>
+              <a:ext cx="908304" cy="91440"/>
+            </a:xfrm>
+            <a:prstGeom prst="rect">
+              <a:avLst/>
+            </a:prstGeom>
+            <a:solidFill>
+              <a:schemeClr val="bg2">
+                <a:lumMod val="50000"/>
+              </a:schemeClr>
+            </a:solidFill>
+            <a:ln>
+              <a:solidFill>
+                <a:schemeClr val="tx1"/>
+              </a:solidFill>
+            </a:ln>
+          </p:spPr>
+          <p:style>
+            <a:lnRef idx="2">
+              <a:schemeClr val="accent1">
+                <a:shade val="50000"/>
+              </a:schemeClr>
+            </a:lnRef>
+            <a:fillRef idx="1">
+              <a:schemeClr val="accent1"/>
+            </a:fillRef>
+            <a:effectRef idx="0">
+              <a:schemeClr val="accent1"/>
+            </a:effectRef>
+            <a:fontRef idx="minor">
+              <a:schemeClr val="lt1"/>
+            </a:fontRef>
+          </p:style>
+          <p:txBody>
+            <a:bodyPr rtlCol="0" anchor="ctr"/>
+            <a:lstStyle/>
+            <a:p>
+              <a:pPr algn="ctr"/>
+              <a:endParaRPr lang="en-US">
+                <a:latin typeface="Times New Roman" panose="02020603050405020304" pitchFamily="18" charset="0"/>
+                <a:cs typeface="Times New Roman" panose="02020603050405020304" pitchFamily="18" charset="0"/>
+              </a:endParaRPr>
+            </a:p>
+          </p:txBody>
+        </p:sp>
+        <p:sp>
+          <p:nvSpPr>
+            <p:cNvPr id="34" name="Rectangle 33">
+              <a:extLst>
+                <a:ext uri="{FF2B5EF4-FFF2-40B4-BE49-F238E27FC236}">
+                  <a16:creationId xmlns:a16="http://schemas.microsoft.com/office/drawing/2014/main" id="{221B8C9E-98A8-7F82-0024-DFEA51AE5A50}"/>
+                </a:ext>
+              </a:extLst>
+            </p:cNvPr>
+            <p:cNvSpPr/>
+            <p:nvPr/>
+          </p:nvSpPr>
+          <p:spPr>
+            <a:xfrm rot="4472091">
+              <a:off x="8758238" y="676275"/>
+              <a:ext cx="90487" cy="1138238"/>
+            </a:xfrm>
+            <a:prstGeom prst="rect">
+              <a:avLst/>
+            </a:prstGeom>
+            <a:solidFill>
+              <a:schemeClr val="bg2">
+                <a:lumMod val="50000"/>
+              </a:schemeClr>
+            </a:solidFill>
+            <a:ln>
+              <a:solidFill>
+                <a:schemeClr val="tx1"/>
+              </a:solidFill>
+            </a:ln>
+          </p:spPr>
+          <p:style>
+            <a:lnRef idx="2">
+              <a:schemeClr val="accent1">
+                <a:shade val="50000"/>
+              </a:schemeClr>
+            </a:lnRef>
+            <a:fillRef idx="1">
+              <a:schemeClr val="accent1"/>
+            </a:fillRef>
+            <a:effectRef idx="0">
+              <a:schemeClr val="accent1"/>
+            </a:effectRef>
+            <a:fontRef idx="minor">
+              <a:schemeClr val="lt1"/>
+            </a:fontRef>
+          </p:style>
+          <p:txBody>
+            <a:bodyPr rtlCol="0" anchor="ctr"/>
+            <a:lstStyle/>
+            <a:p>
+              <a:pPr algn="ctr"/>
+              <a:endParaRPr lang="en-US">
+                <a:latin typeface="Times New Roman" panose="02020603050405020304" pitchFamily="18" charset="0"/>
+                <a:cs typeface="Times New Roman" panose="02020603050405020304" pitchFamily="18" charset="0"/>
+              </a:endParaRPr>
+            </a:p>
+          </p:txBody>
+        </p:sp>
+        <p:sp>
+          <p:nvSpPr>
+            <p:cNvPr id="35" name="Rectangle 34">
+              <a:extLst>
+                <a:ext uri="{FF2B5EF4-FFF2-40B4-BE49-F238E27FC236}">
+                  <a16:creationId xmlns:a16="http://schemas.microsoft.com/office/drawing/2014/main" id="{109124FE-68A5-3AFE-304D-86E32446B66A}"/>
+                </a:ext>
+              </a:extLst>
+            </p:cNvPr>
+            <p:cNvSpPr/>
+            <p:nvPr/>
+          </p:nvSpPr>
+          <p:spPr>
+            <a:xfrm rot="17127909" flipH="1">
+              <a:off x="10739715" y="676276"/>
+              <a:ext cx="90487" cy="1138238"/>
+            </a:xfrm>
+            <a:prstGeom prst="rect">
+              <a:avLst/>
+            </a:prstGeom>
+            <a:solidFill>
+              <a:schemeClr val="bg2">
+                <a:lumMod val="50000"/>
+              </a:schemeClr>
+            </a:solidFill>
+            <a:ln>
+              <a:solidFill>
+                <a:schemeClr val="tx1"/>
+              </a:solidFill>
+            </a:ln>
+          </p:spPr>
+          <p:style>
+            <a:lnRef idx="2">
+              <a:schemeClr val="accent1">
+                <a:shade val="50000"/>
+              </a:schemeClr>
+            </a:lnRef>
+            <a:fillRef idx="1">
+              <a:schemeClr val="accent1"/>
+            </a:fillRef>
+            <a:effectRef idx="0">
+              <a:schemeClr val="accent1"/>
+            </a:effectRef>
+            <a:fontRef idx="minor">
+              <a:schemeClr val="lt1"/>
+            </a:fontRef>
+          </p:style>
+          <p:txBody>
+            <a:bodyPr rtlCol="0" anchor="ctr"/>
+            <a:lstStyle/>
+            <a:p>
+              <a:pPr algn="ctr"/>
+              <a:endParaRPr lang="en-US">
+                <a:latin typeface="Times New Roman" panose="02020603050405020304" pitchFamily="18" charset="0"/>
+                <a:cs typeface="Times New Roman" panose="02020603050405020304" pitchFamily="18" charset="0"/>
+              </a:endParaRPr>
+            </a:p>
+          </p:txBody>
+        </p:sp>
+      </p:grpSp>
+    </p:spTree>
+    <p:extLst>
+      <p:ext uri="{BB962C8B-B14F-4D97-AF65-F5344CB8AC3E}">
+        <p14:creationId xmlns:p14="http://schemas.microsoft.com/office/powerpoint/2010/main" val="44249630"/>
       </p:ext>
     </p:extLst>
   </p:cSld>
